--- a/Projects/CameraSystem/Docs/Block_Diagram.pptx
+++ b/Projects/CameraSystem/Docs/Block_Diagram.pptx
@@ -6,15 +6,16 @@
   </p:sldMasterIdLst>
   <p:sldIdLst>
     <p:sldId id="256" r:id="rId2"/>
+    <p:sldId id="257" r:id="rId3"/>
   </p:sldIdLst>
-  <p:sldSz cx="9906000" cy="6858000" type="A4"/>
+  <p:sldSz cx="12801600" cy="9601200" type="A3"/>
   <p:notesSz cx="6858000" cy="9144000"/>
   <p:defaultTextStyle>
     <a:defPPr>
       <a:defRPr lang="de-DE"/>
     </a:defPPr>
-    <a:lvl1pPr marL="0" algn="l" defTabSz="914400" rtl="0" eaLnBrk="1" latinLnBrk="0" hangingPunct="1">
-      <a:defRPr sz="1800" kern="1200">
+    <a:lvl1pPr marL="0" algn="l" defTabSz="1221692" rtl="0" eaLnBrk="1" latinLnBrk="0" hangingPunct="1">
+      <a:defRPr sz="2400" kern="1200">
         <a:solidFill>
           <a:schemeClr val="tx1"/>
         </a:solidFill>
@@ -23,8 +24,8 @@
         <a:cs typeface="+mn-cs"/>
       </a:defRPr>
     </a:lvl1pPr>
-    <a:lvl2pPr marL="457200" algn="l" defTabSz="914400" rtl="0" eaLnBrk="1" latinLnBrk="0" hangingPunct="1">
-      <a:defRPr sz="1800" kern="1200">
+    <a:lvl2pPr marL="610845" algn="l" defTabSz="1221692" rtl="0" eaLnBrk="1" latinLnBrk="0" hangingPunct="1">
+      <a:defRPr sz="2400" kern="1200">
         <a:solidFill>
           <a:schemeClr val="tx1"/>
         </a:solidFill>
@@ -33,8 +34,8 @@
         <a:cs typeface="+mn-cs"/>
       </a:defRPr>
     </a:lvl2pPr>
-    <a:lvl3pPr marL="914400" algn="l" defTabSz="914400" rtl="0" eaLnBrk="1" latinLnBrk="0" hangingPunct="1">
-      <a:defRPr sz="1800" kern="1200">
+    <a:lvl3pPr marL="1221692" algn="l" defTabSz="1221692" rtl="0" eaLnBrk="1" latinLnBrk="0" hangingPunct="1">
+      <a:defRPr sz="2400" kern="1200">
         <a:solidFill>
           <a:schemeClr val="tx1"/>
         </a:solidFill>
@@ -43,8 +44,8 @@
         <a:cs typeface="+mn-cs"/>
       </a:defRPr>
     </a:lvl3pPr>
-    <a:lvl4pPr marL="1371600" algn="l" defTabSz="914400" rtl="0" eaLnBrk="1" latinLnBrk="0" hangingPunct="1">
-      <a:defRPr sz="1800" kern="1200">
+    <a:lvl4pPr marL="1832539" algn="l" defTabSz="1221692" rtl="0" eaLnBrk="1" latinLnBrk="0" hangingPunct="1">
+      <a:defRPr sz="2400" kern="1200">
         <a:solidFill>
           <a:schemeClr val="tx1"/>
         </a:solidFill>
@@ -53,8 +54,8 @@
         <a:cs typeface="+mn-cs"/>
       </a:defRPr>
     </a:lvl4pPr>
-    <a:lvl5pPr marL="1828800" algn="l" defTabSz="914400" rtl="0" eaLnBrk="1" latinLnBrk="0" hangingPunct="1">
-      <a:defRPr sz="1800" kern="1200">
+    <a:lvl5pPr marL="2443384" algn="l" defTabSz="1221692" rtl="0" eaLnBrk="1" latinLnBrk="0" hangingPunct="1">
+      <a:defRPr sz="2400" kern="1200">
         <a:solidFill>
           <a:schemeClr val="tx1"/>
         </a:solidFill>
@@ -63,8 +64,8 @@
         <a:cs typeface="+mn-cs"/>
       </a:defRPr>
     </a:lvl5pPr>
-    <a:lvl6pPr marL="2286000" algn="l" defTabSz="914400" rtl="0" eaLnBrk="1" latinLnBrk="0" hangingPunct="1">
-      <a:defRPr sz="1800" kern="1200">
+    <a:lvl6pPr marL="3054231" algn="l" defTabSz="1221692" rtl="0" eaLnBrk="1" latinLnBrk="0" hangingPunct="1">
+      <a:defRPr sz="2400" kern="1200">
         <a:solidFill>
           <a:schemeClr val="tx1"/>
         </a:solidFill>
@@ -73,8 +74,8 @@
         <a:cs typeface="+mn-cs"/>
       </a:defRPr>
     </a:lvl6pPr>
-    <a:lvl7pPr marL="2743200" algn="l" defTabSz="914400" rtl="0" eaLnBrk="1" latinLnBrk="0" hangingPunct="1">
-      <a:defRPr sz="1800" kern="1200">
+    <a:lvl7pPr marL="3665077" algn="l" defTabSz="1221692" rtl="0" eaLnBrk="1" latinLnBrk="0" hangingPunct="1">
+      <a:defRPr sz="2400" kern="1200">
         <a:solidFill>
           <a:schemeClr val="tx1"/>
         </a:solidFill>
@@ -83,8 +84,8 @@
         <a:cs typeface="+mn-cs"/>
       </a:defRPr>
     </a:lvl7pPr>
-    <a:lvl8pPr marL="3200400" algn="l" defTabSz="914400" rtl="0" eaLnBrk="1" latinLnBrk="0" hangingPunct="1">
-      <a:defRPr sz="1800" kern="1200">
+    <a:lvl8pPr marL="4275923" algn="l" defTabSz="1221692" rtl="0" eaLnBrk="1" latinLnBrk="0" hangingPunct="1">
+      <a:defRPr sz="2400" kern="1200">
         <a:solidFill>
           <a:schemeClr val="tx1"/>
         </a:solidFill>
@@ -93,8 +94,8 @@
         <a:cs typeface="+mn-cs"/>
       </a:defRPr>
     </a:lvl8pPr>
-    <a:lvl9pPr marL="3657600" algn="l" defTabSz="914400" rtl="0" eaLnBrk="1" latinLnBrk="0" hangingPunct="1">
-      <a:defRPr sz="1800" kern="1200">
+    <a:lvl9pPr marL="4886769" algn="l" defTabSz="1221692" rtl="0" eaLnBrk="1" latinLnBrk="0" hangingPunct="1">
+      <a:defRPr sz="2400" kern="1200">
         <a:solidFill>
           <a:schemeClr val="tx1"/>
         </a:solidFill>
@@ -136,15 +137,15 @@
         </p:nvSpPr>
         <p:spPr>
           <a:xfrm>
-            <a:off x="742950" y="1122363"/>
-            <a:ext cx="8420100" cy="2387600"/>
+            <a:off x="960120" y="1571308"/>
+            <a:ext cx="10881360" cy="3342640"/>
           </a:xfrm>
         </p:spPr>
         <p:txBody>
           <a:bodyPr anchor="b"/>
           <a:lstStyle>
             <a:lvl1pPr algn="ctr">
-              <a:defRPr sz="6000"/>
+              <a:defRPr sz="8000"/>
             </a:lvl1pPr>
           </a:lstStyle>
           <a:p>
@@ -168,8 +169,8 @@
         </p:nvSpPr>
         <p:spPr>
           <a:xfrm>
-            <a:off x="1238250" y="3602038"/>
-            <a:ext cx="7429500" cy="1655762"/>
+            <a:off x="1600200" y="5042853"/>
+            <a:ext cx="9601200" cy="2318067"/>
           </a:xfrm>
         </p:spPr>
         <p:txBody>
@@ -177,39 +178,39 @@
           <a:lstStyle>
             <a:lvl1pPr marL="0" indent="0" algn="ctr">
               <a:buNone/>
+              <a:defRPr sz="3200"/>
+            </a:lvl1pPr>
+            <a:lvl2pPr marL="610845" indent="0" algn="ctr">
+              <a:buNone/>
+              <a:defRPr sz="2700"/>
+            </a:lvl2pPr>
+            <a:lvl3pPr marL="1221692" indent="0" algn="ctr">
+              <a:buNone/>
               <a:defRPr sz="2400"/>
-            </a:lvl1pPr>
-            <a:lvl2pPr marL="457200" indent="0" algn="ctr">
+            </a:lvl3pPr>
+            <a:lvl4pPr marL="1832539" indent="0" algn="ctr">
               <a:buNone/>
-              <a:defRPr sz="2000"/>
-            </a:lvl2pPr>
-            <a:lvl3pPr marL="914400" indent="0" algn="ctr">
+              <a:defRPr sz="2100"/>
+            </a:lvl4pPr>
+            <a:lvl5pPr marL="2443384" indent="0" algn="ctr">
               <a:buNone/>
-              <a:defRPr sz="1800"/>
-            </a:lvl3pPr>
-            <a:lvl4pPr marL="1371600" indent="0" algn="ctr">
+              <a:defRPr sz="2100"/>
+            </a:lvl5pPr>
+            <a:lvl6pPr marL="3054231" indent="0" algn="ctr">
               <a:buNone/>
-              <a:defRPr sz="1600"/>
-            </a:lvl4pPr>
-            <a:lvl5pPr marL="1828800" indent="0" algn="ctr">
+              <a:defRPr sz="2100"/>
+            </a:lvl6pPr>
+            <a:lvl7pPr marL="3665077" indent="0" algn="ctr">
               <a:buNone/>
-              <a:defRPr sz="1600"/>
-            </a:lvl5pPr>
-            <a:lvl6pPr marL="2286000" indent="0" algn="ctr">
+              <a:defRPr sz="2100"/>
+            </a:lvl7pPr>
+            <a:lvl8pPr marL="4275923" indent="0" algn="ctr">
               <a:buNone/>
-              <a:defRPr sz="1600"/>
-            </a:lvl6pPr>
-            <a:lvl7pPr marL="2743200" indent="0" algn="ctr">
+              <a:defRPr sz="2100"/>
+            </a:lvl8pPr>
+            <a:lvl9pPr marL="4886769" indent="0" algn="ctr">
               <a:buNone/>
-              <a:defRPr sz="1600"/>
-            </a:lvl7pPr>
-            <a:lvl8pPr marL="3200400" indent="0" algn="ctr">
-              <a:buNone/>
-              <a:defRPr sz="1600"/>
-            </a:lvl8pPr>
-            <a:lvl9pPr marL="3657600" indent="0" algn="ctr">
-              <a:buNone/>
-              <a:defRPr sz="1600"/>
+              <a:defRPr sz="2100"/>
             </a:lvl9pPr>
           </a:lstStyle>
           <a:p>
@@ -238,7 +239,8 @@
           <a:p>
             <a:fld id="{B1816B0C-7247-44DD-BCB7-DAF5E546C78B}" type="datetimeFigureOut">
               <a:rPr lang="de-DE" smtClean="0"/>
-              <a:t>10.05.2017</a:t>
+              <a:pPr/>
+              <a:t>17.09.2018</a:t>
             </a:fld>
             <a:endParaRPr lang="de-DE"/>
           </a:p>
@@ -280,6 +282,7 @@
           <a:p>
             <a:fld id="{4DE28FB9-0510-47D8-A3D4-85FD7A605EA3}" type="slidenum">
               <a:rPr lang="de-DE" smtClean="0"/>
+              <a:pPr/>
               <a:t>‹#›</a:t>
             </a:fld>
             <a:endParaRPr lang="de-DE"/>
@@ -289,7 +292,7 @@
     </p:spTree>
     <p:extLst>
       <p:ext uri="{BB962C8B-B14F-4D97-AF65-F5344CB8AC3E}">
-        <p14:creationId xmlns:p14="http://schemas.microsoft.com/office/powerpoint/2010/main" val="4183135021"/>
+        <p14:creationId xmlns:p14="http://schemas.microsoft.com/office/powerpoint/2010/main" xmlns="" val="4183135021"/>
       </p:ext>
     </p:extLst>
   </p:cSld>
@@ -408,7 +411,8 @@
           <a:p>
             <a:fld id="{B1816B0C-7247-44DD-BCB7-DAF5E546C78B}" type="datetimeFigureOut">
               <a:rPr lang="de-DE" smtClean="0"/>
-              <a:t>10.05.2017</a:t>
+              <a:pPr/>
+              <a:t>17.09.2018</a:t>
             </a:fld>
             <a:endParaRPr lang="de-DE"/>
           </a:p>
@@ -450,6 +454,7 @@
           <a:p>
             <a:fld id="{4DE28FB9-0510-47D8-A3D4-85FD7A605EA3}" type="slidenum">
               <a:rPr lang="de-DE" smtClean="0"/>
+              <a:pPr/>
               <a:t>‹#›</a:t>
             </a:fld>
             <a:endParaRPr lang="de-DE"/>
@@ -459,7 +464,7 @@
     </p:spTree>
     <p:extLst>
       <p:ext uri="{BB962C8B-B14F-4D97-AF65-F5344CB8AC3E}">
-        <p14:creationId xmlns:p14="http://schemas.microsoft.com/office/powerpoint/2010/main" val="634728941"/>
+        <p14:creationId xmlns:p14="http://schemas.microsoft.com/office/powerpoint/2010/main" xmlns="" val="634728941"/>
       </p:ext>
     </p:extLst>
   </p:cSld>
@@ -498,8 +503,8 @@
         </p:nvSpPr>
         <p:spPr>
           <a:xfrm>
-            <a:off x="7088982" y="365125"/>
-            <a:ext cx="2135981" cy="5811838"/>
+            <a:off x="9161148" y="511175"/>
+            <a:ext cx="2760345" cy="8136573"/>
           </a:xfrm>
         </p:spPr>
         <p:txBody>
@@ -526,8 +531,8 @@
         </p:nvSpPr>
         <p:spPr>
           <a:xfrm>
-            <a:off x="681038" y="365125"/>
-            <a:ext cx="6284119" cy="5811838"/>
+            <a:off x="880113" y="511175"/>
+            <a:ext cx="8121015" cy="8136573"/>
           </a:xfrm>
         </p:spPr>
         <p:txBody>
@@ -588,7 +593,8 @@
           <a:p>
             <a:fld id="{B1816B0C-7247-44DD-BCB7-DAF5E546C78B}" type="datetimeFigureOut">
               <a:rPr lang="de-DE" smtClean="0"/>
-              <a:t>10.05.2017</a:t>
+              <a:pPr/>
+              <a:t>17.09.2018</a:t>
             </a:fld>
             <a:endParaRPr lang="de-DE"/>
           </a:p>
@@ -630,6 +636,7 @@
           <a:p>
             <a:fld id="{4DE28FB9-0510-47D8-A3D4-85FD7A605EA3}" type="slidenum">
               <a:rPr lang="de-DE" smtClean="0"/>
+              <a:pPr/>
               <a:t>‹#›</a:t>
             </a:fld>
             <a:endParaRPr lang="de-DE"/>
@@ -639,7 +646,7 @@
     </p:spTree>
     <p:extLst>
       <p:ext uri="{BB962C8B-B14F-4D97-AF65-F5344CB8AC3E}">
-        <p14:creationId xmlns:p14="http://schemas.microsoft.com/office/powerpoint/2010/main" val="2163732138"/>
+        <p14:creationId xmlns:p14="http://schemas.microsoft.com/office/powerpoint/2010/main" xmlns="" val="2163732138"/>
       </p:ext>
     </p:extLst>
   </p:cSld>
@@ -758,7 +765,8 @@
           <a:p>
             <a:fld id="{B1816B0C-7247-44DD-BCB7-DAF5E546C78B}" type="datetimeFigureOut">
               <a:rPr lang="de-DE" smtClean="0"/>
-              <a:t>10.05.2017</a:t>
+              <a:pPr/>
+              <a:t>17.09.2018</a:t>
             </a:fld>
             <a:endParaRPr lang="de-DE"/>
           </a:p>
@@ -800,6 +808,7 @@
           <a:p>
             <a:fld id="{4DE28FB9-0510-47D8-A3D4-85FD7A605EA3}" type="slidenum">
               <a:rPr lang="de-DE" smtClean="0"/>
+              <a:pPr/>
               <a:t>‹#›</a:t>
             </a:fld>
             <a:endParaRPr lang="de-DE"/>
@@ -809,7 +818,7 @@
     </p:spTree>
     <p:extLst>
       <p:ext uri="{BB962C8B-B14F-4D97-AF65-F5344CB8AC3E}">
-        <p14:creationId xmlns:p14="http://schemas.microsoft.com/office/powerpoint/2010/main" val="815330753"/>
+        <p14:creationId xmlns:p14="http://schemas.microsoft.com/office/powerpoint/2010/main" xmlns="" val="815330753"/>
       </p:ext>
     </p:extLst>
   </p:cSld>
@@ -848,15 +857,15 @@
         </p:nvSpPr>
         <p:spPr>
           <a:xfrm>
-            <a:off x="675879" y="1709740"/>
-            <a:ext cx="8543925" cy="2852737"/>
+            <a:off x="873444" y="2393638"/>
+            <a:ext cx="11041380" cy="3993832"/>
           </a:xfrm>
         </p:spPr>
         <p:txBody>
           <a:bodyPr anchor="b"/>
           <a:lstStyle>
             <a:lvl1pPr>
-              <a:defRPr sz="6000"/>
+              <a:defRPr sz="8000"/>
             </a:lvl1pPr>
           </a:lstStyle>
           <a:p>
@@ -880,8 +889,8 @@
         </p:nvSpPr>
         <p:spPr>
           <a:xfrm>
-            <a:off x="675879" y="4589465"/>
-            <a:ext cx="8543925" cy="1500187"/>
+            <a:off x="873444" y="6425253"/>
+            <a:ext cx="11041380" cy="2100262"/>
           </a:xfrm>
         </p:spPr>
         <p:txBody>
@@ -889,15 +898,15 @@
           <a:lstStyle>
             <a:lvl1pPr marL="0" indent="0">
               <a:buNone/>
-              <a:defRPr sz="2400">
+              <a:defRPr sz="3200">
                 <a:solidFill>
                   <a:schemeClr val="tx1"/>
                 </a:solidFill>
               </a:defRPr>
             </a:lvl1pPr>
-            <a:lvl2pPr marL="457200" indent="0">
+            <a:lvl2pPr marL="610845" indent="0">
               <a:buNone/>
-              <a:defRPr sz="2000">
+              <a:defRPr sz="2700">
                 <a:solidFill>
                   <a:schemeClr val="tx1">
                     <a:tint val="75000"/>
@@ -905,9 +914,9 @@
                 </a:solidFill>
               </a:defRPr>
             </a:lvl2pPr>
-            <a:lvl3pPr marL="914400" indent="0">
+            <a:lvl3pPr marL="1221692" indent="0">
               <a:buNone/>
-              <a:defRPr sz="1800">
+              <a:defRPr sz="2400">
                 <a:solidFill>
                   <a:schemeClr val="tx1">
                     <a:tint val="75000"/>
@@ -915,9 +924,9 @@
                 </a:solidFill>
               </a:defRPr>
             </a:lvl3pPr>
-            <a:lvl4pPr marL="1371600" indent="0">
+            <a:lvl4pPr marL="1832539" indent="0">
               <a:buNone/>
-              <a:defRPr sz="1600">
+              <a:defRPr sz="2100">
                 <a:solidFill>
                   <a:schemeClr val="tx1">
                     <a:tint val="75000"/>
@@ -925,9 +934,9 @@
                 </a:solidFill>
               </a:defRPr>
             </a:lvl4pPr>
-            <a:lvl5pPr marL="1828800" indent="0">
+            <a:lvl5pPr marL="2443384" indent="0">
               <a:buNone/>
-              <a:defRPr sz="1600">
+              <a:defRPr sz="2100">
                 <a:solidFill>
                   <a:schemeClr val="tx1">
                     <a:tint val="75000"/>
@@ -935,9 +944,9 @@
                 </a:solidFill>
               </a:defRPr>
             </a:lvl5pPr>
-            <a:lvl6pPr marL="2286000" indent="0">
+            <a:lvl6pPr marL="3054231" indent="0">
               <a:buNone/>
-              <a:defRPr sz="1600">
+              <a:defRPr sz="2100">
                 <a:solidFill>
                   <a:schemeClr val="tx1">
                     <a:tint val="75000"/>
@@ -945,9 +954,9 @@
                 </a:solidFill>
               </a:defRPr>
             </a:lvl6pPr>
-            <a:lvl7pPr marL="2743200" indent="0">
+            <a:lvl7pPr marL="3665077" indent="0">
               <a:buNone/>
-              <a:defRPr sz="1600">
+              <a:defRPr sz="2100">
                 <a:solidFill>
                   <a:schemeClr val="tx1">
                     <a:tint val="75000"/>
@@ -955,9 +964,9 @@
                 </a:solidFill>
               </a:defRPr>
             </a:lvl7pPr>
-            <a:lvl8pPr marL="3200400" indent="0">
+            <a:lvl8pPr marL="4275923" indent="0">
               <a:buNone/>
-              <a:defRPr sz="1600">
+              <a:defRPr sz="2100">
                 <a:solidFill>
                   <a:schemeClr val="tx1">
                     <a:tint val="75000"/>
@@ -965,9 +974,9 @@
                 </a:solidFill>
               </a:defRPr>
             </a:lvl8pPr>
-            <a:lvl9pPr marL="3657600" indent="0">
+            <a:lvl9pPr marL="4886769" indent="0">
               <a:buNone/>
-              <a:defRPr sz="1600">
+              <a:defRPr sz="2100">
                 <a:solidFill>
                   <a:schemeClr val="tx1">
                     <a:tint val="75000"/>
@@ -1002,7 +1011,8 @@
           <a:p>
             <a:fld id="{B1816B0C-7247-44DD-BCB7-DAF5E546C78B}" type="datetimeFigureOut">
               <a:rPr lang="de-DE" smtClean="0"/>
-              <a:t>10.05.2017</a:t>
+              <a:pPr/>
+              <a:t>17.09.2018</a:t>
             </a:fld>
             <a:endParaRPr lang="de-DE"/>
           </a:p>
@@ -1044,6 +1054,7 @@
           <a:p>
             <a:fld id="{4DE28FB9-0510-47D8-A3D4-85FD7A605EA3}" type="slidenum">
               <a:rPr lang="de-DE" smtClean="0"/>
+              <a:pPr/>
               <a:t>‹#›</a:t>
             </a:fld>
             <a:endParaRPr lang="de-DE"/>
@@ -1053,7 +1064,7 @@
     </p:spTree>
     <p:extLst>
       <p:ext uri="{BB962C8B-B14F-4D97-AF65-F5344CB8AC3E}">
-        <p14:creationId xmlns:p14="http://schemas.microsoft.com/office/powerpoint/2010/main" val="2365557286"/>
+        <p14:creationId xmlns:p14="http://schemas.microsoft.com/office/powerpoint/2010/main" xmlns="" val="2365557286"/>
       </p:ext>
     </p:extLst>
   </p:cSld>
@@ -1115,8 +1126,8 @@
         </p:nvSpPr>
         <p:spPr>
           <a:xfrm>
-            <a:off x="681038" y="1825625"/>
-            <a:ext cx="4210050" cy="4351338"/>
+            <a:off x="880111" y="2555875"/>
+            <a:ext cx="5440680" cy="6091873"/>
           </a:xfrm>
         </p:spPr>
         <p:txBody>
@@ -1172,8 +1183,8 @@
         </p:nvSpPr>
         <p:spPr>
           <a:xfrm>
-            <a:off x="5014913" y="1825625"/>
-            <a:ext cx="4210050" cy="4351338"/>
+            <a:off x="6480811" y="2555875"/>
+            <a:ext cx="5440680" cy="6091873"/>
           </a:xfrm>
         </p:spPr>
         <p:txBody>
@@ -1234,7 +1245,8 @@
           <a:p>
             <a:fld id="{B1816B0C-7247-44DD-BCB7-DAF5E546C78B}" type="datetimeFigureOut">
               <a:rPr lang="de-DE" smtClean="0"/>
-              <a:t>10.05.2017</a:t>
+              <a:pPr/>
+              <a:t>17.09.2018</a:t>
             </a:fld>
             <a:endParaRPr lang="de-DE"/>
           </a:p>
@@ -1276,6 +1288,7 @@
           <a:p>
             <a:fld id="{4DE28FB9-0510-47D8-A3D4-85FD7A605EA3}" type="slidenum">
               <a:rPr lang="de-DE" smtClean="0"/>
+              <a:pPr/>
               <a:t>‹#›</a:t>
             </a:fld>
             <a:endParaRPr lang="de-DE"/>
@@ -1285,7 +1298,7 @@
     </p:spTree>
     <p:extLst>
       <p:ext uri="{BB962C8B-B14F-4D97-AF65-F5344CB8AC3E}">
-        <p14:creationId xmlns:p14="http://schemas.microsoft.com/office/powerpoint/2010/main" val="1503624474"/>
+        <p14:creationId xmlns:p14="http://schemas.microsoft.com/office/powerpoint/2010/main" xmlns="" val="1503624474"/>
       </p:ext>
     </p:extLst>
   </p:cSld>
@@ -1324,8 +1337,8 @@
         </p:nvSpPr>
         <p:spPr>
           <a:xfrm>
-            <a:off x="682328" y="365127"/>
-            <a:ext cx="8543925" cy="1325563"/>
+            <a:off x="881778" y="511180"/>
+            <a:ext cx="11041380" cy="1855788"/>
           </a:xfrm>
         </p:spPr>
         <p:txBody>
@@ -1352,8 +1365,8 @@
         </p:nvSpPr>
         <p:spPr>
           <a:xfrm>
-            <a:off x="682329" y="1681163"/>
-            <a:ext cx="4190702" cy="823912"/>
+            <a:off x="881779" y="2353628"/>
+            <a:ext cx="5415676" cy="1153477"/>
           </a:xfrm>
         </p:spPr>
         <p:txBody>
@@ -1361,39 +1374,39 @@
           <a:lstStyle>
             <a:lvl1pPr marL="0" indent="0">
               <a:buNone/>
+              <a:defRPr sz="3200" b="1"/>
+            </a:lvl1pPr>
+            <a:lvl2pPr marL="610845" indent="0">
+              <a:buNone/>
+              <a:defRPr sz="2700" b="1"/>
+            </a:lvl2pPr>
+            <a:lvl3pPr marL="1221692" indent="0">
+              <a:buNone/>
               <a:defRPr sz="2400" b="1"/>
-            </a:lvl1pPr>
-            <a:lvl2pPr marL="457200" indent="0">
+            </a:lvl3pPr>
+            <a:lvl4pPr marL="1832539" indent="0">
               <a:buNone/>
-              <a:defRPr sz="2000" b="1"/>
-            </a:lvl2pPr>
-            <a:lvl3pPr marL="914400" indent="0">
+              <a:defRPr sz="2100" b="1"/>
+            </a:lvl4pPr>
+            <a:lvl5pPr marL="2443384" indent="0">
               <a:buNone/>
-              <a:defRPr sz="1800" b="1"/>
-            </a:lvl3pPr>
-            <a:lvl4pPr marL="1371600" indent="0">
+              <a:defRPr sz="2100" b="1"/>
+            </a:lvl5pPr>
+            <a:lvl6pPr marL="3054231" indent="0">
               <a:buNone/>
-              <a:defRPr sz="1600" b="1"/>
-            </a:lvl4pPr>
-            <a:lvl5pPr marL="1828800" indent="0">
+              <a:defRPr sz="2100" b="1"/>
+            </a:lvl6pPr>
+            <a:lvl7pPr marL="3665077" indent="0">
               <a:buNone/>
-              <a:defRPr sz="1600" b="1"/>
-            </a:lvl5pPr>
-            <a:lvl6pPr marL="2286000" indent="0">
+              <a:defRPr sz="2100" b="1"/>
+            </a:lvl7pPr>
+            <a:lvl8pPr marL="4275923" indent="0">
               <a:buNone/>
-              <a:defRPr sz="1600" b="1"/>
-            </a:lvl6pPr>
-            <a:lvl7pPr marL="2743200" indent="0">
+              <a:defRPr sz="2100" b="1"/>
+            </a:lvl8pPr>
+            <a:lvl9pPr marL="4886769" indent="0">
               <a:buNone/>
-              <a:defRPr sz="1600" b="1"/>
-            </a:lvl7pPr>
-            <a:lvl8pPr marL="3200400" indent="0">
-              <a:buNone/>
-              <a:defRPr sz="1600" b="1"/>
-            </a:lvl8pPr>
-            <a:lvl9pPr marL="3657600" indent="0">
-              <a:buNone/>
-              <a:defRPr sz="1600" b="1"/>
+              <a:defRPr sz="2100" b="1"/>
             </a:lvl9pPr>
           </a:lstStyle>
           <a:p>
@@ -1417,8 +1430,8 @@
         </p:nvSpPr>
         <p:spPr>
           <a:xfrm>
-            <a:off x="682329" y="2505075"/>
-            <a:ext cx="4190702" cy="3684588"/>
+            <a:off x="881779" y="3507105"/>
+            <a:ext cx="5415676" cy="5158423"/>
           </a:xfrm>
         </p:spPr>
         <p:txBody>
@@ -1474,8 +1487,8 @@
         </p:nvSpPr>
         <p:spPr>
           <a:xfrm>
-            <a:off x="5014913" y="1681163"/>
-            <a:ext cx="4211340" cy="823912"/>
+            <a:off x="6480812" y="2353628"/>
+            <a:ext cx="5442347" cy="1153477"/>
           </a:xfrm>
         </p:spPr>
         <p:txBody>
@@ -1483,39 +1496,39 @@
           <a:lstStyle>
             <a:lvl1pPr marL="0" indent="0">
               <a:buNone/>
+              <a:defRPr sz="3200" b="1"/>
+            </a:lvl1pPr>
+            <a:lvl2pPr marL="610845" indent="0">
+              <a:buNone/>
+              <a:defRPr sz="2700" b="1"/>
+            </a:lvl2pPr>
+            <a:lvl3pPr marL="1221692" indent="0">
+              <a:buNone/>
               <a:defRPr sz="2400" b="1"/>
-            </a:lvl1pPr>
-            <a:lvl2pPr marL="457200" indent="0">
+            </a:lvl3pPr>
+            <a:lvl4pPr marL="1832539" indent="0">
               <a:buNone/>
-              <a:defRPr sz="2000" b="1"/>
-            </a:lvl2pPr>
-            <a:lvl3pPr marL="914400" indent="0">
+              <a:defRPr sz="2100" b="1"/>
+            </a:lvl4pPr>
+            <a:lvl5pPr marL="2443384" indent="0">
               <a:buNone/>
-              <a:defRPr sz="1800" b="1"/>
-            </a:lvl3pPr>
-            <a:lvl4pPr marL="1371600" indent="0">
+              <a:defRPr sz="2100" b="1"/>
+            </a:lvl5pPr>
+            <a:lvl6pPr marL="3054231" indent="0">
               <a:buNone/>
-              <a:defRPr sz="1600" b="1"/>
-            </a:lvl4pPr>
-            <a:lvl5pPr marL="1828800" indent="0">
+              <a:defRPr sz="2100" b="1"/>
+            </a:lvl6pPr>
+            <a:lvl7pPr marL="3665077" indent="0">
               <a:buNone/>
-              <a:defRPr sz="1600" b="1"/>
-            </a:lvl5pPr>
-            <a:lvl6pPr marL="2286000" indent="0">
+              <a:defRPr sz="2100" b="1"/>
+            </a:lvl7pPr>
+            <a:lvl8pPr marL="4275923" indent="0">
               <a:buNone/>
-              <a:defRPr sz="1600" b="1"/>
-            </a:lvl6pPr>
-            <a:lvl7pPr marL="2743200" indent="0">
+              <a:defRPr sz="2100" b="1"/>
+            </a:lvl8pPr>
+            <a:lvl9pPr marL="4886769" indent="0">
               <a:buNone/>
-              <a:defRPr sz="1600" b="1"/>
-            </a:lvl7pPr>
-            <a:lvl8pPr marL="3200400" indent="0">
-              <a:buNone/>
-              <a:defRPr sz="1600" b="1"/>
-            </a:lvl8pPr>
-            <a:lvl9pPr marL="3657600" indent="0">
-              <a:buNone/>
-              <a:defRPr sz="1600" b="1"/>
+              <a:defRPr sz="2100" b="1"/>
             </a:lvl9pPr>
           </a:lstStyle>
           <a:p>
@@ -1539,8 +1552,8 @@
         </p:nvSpPr>
         <p:spPr>
           <a:xfrm>
-            <a:off x="5014913" y="2505075"/>
-            <a:ext cx="4211340" cy="3684588"/>
+            <a:off x="6480812" y="3507105"/>
+            <a:ext cx="5442347" cy="5158423"/>
           </a:xfrm>
         </p:spPr>
         <p:txBody>
@@ -1601,7 +1614,8 @@
           <a:p>
             <a:fld id="{B1816B0C-7247-44DD-BCB7-DAF5E546C78B}" type="datetimeFigureOut">
               <a:rPr lang="de-DE" smtClean="0"/>
-              <a:t>10.05.2017</a:t>
+              <a:pPr/>
+              <a:t>17.09.2018</a:t>
             </a:fld>
             <a:endParaRPr lang="de-DE"/>
           </a:p>
@@ -1643,6 +1657,7 @@
           <a:p>
             <a:fld id="{4DE28FB9-0510-47D8-A3D4-85FD7A605EA3}" type="slidenum">
               <a:rPr lang="de-DE" smtClean="0"/>
+              <a:pPr/>
               <a:t>‹#›</a:t>
             </a:fld>
             <a:endParaRPr lang="de-DE"/>
@@ -1652,7 +1667,7 @@
     </p:spTree>
     <p:extLst>
       <p:ext uri="{BB962C8B-B14F-4D97-AF65-F5344CB8AC3E}">
-        <p14:creationId xmlns:p14="http://schemas.microsoft.com/office/powerpoint/2010/main" val="3505896177"/>
+        <p14:creationId xmlns:p14="http://schemas.microsoft.com/office/powerpoint/2010/main" xmlns="" val="3505896177"/>
       </p:ext>
     </p:extLst>
   </p:cSld>
@@ -1719,7 +1734,8 @@
           <a:p>
             <a:fld id="{B1816B0C-7247-44DD-BCB7-DAF5E546C78B}" type="datetimeFigureOut">
               <a:rPr lang="de-DE" smtClean="0"/>
-              <a:t>10.05.2017</a:t>
+              <a:pPr/>
+              <a:t>17.09.2018</a:t>
             </a:fld>
             <a:endParaRPr lang="de-DE"/>
           </a:p>
@@ -1761,6 +1777,7 @@
           <a:p>
             <a:fld id="{4DE28FB9-0510-47D8-A3D4-85FD7A605EA3}" type="slidenum">
               <a:rPr lang="de-DE" smtClean="0"/>
+              <a:pPr/>
               <a:t>‹#›</a:t>
             </a:fld>
             <a:endParaRPr lang="de-DE"/>
@@ -1770,7 +1787,7 @@
     </p:spTree>
     <p:extLst>
       <p:ext uri="{BB962C8B-B14F-4D97-AF65-F5344CB8AC3E}">
-        <p14:creationId xmlns:p14="http://schemas.microsoft.com/office/powerpoint/2010/main" val="704671550"/>
+        <p14:creationId xmlns:p14="http://schemas.microsoft.com/office/powerpoint/2010/main" xmlns="" val="704671550"/>
       </p:ext>
     </p:extLst>
   </p:cSld>
@@ -1814,7 +1831,8 @@
           <a:p>
             <a:fld id="{B1816B0C-7247-44DD-BCB7-DAF5E546C78B}" type="datetimeFigureOut">
               <a:rPr lang="de-DE" smtClean="0"/>
-              <a:t>10.05.2017</a:t>
+              <a:pPr/>
+              <a:t>17.09.2018</a:t>
             </a:fld>
             <a:endParaRPr lang="de-DE"/>
           </a:p>
@@ -1856,6 +1874,7 @@
           <a:p>
             <a:fld id="{4DE28FB9-0510-47D8-A3D4-85FD7A605EA3}" type="slidenum">
               <a:rPr lang="de-DE" smtClean="0"/>
+              <a:pPr/>
               <a:t>‹#›</a:t>
             </a:fld>
             <a:endParaRPr lang="de-DE"/>
@@ -1865,7 +1884,7 @@
     </p:spTree>
     <p:extLst>
       <p:ext uri="{BB962C8B-B14F-4D97-AF65-F5344CB8AC3E}">
-        <p14:creationId xmlns:p14="http://schemas.microsoft.com/office/powerpoint/2010/main" val="449122657"/>
+        <p14:creationId xmlns:p14="http://schemas.microsoft.com/office/powerpoint/2010/main" xmlns="" val="449122657"/>
       </p:ext>
     </p:extLst>
   </p:cSld>
@@ -1904,15 +1923,15 @@
         </p:nvSpPr>
         <p:spPr>
           <a:xfrm>
-            <a:off x="682328" y="457200"/>
-            <a:ext cx="3194943" cy="1600200"/>
+            <a:off x="881780" y="640080"/>
+            <a:ext cx="4128849" cy="2240280"/>
           </a:xfrm>
         </p:spPr>
         <p:txBody>
           <a:bodyPr anchor="b"/>
           <a:lstStyle>
             <a:lvl1pPr>
-              <a:defRPr sz="3200"/>
+              <a:defRPr sz="4300"/>
             </a:lvl1pPr>
           </a:lstStyle>
           <a:p>
@@ -1936,39 +1955,39 @@
         </p:nvSpPr>
         <p:spPr>
           <a:xfrm>
-            <a:off x="4211340" y="987427"/>
-            <a:ext cx="5014913" cy="4873625"/>
+            <a:off x="5442349" y="1382400"/>
+            <a:ext cx="6480811" cy="6823075"/>
           </a:xfrm>
         </p:spPr>
         <p:txBody>
           <a:bodyPr/>
           <a:lstStyle>
             <a:lvl1pPr>
-              <a:defRPr sz="3200"/>
+              <a:defRPr sz="4300"/>
             </a:lvl1pPr>
             <a:lvl2pPr>
-              <a:defRPr sz="2800"/>
+              <a:defRPr sz="3700"/>
             </a:lvl2pPr>
             <a:lvl3pPr>
-              <a:defRPr sz="2400"/>
+              <a:defRPr sz="3200"/>
             </a:lvl3pPr>
             <a:lvl4pPr>
-              <a:defRPr sz="2000"/>
+              <a:defRPr sz="2700"/>
             </a:lvl4pPr>
             <a:lvl5pPr>
-              <a:defRPr sz="2000"/>
+              <a:defRPr sz="2700"/>
             </a:lvl5pPr>
             <a:lvl6pPr>
-              <a:defRPr sz="2000"/>
+              <a:defRPr sz="2700"/>
             </a:lvl6pPr>
             <a:lvl7pPr>
-              <a:defRPr sz="2000"/>
+              <a:defRPr sz="2700"/>
             </a:lvl7pPr>
             <a:lvl8pPr>
-              <a:defRPr sz="2000"/>
+              <a:defRPr sz="2700"/>
             </a:lvl8pPr>
             <a:lvl9pPr>
-              <a:defRPr sz="2000"/>
+              <a:defRPr sz="2700"/>
             </a:lvl9pPr>
           </a:lstStyle>
           <a:p>
@@ -2021,8 +2040,8 @@
         </p:nvSpPr>
         <p:spPr>
           <a:xfrm>
-            <a:off x="682328" y="2057400"/>
-            <a:ext cx="3194943" cy="3811588"/>
+            <a:off x="881780" y="2880360"/>
+            <a:ext cx="4128849" cy="5336223"/>
           </a:xfrm>
         </p:spPr>
         <p:txBody>
@@ -2030,39 +2049,39 @@
           <a:lstStyle>
             <a:lvl1pPr marL="0" indent="0">
               <a:buNone/>
+              <a:defRPr sz="2100"/>
+            </a:lvl1pPr>
+            <a:lvl2pPr marL="610845" indent="0">
+              <a:buNone/>
+              <a:defRPr sz="1900"/>
+            </a:lvl2pPr>
+            <a:lvl3pPr marL="1221692" indent="0">
+              <a:buNone/>
               <a:defRPr sz="1600"/>
-            </a:lvl1pPr>
-            <a:lvl2pPr marL="457200" indent="0">
+            </a:lvl3pPr>
+            <a:lvl4pPr marL="1832539" indent="0">
               <a:buNone/>
-              <a:defRPr sz="1400"/>
-            </a:lvl2pPr>
-            <a:lvl3pPr marL="914400" indent="0">
+              <a:defRPr sz="1300"/>
+            </a:lvl4pPr>
+            <a:lvl5pPr marL="2443384" indent="0">
               <a:buNone/>
-              <a:defRPr sz="1200"/>
-            </a:lvl3pPr>
-            <a:lvl4pPr marL="1371600" indent="0">
+              <a:defRPr sz="1300"/>
+            </a:lvl5pPr>
+            <a:lvl6pPr marL="3054231" indent="0">
               <a:buNone/>
-              <a:defRPr sz="1000"/>
-            </a:lvl4pPr>
-            <a:lvl5pPr marL="1828800" indent="0">
+              <a:defRPr sz="1300"/>
+            </a:lvl6pPr>
+            <a:lvl7pPr marL="3665077" indent="0">
               <a:buNone/>
-              <a:defRPr sz="1000"/>
-            </a:lvl5pPr>
-            <a:lvl6pPr marL="2286000" indent="0">
+              <a:defRPr sz="1300"/>
+            </a:lvl7pPr>
+            <a:lvl8pPr marL="4275923" indent="0">
               <a:buNone/>
-              <a:defRPr sz="1000"/>
-            </a:lvl6pPr>
-            <a:lvl7pPr marL="2743200" indent="0">
+              <a:defRPr sz="1300"/>
+            </a:lvl8pPr>
+            <a:lvl9pPr marL="4886769" indent="0">
               <a:buNone/>
-              <a:defRPr sz="1000"/>
-            </a:lvl7pPr>
-            <a:lvl8pPr marL="3200400" indent="0">
-              <a:buNone/>
-              <a:defRPr sz="1000"/>
-            </a:lvl8pPr>
-            <a:lvl9pPr marL="3657600" indent="0">
-              <a:buNone/>
-              <a:defRPr sz="1000"/>
+              <a:defRPr sz="1300"/>
             </a:lvl9pPr>
           </a:lstStyle>
           <a:p>
@@ -2091,7 +2110,8 @@
           <a:p>
             <a:fld id="{B1816B0C-7247-44DD-BCB7-DAF5E546C78B}" type="datetimeFigureOut">
               <a:rPr lang="de-DE" smtClean="0"/>
-              <a:t>10.05.2017</a:t>
+              <a:pPr/>
+              <a:t>17.09.2018</a:t>
             </a:fld>
             <a:endParaRPr lang="de-DE"/>
           </a:p>
@@ -2133,6 +2153,7 @@
           <a:p>
             <a:fld id="{4DE28FB9-0510-47D8-A3D4-85FD7A605EA3}" type="slidenum">
               <a:rPr lang="de-DE" smtClean="0"/>
+              <a:pPr/>
               <a:t>‹#›</a:t>
             </a:fld>
             <a:endParaRPr lang="de-DE"/>
@@ -2142,7 +2163,7 @@
     </p:spTree>
     <p:extLst>
       <p:ext uri="{BB962C8B-B14F-4D97-AF65-F5344CB8AC3E}">
-        <p14:creationId xmlns:p14="http://schemas.microsoft.com/office/powerpoint/2010/main" val="2525634023"/>
+        <p14:creationId xmlns:p14="http://schemas.microsoft.com/office/powerpoint/2010/main" xmlns="" val="2525634023"/>
       </p:ext>
     </p:extLst>
   </p:cSld>
@@ -2181,15 +2202,15 @@
         </p:nvSpPr>
         <p:spPr>
           <a:xfrm>
-            <a:off x="682328" y="457200"/>
-            <a:ext cx="3194943" cy="1600200"/>
+            <a:off x="881780" y="640080"/>
+            <a:ext cx="4128849" cy="2240280"/>
           </a:xfrm>
         </p:spPr>
         <p:txBody>
           <a:bodyPr anchor="b"/>
           <a:lstStyle>
             <a:lvl1pPr>
-              <a:defRPr sz="3200"/>
+              <a:defRPr sz="4300"/>
             </a:lvl1pPr>
           </a:lstStyle>
           <a:p>
@@ -2213,8 +2234,8 @@
         </p:nvSpPr>
         <p:spPr>
           <a:xfrm>
-            <a:off x="4211340" y="987427"/>
-            <a:ext cx="5014913" cy="4873625"/>
+            <a:off x="5442349" y="1382400"/>
+            <a:ext cx="6480811" cy="6823075"/>
           </a:xfrm>
         </p:spPr>
         <p:txBody>
@@ -2222,39 +2243,39 @@
           <a:lstStyle>
             <a:lvl1pPr marL="0" indent="0">
               <a:buNone/>
+              <a:defRPr sz="4300"/>
+            </a:lvl1pPr>
+            <a:lvl2pPr marL="610845" indent="0">
+              <a:buNone/>
+              <a:defRPr sz="3700"/>
+            </a:lvl2pPr>
+            <a:lvl3pPr marL="1221692" indent="0">
+              <a:buNone/>
               <a:defRPr sz="3200"/>
-            </a:lvl1pPr>
-            <a:lvl2pPr marL="457200" indent="0">
+            </a:lvl3pPr>
+            <a:lvl4pPr marL="1832539" indent="0">
               <a:buNone/>
-              <a:defRPr sz="2800"/>
-            </a:lvl2pPr>
-            <a:lvl3pPr marL="914400" indent="0">
+              <a:defRPr sz="2700"/>
+            </a:lvl4pPr>
+            <a:lvl5pPr marL="2443384" indent="0">
               <a:buNone/>
-              <a:defRPr sz="2400"/>
-            </a:lvl3pPr>
-            <a:lvl4pPr marL="1371600" indent="0">
+              <a:defRPr sz="2700"/>
+            </a:lvl5pPr>
+            <a:lvl6pPr marL="3054231" indent="0">
               <a:buNone/>
-              <a:defRPr sz="2000"/>
-            </a:lvl4pPr>
-            <a:lvl5pPr marL="1828800" indent="0">
+              <a:defRPr sz="2700"/>
+            </a:lvl6pPr>
+            <a:lvl7pPr marL="3665077" indent="0">
               <a:buNone/>
-              <a:defRPr sz="2000"/>
-            </a:lvl5pPr>
-            <a:lvl6pPr marL="2286000" indent="0">
+              <a:defRPr sz="2700"/>
+            </a:lvl7pPr>
+            <a:lvl8pPr marL="4275923" indent="0">
               <a:buNone/>
-              <a:defRPr sz="2000"/>
-            </a:lvl6pPr>
-            <a:lvl7pPr marL="2743200" indent="0">
+              <a:defRPr sz="2700"/>
+            </a:lvl8pPr>
+            <a:lvl9pPr marL="4886769" indent="0">
               <a:buNone/>
-              <a:defRPr sz="2000"/>
-            </a:lvl7pPr>
-            <a:lvl8pPr marL="3200400" indent="0">
-              <a:buNone/>
-              <a:defRPr sz="2000"/>
-            </a:lvl8pPr>
-            <a:lvl9pPr marL="3657600" indent="0">
-              <a:buNone/>
-              <a:defRPr sz="2000"/>
+              <a:defRPr sz="2700"/>
             </a:lvl9pPr>
           </a:lstStyle>
           <a:p>
@@ -2278,8 +2299,8 @@
         </p:nvSpPr>
         <p:spPr>
           <a:xfrm>
-            <a:off x="682328" y="2057400"/>
-            <a:ext cx="3194943" cy="3811588"/>
+            <a:off x="881780" y="2880360"/>
+            <a:ext cx="4128849" cy="5336223"/>
           </a:xfrm>
         </p:spPr>
         <p:txBody>
@@ -2287,39 +2308,39 @@
           <a:lstStyle>
             <a:lvl1pPr marL="0" indent="0">
               <a:buNone/>
+              <a:defRPr sz="2100"/>
+            </a:lvl1pPr>
+            <a:lvl2pPr marL="610845" indent="0">
+              <a:buNone/>
+              <a:defRPr sz="1900"/>
+            </a:lvl2pPr>
+            <a:lvl3pPr marL="1221692" indent="0">
+              <a:buNone/>
               <a:defRPr sz="1600"/>
-            </a:lvl1pPr>
-            <a:lvl2pPr marL="457200" indent="0">
+            </a:lvl3pPr>
+            <a:lvl4pPr marL="1832539" indent="0">
               <a:buNone/>
-              <a:defRPr sz="1400"/>
-            </a:lvl2pPr>
-            <a:lvl3pPr marL="914400" indent="0">
+              <a:defRPr sz="1300"/>
+            </a:lvl4pPr>
+            <a:lvl5pPr marL="2443384" indent="0">
               <a:buNone/>
-              <a:defRPr sz="1200"/>
-            </a:lvl3pPr>
-            <a:lvl4pPr marL="1371600" indent="0">
+              <a:defRPr sz="1300"/>
+            </a:lvl5pPr>
+            <a:lvl6pPr marL="3054231" indent="0">
               <a:buNone/>
-              <a:defRPr sz="1000"/>
-            </a:lvl4pPr>
-            <a:lvl5pPr marL="1828800" indent="0">
+              <a:defRPr sz="1300"/>
+            </a:lvl6pPr>
+            <a:lvl7pPr marL="3665077" indent="0">
               <a:buNone/>
-              <a:defRPr sz="1000"/>
-            </a:lvl5pPr>
-            <a:lvl6pPr marL="2286000" indent="0">
+              <a:defRPr sz="1300"/>
+            </a:lvl7pPr>
+            <a:lvl8pPr marL="4275923" indent="0">
               <a:buNone/>
-              <a:defRPr sz="1000"/>
-            </a:lvl6pPr>
-            <a:lvl7pPr marL="2743200" indent="0">
+              <a:defRPr sz="1300"/>
+            </a:lvl8pPr>
+            <a:lvl9pPr marL="4886769" indent="0">
               <a:buNone/>
-              <a:defRPr sz="1000"/>
-            </a:lvl7pPr>
-            <a:lvl8pPr marL="3200400" indent="0">
-              <a:buNone/>
-              <a:defRPr sz="1000"/>
-            </a:lvl8pPr>
-            <a:lvl9pPr marL="3657600" indent="0">
-              <a:buNone/>
-              <a:defRPr sz="1000"/>
+              <a:defRPr sz="1300"/>
             </a:lvl9pPr>
           </a:lstStyle>
           <a:p>
@@ -2348,7 +2369,8 @@
           <a:p>
             <a:fld id="{B1816B0C-7247-44DD-BCB7-DAF5E546C78B}" type="datetimeFigureOut">
               <a:rPr lang="de-DE" smtClean="0"/>
-              <a:t>10.05.2017</a:t>
+              <a:pPr/>
+              <a:t>17.09.2018</a:t>
             </a:fld>
             <a:endParaRPr lang="de-DE"/>
           </a:p>
@@ -2390,6 +2412,7 @@
           <a:p>
             <a:fld id="{4DE28FB9-0510-47D8-A3D4-85FD7A605EA3}" type="slidenum">
               <a:rPr lang="de-DE" smtClean="0"/>
+              <a:pPr/>
               <a:t>‹#›</a:t>
             </a:fld>
             <a:endParaRPr lang="de-DE"/>
@@ -2399,7 +2422,7 @@
     </p:spTree>
     <p:extLst>
       <p:ext uri="{BB962C8B-B14F-4D97-AF65-F5344CB8AC3E}">
-        <p14:creationId xmlns:p14="http://schemas.microsoft.com/office/powerpoint/2010/main" val="2050898295"/>
+        <p14:creationId xmlns:p14="http://schemas.microsoft.com/office/powerpoint/2010/main" xmlns="" val="2050898295"/>
       </p:ext>
     </p:extLst>
   </p:cSld>
@@ -2443,15 +2466,15 @@
         </p:nvSpPr>
         <p:spPr>
           <a:xfrm>
-            <a:off x="681038" y="365127"/>
-            <a:ext cx="8543925" cy="1325563"/>
+            <a:off x="880111" y="511180"/>
+            <a:ext cx="11041380" cy="1855788"/>
           </a:xfrm>
           <a:prstGeom prst="rect">
             <a:avLst/>
           </a:prstGeom>
         </p:spPr>
         <p:txBody>
-          <a:bodyPr vert="horz" lIns="91440" tIns="45720" rIns="91440" bIns="45720" rtlCol="0" anchor="ctr">
+          <a:bodyPr vert="horz" lIns="122169" tIns="61085" rIns="122169" bIns="61085" rtlCol="0" anchor="ctr">
             <a:normAutofit/>
           </a:bodyPr>
           <a:lstStyle/>
@@ -2476,15 +2499,15 @@
         </p:nvSpPr>
         <p:spPr>
           <a:xfrm>
-            <a:off x="681038" y="1825625"/>
-            <a:ext cx="8543925" cy="4351338"/>
+            <a:off x="880111" y="2555875"/>
+            <a:ext cx="11041380" cy="6091873"/>
           </a:xfrm>
           <a:prstGeom prst="rect">
             <a:avLst/>
           </a:prstGeom>
         </p:spPr>
         <p:txBody>
-          <a:bodyPr vert="horz" lIns="91440" tIns="45720" rIns="91440" bIns="45720" rtlCol="0">
+          <a:bodyPr vert="horz" lIns="122169" tIns="61085" rIns="122169" bIns="61085" rtlCol="0">
             <a:normAutofit/>
           </a:bodyPr>
           <a:lstStyle/>
@@ -2538,18 +2561,18 @@
         </p:nvSpPr>
         <p:spPr>
           <a:xfrm>
-            <a:off x="681038" y="6356352"/>
-            <a:ext cx="2228850" cy="365125"/>
+            <a:off x="880111" y="8898895"/>
+            <a:ext cx="2880360" cy="511175"/>
           </a:xfrm>
           <a:prstGeom prst="rect">
             <a:avLst/>
           </a:prstGeom>
         </p:spPr>
         <p:txBody>
-          <a:bodyPr vert="horz" lIns="91440" tIns="45720" rIns="91440" bIns="45720" rtlCol="0" anchor="ctr"/>
+          <a:bodyPr vert="horz" lIns="122169" tIns="61085" rIns="122169" bIns="61085" rtlCol="0" anchor="ctr"/>
           <a:lstStyle>
             <a:lvl1pPr algn="l">
-              <a:defRPr sz="1200">
+              <a:defRPr sz="1600">
                 <a:solidFill>
                   <a:schemeClr val="tx1">
                     <a:tint val="75000"/>
@@ -2561,7 +2584,8 @@
           <a:p>
             <a:fld id="{B1816B0C-7247-44DD-BCB7-DAF5E546C78B}" type="datetimeFigureOut">
               <a:rPr lang="de-DE" smtClean="0"/>
-              <a:t>10.05.2017</a:t>
+              <a:pPr/>
+              <a:t>17.09.2018</a:t>
             </a:fld>
             <a:endParaRPr lang="de-DE"/>
           </a:p>
@@ -2579,18 +2603,18 @@
         </p:nvSpPr>
         <p:spPr>
           <a:xfrm>
-            <a:off x="3281363" y="6356352"/>
-            <a:ext cx="3343275" cy="365125"/>
+            <a:off x="4240531" y="8898895"/>
+            <a:ext cx="4320540" cy="511175"/>
           </a:xfrm>
           <a:prstGeom prst="rect">
             <a:avLst/>
           </a:prstGeom>
         </p:spPr>
         <p:txBody>
-          <a:bodyPr vert="horz" lIns="91440" tIns="45720" rIns="91440" bIns="45720" rtlCol="0" anchor="ctr"/>
+          <a:bodyPr vert="horz" lIns="122169" tIns="61085" rIns="122169" bIns="61085" rtlCol="0" anchor="ctr"/>
           <a:lstStyle>
             <a:lvl1pPr algn="ctr">
-              <a:defRPr sz="1200">
+              <a:defRPr sz="1600">
                 <a:solidFill>
                   <a:schemeClr val="tx1">
                     <a:tint val="75000"/>
@@ -2616,18 +2640,18 @@
         </p:nvSpPr>
         <p:spPr>
           <a:xfrm>
-            <a:off x="6996113" y="6356352"/>
-            <a:ext cx="2228850" cy="365125"/>
+            <a:off x="9041131" y="8898895"/>
+            <a:ext cx="2880360" cy="511175"/>
           </a:xfrm>
           <a:prstGeom prst="rect">
             <a:avLst/>
           </a:prstGeom>
         </p:spPr>
         <p:txBody>
-          <a:bodyPr vert="horz" lIns="91440" tIns="45720" rIns="91440" bIns="45720" rtlCol="0" anchor="ctr"/>
+          <a:bodyPr vert="horz" lIns="122169" tIns="61085" rIns="122169" bIns="61085" rtlCol="0" anchor="ctr"/>
           <a:lstStyle>
             <a:lvl1pPr algn="r">
-              <a:defRPr sz="1200">
+              <a:defRPr sz="1600">
                 <a:solidFill>
                   <a:schemeClr val="tx1">
                     <a:tint val="75000"/>
@@ -2639,6 +2663,7 @@
           <a:p>
             <a:fld id="{4DE28FB9-0510-47D8-A3D4-85FD7A605EA3}" type="slidenum">
               <a:rPr lang="de-DE" smtClean="0"/>
+              <a:pPr/>
               <a:t>‹#›</a:t>
             </a:fld>
             <a:endParaRPr lang="de-DE"/>
@@ -2648,7 +2673,7 @@
     </p:spTree>
     <p:extLst>
       <p:ext uri="{BB962C8B-B14F-4D97-AF65-F5344CB8AC3E}">
-        <p14:creationId xmlns:p14="http://schemas.microsoft.com/office/powerpoint/2010/main" val="872436980"/>
+        <p14:creationId xmlns:p14="http://schemas.microsoft.com/office/powerpoint/2010/main" xmlns="" val="872436980"/>
       </p:ext>
     </p:extLst>
   </p:cSld>
@@ -2668,7 +2693,7 @@
   </p:sldLayoutIdLst>
   <p:txStyles>
     <p:titleStyle>
-      <a:lvl1pPr algn="l" defTabSz="914400" rtl="0" eaLnBrk="1" latinLnBrk="0" hangingPunct="1">
+      <a:lvl1pPr algn="l" defTabSz="1221692" rtl="0" eaLnBrk="1" latinLnBrk="0" hangingPunct="1">
         <a:lnSpc>
           <a:spcPct val="90000"/>
         </a:lnSpc>
@@ -2676,7 +2701,7 @@
           <a:spcPct val="0"/>
         </a:spcBef>
         <a:buNone/>
-        <a:defRPr sz="4400" kern="1200">
+        <a:defRPr sz="5900" kern="1200">
           <a:solidFill>
             <a:schemeClr val="tx1"/>
           </a:solidFill>
@@ -2687,16 +2712,16 @@
       </a:lvl1pPr>
     </p:titleStyle>
     <p:bodyStyle>
-      <a:lvl1pPr marL="228600" indent="-228600" algn="l" defTabSz="914400" rtl="0" eaLnBrk="1" latinLnBrk="0" hangingPunct="1">
+      <a:lvl1pPr marL="305423" indent="-305423" algn="l" defTabSz="1221692" rtl="0" eaLnBrk="1" latinLnBrk="0" hangingPunct="1">
         <a:lnSpc>
           <a:spcPct val="90000"/>
         </a:lnSpc>
         <a:spcBef>
-          <a:spcPts val="1000"/>
+          <a:spcPts val="1336"/>
         </a:spcBef>
         <a:buFont typeface="Arial" panose="020B0604020202020204" pitchFamily="34" charset="0"/>
         <a:buChar char="•"/>
-        <a:defRPr sz="2800" kern="1200">
+        <a:defRPr sz="3700" kern="1200">
           <a:solidFill>
             <a:schemeClr val="tx1"/>
           </a:solidFill>
@@ -2705,12 +2730,48 @@
           <a:cs typeface="+mn-cs"/>
         </a:defRPr>
       </a:lvl1pPr>
-      <a:lvl2pPr marL="685800" indent="-228600" algn="l" defTabSz="914400" rtl="0" eaLnBrk="1" latinLnBrk="0" hangingPunct="1">
+      <a:lvl2pPr marL="916270" indent="-305423" algn="l" defTabSz="1221692" rtl="0" eaLnBrk="1" latinLnBrk="0" hangingPunct="1">
         <a:lnSpc>
           <a:spcPct val="90000"/>
         </a:lnSpc>
         <a:spcBef>
-          <a:spcPts val="500"/>
+          <a:spcPts val="668"/>
+        </a:spcBef>
+        <a:buFont typeface="Arial" panose="020B0604020202020204" pitchFamily="34" charset="0"/>
+        <a:buChar char="•"/>
+        <a:defRPr sz="3200" kern="1200">
+          <a:solidFill>
+            <a:schemeClr val="tx1"/>
+          </a:solidFill>
+          <a:latin typeface="+mn-lt"/>
+          <a:ea typeface="+mn-ea"/>
+          <a:cs typeface="+mn-cs"/>
+        </a:defRPr>
+      </a:lvl2pPr>
+      <a:lvl3pPr marL="1527116" indent="-305423" algn="l" defTabSz="1221692" rtl="0" eaLnBrk="1" latinLnBrk="0" hangingPunct="1">
+        <a:lnSpc>
+          <a:spcPct val="90000"/>
+        </a:lnSpc>
+        <a:spcBef>
+          <a:spcPts val="668"/>
+        </a:spcBef>
+        <a:buFont typeface="Arial" panose="020B0604020202020204" pitchFamily="34" charset="0"/>
+        <a:buChar char="•"/>
+        <a:defRPr sz="2700" kern="1200">
+          <a:solidFill>
+            <a:schemeClr val="tx1"/>
+          </a:solidFill>
+          <a:latin typeface="+mn-lt"/>
+          <a:ea typeface="+mn-ea"/>
+          <a:cs typeface="+mn-cs"/>
+        </a:defRPr>
+      </a:lvl3pPr>
+      <a:lvl4pPr marL="2137961" indent="-305423" algn="l" defTabSz="1221692" rtl="0" eaLnBrk="1" latinLnBrk="0" hangingPunct="1">
+        <a:lnSpc>
+          <a:spcPct val="90000"/>
+        </a:lnSpc>
+        <a:spcBef>
+          <a:spcPts val="668"/>
         </a:spcBef>
         <a:buFont typeface="Arial" panose="020B0604020202020204" pitchFamily="34" charset="0"/>
         <a:buChar char="•"/>
@@ -2722,53 +2783,17 @@
           <a:ea typeface="+mn-ea"/>
           <a:cs typeface="+mn-cs"/>
         </a:defRPr>
-      </a:lvl2pPr>
-      <a:lvl3pPr marL="1143000" indent="-228600" algn="l" defTabSz="914400" rtl="0" eaLnBrk="1" latinLnBrk="0" hangingPunct="1">
+      </a:lvl4pPr>
+      <a:lvl5pPr marL="2748808" indent="-305423" algn="l" defTabSz="1221692" rtl="0" eaLnBrk="1" latinLnBrk="0" hangingPunct="1">
         <a:lnSpc>
           <a:spcPct val="90000"/>
         </a:lnSpc>
         <a:spcBef>
-          <a:spcPts val="500"/>
+          <a:spcPts val="668"/>
         </a:spcBef>
         <a:buFont typeface="Arial" panose="020B0604020202020204" pitchFamily="34" charset="0"/>
         <a:buChar char="•"/>
-        <a:defRPr sz="2000" kern="1200">
-          <a:solidFill>
-            <a:schemeClr val="tx1"/>
-          </a:solidFill>
-          <a:latin typeface="+mn-lt"/>
-          <a:ea typeface="+mn-ea"/>
-          <a:cs typeface="+mn-cs"/>
-        </a:defRPr>
-      </a:lvl3pPr>
-      <a:lvl4pPr marL="1600200" indent="-228600" algn="l" defTabSz="914400" rtl="0" eaLnBrk="1" latinLnBrk="0" hangingPunct="1">
-        <a:lnSpc>
-          <a:spcPct val="90000"/>
-        </a:lnSpc>
-        <a:spcBef>
-          <a:spcPts val="500"/>
-        </a:spcBef>
-        <a:buFont typeface="Arial" panose="020B0604020202020204" pitchFamily="34" charset="0"/>
-        <a:buChar char="•"/>
-        <a:defRPr sz="1800" kern="1200">
-          <a:solidFill>
-            <a:schemeClr val="tx1"/>
-          </a:solidFill>
-          <a:latin typeface="+mn-lt"/>
-          <a:ea typeface="+mn-ea"/>
-          <a:cs typeface="+mn-cs"/>
-        </a:defRPr>
-      </a:lvl4pPr>
-      <a:lvl5pPr marL="2057400" indent="-228600" algn="l" defTabSz="914400" rtl="0" eaLnBrk="1" latinLnBrk="0" hangingPunct="1">
-        <a:lnSpc>
-          <a:spcPct val="90000"/>
-        </a:lnSpc>
-        <a:spcBef>
-          <a:spcPts val="500"/>
-        </a:spcBef>
-        <a:buFont typeface="Arial" panose="020B0604020202020204" pitchFamily="34" charset="0"/>
-        <a:buChar char="•"/>
-        <a:defRPr sz="1800" kern="1200">
+        <a:defRPr sz="2400" kern="1200">
           <a:solidFill>
             <a:schemeClr val="tx1"/>
           </a:solidFill>
@@ -2777,16 +2802,16 @@
           <a:cs typeface="+mn-cs"/>
         </a:defRPr>
       </a:lvl5pPr>
-      <a:lvl6pPr marL="2514600" indent="-228600" algn="l" defTabSz="914400" rtl="0" eaLnBrk="1" latinLnBrk="0" hangingPunct="1">
+      <a:lvl6pPr marL="3359655" indent="-305423" algn="l" defTabSz="1221692" rtl="0" eaLnBrk="1" latinLnBrk="0" hangingPunct="1">
         <a:lnSpc>
           <a:spcPct val="90000"/>
         </a:lnSpc>
         <a:spcBef>
-          <a:spcPts val="500"/>
+          <a:spcPts val="668"/>
         </a:spcBef>
         <a:buFont typeface="Arial" panose="020B0604020202020204" pitchFamily="34" charset="0"/>
         <a:buChar char="•"/>
-        <a:defRPr sz="1800" kern="1200">
+        <a:defRPr sz="2400" kern="1200">
           <a:solidFill>
             <a:schemeClr val="tx1"/>
           </a:solidFill>
@@ -2795,16 +2820,16 @@
           <a:cs typeface="+mn-cs"/>
         </a:defRPr>
       </a:lvl6pPr>
-      <a:lvl7pPr marL="2971800" indent="-228600" algn="l" defTabSz="914400" rtl="0" eaLnBrk="1" latinLnBrk="0" hangingPunct="1">
+      <a:lvl7pPr marL="3970500" indent="-305423" algn="l" defTabSz="1221692" rtl="0" eaLnBrk="1" latinLnBrk="0" hangingPunct="1">
         <a:lnSpc>
           <a:spcPct val="90000"/>
         </a:lnSpc>
         <a:spcBef>
-          <a:spcPts val="500"/>
+          <a:spcPts val="668"/>
         </a:spcBef>
         <a:buFont typeface="Arial" panose="020B0604020202020204" pitchFamily="34" charset="0"/>
         <a:buChar char="•"/>
-        <a:defRPr sz="1800" kern="1200">
+        <a:defRPr sz="2400" kern="1200">
           <a:solidFill>
             <a:schemeClr val="tx1"/>
           </a:solidFill>
@@ -2813,16 +2838,16 @@
           <a:cs typeface="+mn-cs"/>
         </a:defRPr>
       </a:lvl7pPr>
-      <a:lvl8pPr marL="3429000" indent="-228600" algn="l" defTabSz="914400" rtl="0" eaLnBrk="1" latinLnBrk="0" hangingPunct="1">
+      <a:lvl8pPr marL="4581347" indent="-305423" algn="l" defTabSz="1221692" rtl="0" eaLnBrk="1" latinLnBrk="0" hangingPunct="1">
         <a:lnSpc>
           <a:spcPct val="90000"/>
         </a:lnSpc>
         <a:spcBef>
-          <a:spcPts val="500"/>
+          <a:spcPts val="668"/>
         </a:spcBef>
         <a:buFont typeface="Arial" panose="020B0604020202020204" pitchFamily="34" charset="0"/>
         <a:buChar char="•"/>
-        <a:defRPr sz="1800" kern="1200">
+        <a:defRPr sz="2400" kern="1200">
           <a:solidFill>
             <a:schemeClr val="tx1"/>
           </a:solidFill>
@@ -2831,16 +2856,16 @@
           <a:cs typeface="+mn-cs"/>
         </a:defRPr>
       </a:lvl8pPr>
-      <a:lvl9pPr marL="3886200" indent="-228600" algn="l" defTabSz="914400" rtl="0" eaLnBrk="1" latinLnBrk="0" hangingPunct="1">
+      <a:lvl9pPr marL="5192192" indent="-305423" algn="l" defTabSz="1221692" rtl="0" eaLnBrk="1" latinLnBrk="0" hangingPunct="1">
         <a:lnSpc>
           <a:spcPct val="90000"/>
         </a:lnSpc>
         <a:spcBef>
-          <a:spcPts val="500"/>
+          <a:spcPts val="668"/>
         </a:spcBef>
         <a:buFont typeface="Arial" panose="020B0604020202020204" pitchFamily="34" charset="0"/>
         <a:buChar char="•"/>
-        <a:defRPr sz="1800" kern="1200">
+        <a:defRPr sz="2400" kern="1200">
           <a:solidFill>
             <a:schemeClr val="tx1"/>
           </a:solidFill>
@@ -2854,8 +2879,8 @@
       <a:defPPr>
         <a:defRPr lang="en-US"/>
       </a:defPPr>
-      <a:lvl1pPr marL="0" algn="l" defTabSz="914400" rtl="0" eaLnBrk="1" latinLnBrk="0" hangingPunct="1">
-        <a:defRPr sz="1800" kern="1200">
+      <a:lvl1pPr marL="0" algn="l" defTabSz="1221692" rtl="0" eaLnBrk="1" latinLnBrk="0" hangingPunct="1">
+        <a:defRPr sz="2400" kern="1200">
           <a:solidFill>
             <a:schemeClr val="tx1"/>
           </a:solidFill>
@@ -2864,8 +2889,8 @@
           <a:cs typeface="+mn-cs"/>
         </a:defRPr>
       </a:lvl1pPr>
-      <a:lvl2pPr marL="457200" algn="l" defTabSz="914400" rtl="0" eaLnBrk="1" latinLnBrk="0" hangingPunct="1">
-        <a:defRPr sz="1800" kern="1200">
+      <a:lvl2pPr marL="610845" algn="l" defTabSz="1221692" rtl="0" eaLnBrk="1" latinLnBrk="0" hangingPunct="1">
+        <a:defRPr sz="2400" kern="1200">
           <a:solidFill>
             <a:schemeClr val="tx1"/>
           </a:solidFill>
@@ -2874,8 +2899,8 @@
           <a:cs typeface="+mn-cs"/>
         </a:defRPr>
       </a:lvl2pPr>
-      <a:lvl3pPr marL="914400" algn="l" defTabSz="914400" rtl="0" eaLnBrk="1" latinLnBrk="0" hangingPunct="1">
-        <a:defRPr sz="1800" kern="1200">
+      <a:lvl3pPr marL="1221692" algn="l" defTabSz="1221692" rtl="0" eaLnBrk="1" latinLnBrk="0" hangingPunct="1">
+        <a:defRPr sz="2400" kern="1200">
           <a:solidFill>
             <a:schemeClr val="tx1"/>
           </a:solidFill>
@@ -2884,8 +2909,8 @@
           <a:cs typeface="+mn-cs"/>
         </a:defRPr>
       </a:lvl3pPr>
-      <a:lvl4pPr marL="1371600" algn="l" defTabSz="914400" rtl="0" eaLnBrk="1" latinLnBrk="0" hangingPunct="1">
-        <a:defRPr sz="1800" kern="1200">
+      <a:lvl4pPr marL="1832539" algn="l" defTabSz="1221692" rtl="0" eaLnBrk="1" latinLnBrk="0" hangingPunct="1">
+        <a:defRPr sz="2400" kern="1200">
           <a:solidFill>
             <a:schemeClr val="tx1"/>
           </a:solidFill>
@@ -2894,8 +2919,8 @@
           <a:cs typeface="+mn-cs"/>
         </a:defRPr>
       </a:lvl4pPr>
-      <a:lvl5pPr marL="1828800" algn="l" defTabSz="914400" rtl="0" eaLnBrk="1" latinLnBrk="0" hangingPunct="1">
-        <a:defRPr sz="1800" kern="1200">
+      <a:lvl5pPr marL="2443384" algn="l" defTabSz="1221692" rtl="0" eaLnBrk="1" latinLnBrk="0" hangingPunct="1">
+        <a:defRPr sz="2400" kern="1200">
           <a:solidFill>
             <a:schemeClr val="tx1"/>
           </a:solidFill>
@@ -2904,8 +2929,8 @@
           <a:cs typeface="+mn-cs"/>
         </a:defRPr>
       </a:lvl5pPr>
-      <a:lvl6pPr marL="2286000" algn="l" defTabSz="914400" rtl="0" eaLnBrk="1" latinLnBrk="0" hangingPunct="1">
-        <a:defRPr sz="1800" kern="1200">
+      <a:lvl6pPr marL="3054231" algn="l" defTabSz="1221692" rtl="0" eaLnBrk="1" latinLnBrk="0" hangingPunct="1">
+        <a:defRPr sz="2400" kern="1200">
           <a:solidFill>
             <a:schemeClr val="tx1"/>
           </a:solidFill>
@@ -2914,8 +2939,8 @@
           <a:cs typeface="+mn-cs"/>
         </a:defRPr>
       </a:lvl6pPr>
-      <a:lvl7pPr marL="2743200" algn="l" defTabSz="914400" rtl="0" eaLnBrk="1" latinLnBrk="0" hangingPunct="1">
-        <a:defRPr sz="1800" kern="1200">
+      <a:lvl7pPr marL="3665077" algn="l" defTabSz="1221692" rtl="0" eaLnBrk="1" latinLnBrk="0" hangingPunct="1">
+        <a:defRPr sz="2400" kern="1200">
           <a:solidFill>
             <a:schemeClr val="tx1"/>
           </a:solidFill>
@@ -2924,8 +2949,8 @@
           <a:cs typeface="+mn-cs"/>
         </a:defRPr>
       </a:lvl7pPr>
-      <a:lvl8pPr marL="3200400" algn="l" defTabSz="914400" rtl="0" eaLnBrk="1" latinLnBrk="0" hangingPunct="1">
-        <a:defRPr sz="1800" kern="1200">
+      <a:lvl8pPr marL="4275923" algn="l" defTabSz="1221692" rtl="0" eaLnBrk="1" latinLnBrk="0" hangingPunct="1">
+        <a:defRPr sz="2400" kern="1200">
           <a:solidFill>
             <a:schemeClr val="tx1"/>
           </a:solidFill>
@@ -2934,8 +2959,8 @@
           <a:cs typeface="+mn-cs"/>
         </a:defRPr>
       </a:lvl8pPr>
-      <a:lvl9pPr marL="3657600" algn="l" defTabSz="914400" rtl="0" eaLnBrk="1" latinLnBrk="0" hangingPunct="1">
-        <a:defRPr sz="1800" kern="1200">
+      <a:lvl9pPr marL="4886769" algn="l" defTabSz="1221692" rtl="0" eaLnBrk="1" latinLnBrk="0" hangingPunct="1">
+        <a:defRPr sz="2400" kern="1200">
           <a:solidFill>
             <a:schemeClr val="tx1"/>
           </a:solidFill>
@@ -2966,55 +2991,16 @@
           <a:chExt cx="0" cy="0"/>
         </a:xfrm>
       </p:grpSpPr>
-      <p:cxnSp>
-        <p:nvCxnSpPr>
-          <p:cNvPr id="92" name="Straight Connector 16"/>
-          <p:cNvCxnSpPr>
-            <a:stCxn id="6" idx="0"/>
-          </p:cNvCxnSpPr>
-          <p:nvPr/>
-        </p:nvCxnSpPr>
-        <p:spPr>
-          <a:xfrm rot="16200000" flipH="1" flipV="1">
-            <a:off x="5339" y="744798"/>
-            <a:ext cx="3117640" cy="2571935"/>
-          </a:xfrm>
-          <a:prstGeom prst="bentConnector3">
-            <a:avLst>
-              <a:gd name="adj1" fmla="val -7332"/>
-            </a:avLst>
-          </a:prstGeom>
-          <a:ln w="25400">
-            <a:solidFill>
-              <a:schemeClr val="tx1"/>
-            </a:solidFill>
-          </a:ln>
-        </p:spPr>
-        <p:style>
-          <a:lnRef idx="1">
-            <a:schemeClr val="accent1"/>
-          </a:lnRef>
-          <a:fillRef idx="0">
-            <a:schemeClr val="accent1"/>
-          </a:fillRef>
-          <a:effectRef idx="0">
-            <a:schemeClr val="accent1"/>
-          </a:effectRef>
-          <a:fontRef idx="minor">
-            <a:schemeClr val="tx1"/>
-          </a:fontRef>
-        </p:style>
-      </p:cxnSp>
-      <p:sp>
-        <p:nvSpPr>
-          <p:cNvPr id="23" name="Rectangle 22"/>
+      <p:sp>
+        <p:nvSpPr>
+          <p:cNvPr id="89" name="Rectangle 88"/>
           <p:cNvSpPr/>
           <p:nvPr/>
         </p:nvSpPr>
         <p:spPr>
           <a:xfrm>
-            <a:off x="3257078" y="3113493"/>
-            <a:ext cx="3196654" cy="3574473"/>
+            <a:off x="3588221" y="6191449"/>
+            <a:ext cx="1842054" cy="2615925"/>
           </a:xfrm>
           <a:prstGeom prst="rect">
             <a:avLst/>
@@ -3042,28 +3028,72 @@
           </a:fontRef>
         </p:style>
         <p:txBody>
-          <a:bodyPr rtlCol="0" anchor="ctr"/>
-          <a:lstStyle/>
-          <a:p>
-            <a:pPr algn="ctr"/>
-            <a:endParaRPr lang="de-DE" dirty="0"/>
-          </a:p>
-        </p:txBody>
-      </p:sp>
-      <p:sp>
-        <p:nvSpPr>
-          <p:cNvPr id="5" name="Rectangle 4"/>
+          <a:bodyPr lIns="91423" tIns="45712" rIns="91423" bIns="45712" rtlCol="0" anchor="ctr"/>
+          <a:lstStyle/>
+          <a:p>
+            <a:pPr algn="ctr"/>
+            <a:endParaRPr lang="de-DE" sz="1600" dirty="0"/>
+          </a:p>
+        </p:txBody>
+      </p:sp>
+      <p:cxnSp>
+        <p:nvCxnSpPr>
+          <p:cNvPr id="92" name="Straight Connector 16"/>
+          <p:cNvCxnSpPr>
+            <a:stCxn id="6" idx="0"/>
+          </p:cNvCxnSpPr>
+          <p:nvPr/>
+        </p:nvCxnSpPr>
+        <p:spPr>
+          <a:xfrm rot="16200000" flipH="1" flipV="1">
+            <a:off x="3427855" y="3346996"/>
+            <a:ext cx="3176816" cy="2541116"/>
+          </a:xfrm>
+          <a:prstGeom prst="bentConnector3">
+            <a:avLst>
+              <a:gd name="adj1" fmla="val -7332"/>
+            </a:avLst>
+          </a:prstGeom>
+          <a:ln w="25400">
+            <a:solidFill>
+              <a:schemeClr val="tx1"/>
+            </a:solidFill>
+          </a:ln>
+        </p:spPr>
+        <p:style>
+          <a:lnRef idx="1">
+            <a:schemeClr val="accent1"/>
+          </a:lnRef>
+          <a:fillRef idx="0">
+            <a:schemeClr val="accent1"/>
+          </a:fillRef>
+          <a:effectRef idx="0">
+            <a:schemeClr val="accent1"/>
+          </a:effectRef>
+          <a:fontRef idx="minor">
+            <a:schemeClr val="tx1"/>
+          </a:fontRef>
+        </p:style>
+      </p:cxnSp>
+      <p:sp>
+        <p:nvSpPr>
+          <p:cNvPr id="23" name="Rectangle 22"/>
           <p:cNvSpPr/>
           <p:nvPr/>
         </p:nvSpPr>
         <p:spPr>
           <a:xfrm>
-            <a:off x="2263877" y="1973953"/>
-            <a:ext cx="1172497" cy="840659"/>
+            <a:off x="6547639" y="5720833"/>
+            <a:ext cx="3006766" cy="3642321"/>
           </a:xfrm>
           <a:prstGeom prst="rect">
             <a:avLst/>
           </a:prstGeom>
+          <a:solidFill>
+            <a:schemeClr val="accent1">
+              <a:alpha val="23000"/>
+            </a:schemeClr>
+          </a:solidFill>
         </p:spPr>
         <p:style>
           <a:lnRef idx="2">
@@ -3082,15 +3112,11 @@
           </a:fontRef>
         </p:style>
         <p:txBody>
-          <a:bodyPr rtlCol="0" anchor="ctr"/>
-          <a:lstStyle/>
-          <a:p>
-            <a:pPr algn="ctr"/>
-            <a:r>
-              <a:rPr lang="de-DE" sz="1200" dirty="0" smtClean="0"/>
-              <a:t>5V Supply</a:t>
-            </a:r>
-            <a:endParaRPr lang="de-DE" sz="1200" dirty="0"/>
+          <a:bodyPr lIns="91423" tIns="45712" rIns="91423" bIns="45712" rtlCol="0" anchor="ctr"/>
+          <a:lstStyle/>
+          <a:p>
+            <a:pPr algn="ctr"/>
+            <a:endParaRPr lang="de-DE" dirty="0"/>
           </a:p>
         </p:txBody>
       </p:sp>
@@ -3102,8 +3128,8 @@
         </p:nvSpPr>
         <p:spPr>
           <a:xfrm>
-            <a:off x="2263877" y="471946"/>
-            <a:ext cx="1172497" cy="840659"/>
+            <a:off x="5613435" y="3029147"/>
+            <a:ext cx="1346770" cy="856616"/>
           </a:xfrm>
           <a:prstGeom prst="rect">
             <a:avLst/>
@@ -3126,8 +3152,15 @@
           </a:fontRef>
         </p:style>
         <p:txBody>
-          <a:bodyPr rtlCol="0" anchor="ctr"/>
-          <a:lstStyle/>
+          <a:bodyPr lIns="91423" tIns="45712" rIns="91423" bIns="45712" rtlCol="0" anchor="ctr"/>
+          <a:lstStyle/>
+          <a:p>
+            <a:pPr algn="ctr"/>
+            <a:r>
+              <a:rPr lang="de-DE" sz="1200" dirty="0" smtClean="0"/>
+              <a:t>IFX1117ME_V33</a:t>
+            </a:r>
+          </a:p>
           <a:p>
             <a:pPr algn="ctr"/>
             <a:r>
@@ -3139,7 +3172,7 @@
             <a:pPr algn="ctr"/>
             <a:r>
               <a:rPr lang="de-DE" sz="1200" dirty="0" smtClean="0"/>
-              <a:t>I=2A</a:t>
+              <a:t>I_out_max=1A</a:t>
             </a:r>
             <a:endParaRPr lang="de-DE" sz="1200" dirty="0"/>
           </a:p>
@@ -3153,8 +3186,8 @@
         </p:nvSpPr>
         <p:spPr>
           <a:xfrm>
-            <a:off x="3725109" y="1973953"/>
-            <a:ext cx="1172497" cy="840659"/>
+            <a:off x="7095379" y="4559664"/>
+            <a:ext cx="1102848" cy="856616"/>
           </a:xfrm>
           <a:prstGeom prst="rect">
             <a:avLst/>
@@ -3177,7 +3210,7 @@
           </a:fontRef>
         </p:style>
         <p:txBody>
-          <a:bodyPr rtlCol="0" anchor="ctr"/>
+          <a:bodyPr lIns="91423" tIns="45712" rIns="91423" bIns="45712" rtlCol="0" anchor="ctr"/>
           <a:lstStyle/>
           <a:p>
             <a:pPr algn="ctr"/>
@@ -3207,15 +3240,14 @@
         <p:nvCxnSpPr>
           <p:cNvPr id="9" name="Straight Connector 8"/>
           <p:cNvCxnSpPr>
-            <a:stCxn id="5" idx="3"/>
             <a:endCxn id="7" idx="1"/>
           </p:cNvCxnSpPr>
           <p:nvPr/>
         </p:nvCxnSpPr>
         <p:spPr>
           <a:xfrm>
-            <a:off x="3436374" y="2394283"/>
-            <a:ext cx="288735" cy="0"/>
+            <a:off x="6931305" y="4987971"/>
+            <a:ext cx="164072" cy="1618"/>
           </a:xfrm>
           <a:prstGeom prst="line">
             <a:avLst/>
@@ -3249,8 +3281,8 @@
         </p:nvSpPr>
         <p:spPr>
           <a:xfrm>
-            <a:off x="762405" y="471946"/>
-            <a:ext cx="1172497" cy="840659"/>
+            <a:off x="1635755" y="3029147"/>
+            <a:ext cx="1102848" cy="856616"/>
           </a:xfrm>
           <a:prstGeom prst="rect">
             <a:avLst/>
@@ -3273,22 +3305,15 @@
           </a:fontRef>
         </p:style>
         <p:txBody>
-          <a:bodyPr rtlCol="0" anchor="ctr"/>
-          <a:lstStyle/>
-          <a:p>
-            <a:pPr algn="ctr"/>
-            <a:r>
-              <a:rPr lang="de-DE" sz="1200" dirty="0" smtClean="0"/>
-              <a:t>Power</a:t>
-            </a:r>
-          </a:p>
-          <a:p>
-            <a:pPr algn="ctr"/>
-            <a:r>
-              <a:rPr lang="de-DE" sz="1200" dirty="0" smtClean="0"/>
-              <a:t>Connector</a:t>
-            </a:r>
-            <a:endParaRPr lang="de-DE" sz="1200" dirty="0"/>
+          <a:bodyPr lIns="91423" tIns="45712" rIns="91423" bIns="45712" rtlCol="0" anchor="ctr"/>
+          <a:lstStyle/>
+          <a:p>
+            <a:pPr algn="ctr"/>
+            <a:r>
+              <a:rPr lang="de-DE" sz="1600" dirty="0" smtClean="0"/>
+              <a:t>USB</a:t>
+            </a:r>
+            <a:endParaRPr lang="de-DE" sz="1600" dirty="0"/>
           </a:p>
         </p:txBody>
       </p:sp>
@@ -3303,8 +3328,8 @@
         </p:nvCxnSpPr>
         <p:spPr>
           <a:xfrm>
-            <a:off x="1934902" y="892276"/>
-            <a:ext cx="328975" cy="0"/>
+            <a:off x="2738603" y="3457455"/>
+            <a:ext cx="2874832" cy="1588"/>
           </a:xfrm>
           <a:prstGeom prst="line">
             <a:avLst/>
@@ -3334,25 +3359,25 @@
         <p:nvCxnSpPr>
           <p:cNvPr id="17" name="Straight Connector 16"/>
           <p:cNvCxnSpPr>
-            <a:stCxn id="13" idx="3"/>
-            <a:endCxn id="5" idx="1"/>
+            <a:endCxn id="7" idx="1"/>
           </p:cNvCxnSpPr>
           <p:nvPr/>
         </p:nvCxnSpPr>
         <p:spPr>
           <a:xfrm>
-            <a:off x="1934902" y="892276"/>
-            <a:ext cx="328975" cy="1502007"/>
+            <a:off x="4178304" y="3454402"/>
+            <a:ext cx="2917075" cy="1533570"/>
           </a:xfrm>
           <a:prstGeom prst="bentConnector3">
             <a:avLst>
-              <a:gd name="adj1" fmla="val 50000"/>
+              <a:gd name="adj1" fmla="val 803"/>
             </a:avLst>
           </a:prstGeom>
           <a:ln w="25400">
             <a:solidFill>
               <a:schemeClr val="tx1"/>
             </a:solidFill>
+            <a:headEnd type="oval"/>
           </a:ln>
         </p:spPr>
         <p:style>
@@ -3378,8 +3403,8 @@
         </p:nvSpPr>
         <p:spPr>
           <a:xfrm>
-            <a:off x="5507424" y="3252977"/>
-            <a:ext cx="664592" cy="561687"/>
+            <a:off x="8664310" y="5862964"/>
+            <a:ext cx="625114" cy="572348"/>
           </a:xfrm>
           <a:prstGeom prst="rect">
             <a:avLst/>
@@ -3402,15 +3427,15 @@
           </a:fontRef>
         </p:style>
         <p:txBody>
-          <a:bodyPr rtlCol="0" anchor="ctr"/>
-          <a:lstStyle/>
-          <a:p>
-            <a:pPr algn="ctr"/>
-            <a:r>
-              <a:rPr lang="de-DE" sz="1200" dirty="0" smtClean="0"/>
+          <a:bodyPr lIns="91423" tIns="45712" rIns="91423" bIns="45712" rtlCol="0" anchor="ctr"/>
+          <a:lstStyle/>
+          <a:p>
+            <a:pPr algn="ctr"/>
+            <a:r>
+              <a:rPr lang="de-DE" sz="1600" dirty="0" smtClean="0"/>
               <a:t>I2C</a:t>
             </a:r>
-            <a:endParaRPr lang="de-DE" sz="1200" dirty="0"/>
+            <a:endParaRPr lang="de-DE" sz="1600" dirty="0"/>
           </a:p>
         </p:txBody>
       </p:sp>
@@ -3422,65 +3447,67 @@
         </p:nvSpPr>
         <p:spPr>
           <a:xfrm>
-            <a:off x="3443707" y="3240724"/>
-            <a:ext cx="1675652" cy="1477328"/>
+            <a:off x="6723181" y="6155273"/>
+            <a:ext cx="1639710" cy="1323423"/>
           </a:xfrm>
           <a:prstGeom prst="rect">
             <a:avLst/>
           </a:prstGeom>
         </p:spPr>
         <p:txBody>
-          <a:bodyPr wrap="none">
+          <a:bodyPr wrap="none" lIns="91423" tIns="45712" rIns="91423" bIns="45712">
             <a:spAutoFit/>
           </a:bodyPr>
           <a:lstStyle/>
           <a:p>
             <a:pPr algn="ctr"/>
             <a:r>
-              <a:rPr lang="de-DE" dirty="0" smtClean="0"/>
-              <a:t>ATMEGA16</a:t>
-            </a:r>
-          </a:p>
-          <a:p>
-            <a:pPr marL="285750" indent="-285750">
+              <a:rPr lang="de-DE" sz="1600" dirty="0" smtClean="0"/>
+              <a:t>ATMEGA16A</a:t>
+            </a:r>
+            <a:endParaRPr lang="de-DE" sz="1600" dirty="0" smtClean="0"/>
+          </a:p>
+          <a:p>
+            <a:pPr marL="381780" indent="-381780">
               <a:buFont typeface="Arial" panose="020B0604020202020204" pitchFamily="34" charset="0"/>
               <a:buChar char="•"/>
             </a:pPr>
             <a:r>
-              <a:rPr lang="de-DE" dirty="0" smtClean="0"/>
+              <a:rPr lang="de-DE" sz="1600" dirty="0" smtClean="0"/>
               <a:t>Vin=3.3V</a:t>
             </a:r>
           </a:p>
           <a:p>
-            <a:pPr marL="285750" indent="-285750">
+            <a:pPr marL="381780" indent="-381780">
               <a:buFont typeface="Arial" panose="020B0604020202020204" pitchFamily="34" charset="0"/>
               <a:buChar char="•"/>
             </a:pPr>
             <a:r>
-              <a:rPr lang="de-DE" dirty="0" smtClean="0"/>
-              <a:t>I=400mA</a:t>
-            </a:r>
-          </a:p>
-          <a:p>
-            <a:pPr marL="285750" indent="-285750">
+              <a:rPr lang="de-DE" sz="1600" dirty="0" smtClean="0"/>
+              <a:t>I=15mA</a:t>
+            </a:r>
+            <a:endParaRPr lang="de-DE" sz="1600" dirty="0" smtClean="0"/>
+          </a:p>
+          <a:p>
+            <a:pPr marL="381780" indent="-381780">
               <a:buFont typeface="Arial" panose="020B0604020202020204" pitchFamily="34" charset="0"/>
               <a:buChar char="•"/>
             </a:pPr>
             <a:r>
-              <a:rPr lang="de-DE" dirty="0" err="1" smtClean="0"/>
+              <a:rPr lang="de-DE" sz="1600" dirty="0" err="1" smtClean="0"/>
               <a:t>Freq</a:t>
             </a:r>
             <a:r>
-              <a:rPr lang="de-DE" dirty="0" smtClean="0"/>
+              <a:rPr lang="de-DE" sz="1600" dirty="0" smtClean="0"/>
               <a:t>=12MHz</a:t>
             </a:r>
           </a:p>
           <a:p>
-            <a:pPr marL="285750" indent="-285750">
+            <a:pPr marL="381780" indent="-381780">
               <a:buFont typeface="Arial" panose="020B0604020202020204" pitchFamily="34" charset="0"/>
               <a:buChar char="•"/>
             </a:pPr>
-            <a:endParaRPr lang="de-DE" dirty="0"/>
+            <a:endParaRPr lang="de-DE" sz="1600" dirty="0"/>
           </a:p>
         </p:txBody>
       </p:sp>
@@ -3492,8 +3519,8 @@
         </p:nvSpPr>
         <p:spPr>
           <a:xfrm>
-            <a:off x="5253471" y="1973953"/>
-            <a:ext cx="1172497" cy="840659"/>
+            <a:off x="8425442" y="4559664"/>
+            <a:ext cx="1102848" cy="856616"/>
           </a:xfrm>
           <a:prstGeom prst="rect">
             <a:avLst/>
@@ -3516,22 +3543,29 @@
           </a:fontRef>
         </p:style>
         <p:txBody>
-          <a:bodyPr rtlCol="0" anchor="ctr"/>
-          <a:lstStyle/>
-          <a:p>
-            <a:pPr algn="ctr"/>
-            <a:r>
-              <a:rPr lang="de-DE" sz="1200" dirty="0" smtClean="0"/>
+          <a:bodyPr lIns="91423" tIns="45712" rIns="91423" bIns="45712" rtlCol="0" anchor="ctr"/>
+          <a:lstStyle/>
+          <a:p>
+            <a:pPr algn="ctr"/>
+            <a:r>
+              <a:rPr lang="en-GB" sz="1400" dirty="0" smtClean="0"/>
+              <a:t>PCA9306</a:t>
+            </a:r>
+          </a:p>
+          <a:p>
+            <a:pPr algn="ctr"/>
+            <a:r>
+              <a:rPr lang="de-DE" sz="1400" dirty="0" smtClean="0"/>
               <a:t>Level</a:t>
             </a:r>
           </a:p>
           <a:p>
             <a:pPr algn="ctr"/>
             <a:r>
-              <a:rPr lang="de-DE" sz="1200" dirty="0" err="1" smtClean="0"/>
+              <a:rPr lang="de-DE" sz="1400" dirty="0" err="1" smtClean="0"/>
               <a:t>Shifter</a:t>
             </a:r>
-            <a:endParaRPr lang="de-DE" sz="1200" dirty="0"/>
+            <a:endParaRPr lang="de-DE" sz="1400" dirty="0"/>
           </a:p>
         </p:txBody>
       </p:sp>
@@ -3546,8 +3580,8 @@
         </p:nvCxnSpPr>
         <p:spPr>
           <a:xfrm>
-            <a:off x="4897606" y="2394283"/>
-            <a:ext cx="355865" cy="0"/>
+            <a:off x="8198226" y="4987971"/>
+            <a:ext cx="227216" cy="1618"/>
           </a:xfrm>
           <a:prstGeom prst="line">
             <a:avLst/>
@@ -3584,8 +3618,8 @@
         </p:nvCxnSpPr>
         <p:spPr>
           <a:xfrm flipV="1">
-            <a:off x="5839720" y="2814612"/>
-            <a:ext cx="0" cy="438365"/>
+            <a:off x="8976866" y="5416279"/>
+            <a:ext cx="0" cy="446686"/>
           </a:xfrm>
           <a:prstGeom prst="line">
             <a:avLst/>
@@ -3619,8 +3653,8 @@
         </p:nvSpPr>
         <p:spPr>
           <a:xfrm>
-            <a:off x="8676071" y="5736453"/>
-            <a:ext cx="1172497" cy="840659"/>
+            <a:off x="11644733" y="8393580"/>
+            <a:ext cx="1102848" cy="856616"/>
           </a:xfrm>
           <a:prstGeom prst="rect">
             <a:avLst/>
@@ -3643,7 +3677,7 @@
           </a:fontRef>
         </p:style>
         <p:txBody>
-          <a:bodyPr rtlCol="0" anchor="ctr"/>
+          <a:bodyPr lIns="91423" tIns="45712" rIns="91423" bIns="45712" rtlCol="0" anchor="ctr"/>
           <a:lstStyle/>
           <a:p>
             <a:pPr algn="ctr"/>
@@ -3655,8 +3689,12 @@
           <a:p>
             <a:pPr algn="ctr"/>
             <a:r>
-              <a:rPr lang="de-DE" sz="1200" dirty="0" smtClean="0"/>
-              <a:t>I=170mA</a:t>
+              <a:rPr lang="en-GB" sz="1200" dirty="0" err="1" smtClean="0"/>
+              <a:t>Ityp</a:t>
+            </a:r>
+            <a:r>
+              <a:rPr lang="en-GB" sz="1200" dirty="0" smtClean="0"/>
+              <a:t>=80mA Imax=215mA</a:t>
             </a:r>
             <a:endParaRPr lang="de-DE" sz="1200" dirty="0"/>
           </a:p>
@@ -3673,187 +3711,8 @@
         </p:nvCxnSpPr>
         <p:spPr>
           <a:xfrm>
-            <a:off x="3436374" y="892276"/>
-            <a:ext cx="5825946" cy="4844177"/>
-          </a:xfrm>
-          <a:prstGeom prst="bentConnector2">
-            <a:avLst/>
-          </a:prstGeom>
-          <a:ln w="25400">
-            <a:solidFill>
-              <a:schemeClr val="tx1"/>
-            </a:solidFill>
-          </a:ln>
-        </p:spPr>
-        <p:style>
-          <a:lnRef idx="1">
-            <a:schemeClr val="accent1"/>
-          </a:lnRef>
-          <a:fillRef idx="0">
-            <a:schemeClr val="accent1"/>
-          </a:fillRef>
-          <a:effectRef idx="0">
-            <a:schemeClr val="accent1"/>
-          </a:effectRef>
-          <a:fontRef idx="minor">
-            <a:schemeClr val="tx1"/>
-          </a:fontRef>
-        </p:style>
-      </p:cxnSp>
-      <p:sp>
-        <p:nvSpPr>
-          <p:cNvPr id="52" name="Rectangle 51"/>
-          <p:cNvSpPr/>
-          <p:nvPr/>
-        </p:nvSpPr>
-        <p:spPr>
-          <a:xfrm>
-            <a:off x="7788150" y="4475464"/>
-            <a:ext cx="1172497" cy="840659"/>
-          </a:xfrm>
-          <a:prstGeom prst="rect">
-            <a:avLst/>
-          </a:prstGeom>
-        </p:spPr>
-        <p:style>
-          <a:lnRef idx="2">
-            <a:schemeClr val="accent1">
-              <a:shade val="50000"/>
-            </a:schemeClr>
-          </a:lnRef>
-          <a:fillRef idx="1">
-            <a:schemeClr val="accent1"/>
-          </a:fillRef>
-          <a:effectRef idx="0">
-            <a:schemeClr val="accent1"/>
-          </a:effectRef>
-          <a:fontRef idx="minor">
-            <a:schemeClr val="lt1"/>
-          </a:fontRef>
-        </p:style>
-        <p:txBody>
-          <a:bodyPr rtlCol="0" anchor="ctr"/>
-          <a:lstStyle/>
-          <a:p>
-            <a:pPr algn="ctr"/>
-            <a:r>
-              <a:rPr lang="de-DE" sz="1200" dirty="0" smtClean="0"/>
-              <a:t>Memory</a:t>
-            </a:r>
-          </a:p>
-          <a:p>
-            <a:pPr algn="ctr"/>
-            <a:r>
-              <a:rPr lang="de-DE" sz="1200" dirty="0" smtClean="0"/>
-              <a:t>I=200mA</a:t>
-            </a:r>
-            <a:endParaRPr lang="de-DE" sz="1200" dirty="0"/>
-          </a:p>
-        </p:txBody>
-      </p:sp>
-      <p:cxnSp>
-        <p:nvCxnSpPr>
-          <p:cNvPr id="53" name="Straight Connector 16"/>
-          <p:cNvCxnSpPr>
-            <a:stCxn id="6" idx="3"/>
-            <a:endCxn id="52" idx="0"/>
-          </p:cNvCxnSpPr>
-          <p:nvPr/>
-        </p:nvCxnSpPr>
-        <p:spPr>
-          <a:xfrm>
-            <a:off x="3436374" y="892276"/>
-            <a:ext cx="4938025" cy="3583188"/>
-          </a:xfrm>
-          <a:prstGeom prst="bentConnector2">
-            <a:avLst/>
-          </a:prstGeom>
-          <a:ln w="25400">
-            <a:solidFill>
-              <a:schemeClr val="tx1"/>
-            </a:solidFill>
-          </a:ln>
-        </p:spPr>
-        <p:style>
-          <a:lnRef idx="1">
-            <a:schemeClr val="accent1"/>
-          </a:lnRef>
-          <a:fillRef idx="0">
-            <a:schemeClr val="accent1"/>
-          </a:fillRef>
-          <a:effectRef idx="0">
-            <a:schemeClr val="accent1"/>
-          </a:effectRef>
-          <a:fontRef idx="minor">
-            <a:schemeClr val="tx1"/>
-          </a:fontRef>
-        </p:style>
-      </p:cxnSp>
-      <p:sp>
-        <p:nvSpPr>
-          <p:cNvPr id="58" name="Rectangle 57"/>
-          <p:cNvSpPr/>
-          <p:nvPr/>
-        </p:nvSpPr>
-        <p:spPr>
-          <a:xfrm>
-            <a:off x="7012218" y="3113490"/>
-            <a:ext cx="1172497" cy="840659"/>
-          </a:xfrm>
-          <a:prstGeom prst="rect">
-            <a:avLst/>
-          </a:prstGeom>
-        </p:spPr>
-        <p:style>
-          <a:lnRef idx="2">
-            <a:schemeClr val="accent1">
-              <a:shade val="50000"/>
-            </a:schemeClr>
-          </a:lnRef>
-          <a:fillRef idx="1">
-            <a:schemeClr val="accent1"/>
-          </a:fillRef>
-          <a:effectRef idx="0">
-            <a:schemeClr val="accent1"/>
-          </a:effectRef>
-          <a:fontRef idx="minor">
-            <a:schemeClr val="lt1"/>
-          </a:fontRef>
-        </p:style>
-        <p:txBody>
-          <a:bodyPr rtlCol="0" anchor="ctr"/>
-          <a:lstStyle/>
-          <a:p>
-            <a:pPr algn="ctr"/>
-            <a:r>
-              <a:rPr lang="de-DE" sz="1200" dirty="0" err="1" smtClean="0"/>
-              <a:t>Camera</a:t>
-            </a:r>
-            <a:endParaRPr lang="de-DE" sz="1200" dirty="0" smtClean="0"/>
-          </a:p>
-          <a:p>
-            <a:pPr algn="ctr"/>
-            <a:r>
-              <a:rPr lang="de-DE" sz="1200" dirty="0" smtClean="0"/>
-              <a:t>I=30mA</a:t>
-            </a:r>
-            <a:endParaRPr lang="de-DE" sz="1200" dirty="0"/>
-          </a:p>
-        </p:txBody>
-      </p:sp>
-      <p:cxnSp>
-        <p:nvCxnSpPr>
-          <p:cNvPr id="59" name="Straight Connector 16"/>
-          <p:cNvCxnSpPr>
-            <a:stCxn id="6" idx="3"/>
-            <a:endCxn id="58" idx="0"/>
-          </p:cNvCxnSpPr>
-          <p:nvPr/>
-        </p:nvCxnSpPr>
-        <p:spPr>
-          <a:xfrm>
-            <a:off x="3436374" y="892276"/>
-            <a:ext cx="4162093" cy="2221214"/>
+            <a:off x="6960205" y="3457455"/>
+            <a:ext cx="5235952" cy="4936125"/>
           </a:xfrm>
           <a:prstGeom prst="bentConnector2">
             <a:avLst/>
@@ -3881,25 +3740,23 @@
       </p:cxnSp>
       <p:cxnSp>
         <p:nvCxnSpPr>
-          <p:cNvPr id="62" name="Straight Connector 61"/>
-          <p:cNvCxnSpPr>
-            <a:stCxn id="58" idx="1"/>
-            <a:endCxn id="22" idx="3"/>
-          </p:cNvCxnSpPr>
+          <p:cNvPr id="53" name="Straight Connector 16"/>
+          <p:cNvCxnSpPr/>
           <p:nvPr/>
         </p:nvCxnSpPr>
         <p:spPr>
-          <a:xfrm flipH="1">
-            <a:off x="6172016" y="3533820"/>
-            <a:ext cx="840202" cy="1"/>
-          </a:xfrm>
-          <a:prstGeom prst="line">
+          <a:xfrm rot="16200000" flipV="1">
+            <a:off x="9505952" y="5289551"/>
+            <a:ext cx="3682999" cy="12699"/>
+          </a:xfrm>
+          <a:prstGeom prst="straightConnector1">
             <a:avLst/>
           </a:prstGeom>
           <a:ln w="25400">
             <a:solidFill>
               <a:schemeClr val="tx1"/>
             </a:solidFill>
+            <a:tailEnd type="oval"/>
           </a:ln>
         </p:spPr>
         <p:style>
@@ -3919,14 +3776,14 @@
       </p:cxnSp>
       <p:sp>
         <p:nvSpPr>
-          <p:cNvPr id="73" name="Rectangle 72"/>
+          <p:cNvPr id="58" name="Rectangle 57"/>
           <p:cNvSpPr/>
           <p:nvPr/>
         </p:nvSpPr>
         <p:spPr>
           <a:xfrm>
-            <a:off x="5507424" y="4614947"/>
-            <a:ext cx="664592" cy="561687"/>
+            <a:off x="10079716" y="5720830"/>
+            <a:ext cx="1102848" cy="856616"/>
           </a:xfrm>
           <a:prstGeom prst="rect">
             <a:avLst/>
@@ -3949,28 +3806,74 @@
           </a:fontRef>
         </p:style>
         <p:txBody>
-          <a:bodyPr rtlCol="0" anchor="ctr"/>
-          <a:lstStyle/>
-          <a:p>
-            <a:pPr algn="ctr"/>
-            <a:r>
-              <a:rPr lang="de-DE" sz="1200" smtClean="0"/>
-              <a:t>SPI</a:t>
+          <a:bodyPr lIns="91423" tIns="45712" rIns="91423" bIns="45712" rtlCol="0" anchor="ctr"/>
+          <a:lstStyle/>
+          <a:p>
+            <a:pPr algn="ctr"/>
+            <a:r>
+              <a:rPr lang="en-GB" sz="1200" dirty="0" smtClean="0"/>
+              <a:t>Camera ESP8266 </a:t>
+            </a:r>
+            <a:r>
+              <a:rPr lang="en-GB" sz="1200" dirty="0" err="1" smtClean="0"/>
+              <a:t>Ityp</a:t>
+            </a:r>
+            <a:r>
+              <a:rPr lang="en-GB" sz="1200" dirty="0" smtClean="0"/>
+              <a:t>=30mA</a:t>
             </a:r>
             <a:endParaRPr lang="de-DE" sz="1200" dirty="0"/>
           </a:p>
         </p:txBody>
       </p:sp>
-      <p:sp>
-        <p:nvSpPr>
-          <p:cNvPr id="74" name="Rectangle 73"/>
+      <p:cxnSp>
+        <p:nvCxnSpPr>
+          <p:cNvPr id="62" name="Straight Connector 61"/>
+          <p:cNvCxnSpPr>
+            <a:stCxn id="58" idx="1"/>
+            <a:endCxn id="22" idx="3"/>
+          </p:cNvCxnSpPr>
+          <p:nvPr/>
+        </p:nvCxnSpPr>
+        <p:spPr>
+          <a:xfrm flipH="1">
+            <a:off x="9289423" y="6149139"/>
+            <a:ext cx="790292" cy="1"/>
+          </a:xfrm>
+          <a:prstGeom prst="line">
+            <a:avLst/>
+          </a:prstGeom>
+          <a:ln w="25400">
+            <a:solidFill>
+              <a:schemeClr val="tx1"/>
+            </a:solidFill>
+          </a:ln>
+        </p:spPr>
+        <p:style>
+          <a:lnRef idx="1">
+            <a:schemeClr val="accent1"/>
+          </a:lnRef>
+          <a:fillRef idx="0">
+            <a:schemeClr val="accent1"/>
+          </a:fillRef>
+          <a:effectRef idx="0">
+            <a:schemeClr val="accent1"/>
+          </a:effectRef>
+          <a:fontRef idx="minor">
+            <a:schemeClr val="tx1"/>
+          </a:fontRef>
+        </p:style>
+      </p:cxnSp>
+      <p:sp>
+        <p:nvSpPr>
+          <p:cNvPr id="73" name="Rectangle 72"/>
           <p:cNvSpPr/>
           <p:nvPr/>
         </p:nvSpPr>
         <p:spPr>
           <a:xfrm>
-            <a:off x="5507424" y="5862287"/>
-            <a:ext cx="664592" cy="561687"/>
+            <a:off x="8664310" y="7250786"/>
+            <a:ext cx="625114" cy="572348"/>
           </a:xfrm>
           <a:prstGeom prst="rect">
             <a:avLst/>
@@ -3993,15 +3896,59 @@
           </a:fontRef>
         </p:style>
         <p:txBody>
-          <a:bodyPr rtlCol="0" anchor="ctr"/>
-          <a:lstStyle/>
-          <a:p>
-            <a:pPr algn="ctr"/>
-            <a:r>
-              <a:rPr lang="de-DE" sz="1200" dirty="0" smtClean="0"/>
+          <a:bodyPr lIns="91423" tIns="45712" rIns="91423" bIns="45712" rtlCol="0" anchor="ctr"/>
+          <a:lstStyle/>
+          <a:p>
+            <a:pPr algn="ctr"/>
+            <a:r>
+              <a:rPr lang="de-DE" sz="1600" dirty="0" smtClean="0"/>
+              <a:t>SPI</a:t>
+            </a:r>
+            <a:endParaRPr lang="de-DE" sz="1600" dirty="0"/>
+          </a:p>
+        </p:txBody>
+      </p:sp>
+      <p:sp>
+        <p:nvSpPr>
+          <p:cNvPr id="74" name="Rectangle 73"/>
+          <p:cNvSpPr/>
+          <p:nvPr/>
+        </p:nvSpPr>
+        <p:spPr>
+          <a:xfrm>
+            <a:off x="8664310" y="8521802"/>
+            <a:ext cx="625114" cy="572348"/>
+          </a:xfrm>
+          <a:prstGeom prst="rect">
+            <a:avLst/>
+          </a:prstGeom>
+        </p:spPr>
+        <p:style>
+          <a:lnRef idx="2">
+            <a:schemeClr val="accent1">
+              <a:shade val="50000"/>
+            </a:schemeClr>
+          </a:lnRef>
+          <a:fillRef idx="1">
+            <a:schemeClr val="accent1"/>
+          </a:fillRef>
+          <a:effectRef idx="0">
+            <a:schemeClr val="accent1"/>
+          </a:effectRef>
+          <a:fontRef idx="minor">
+            <a:schemeClr val="lt1"/>
+          </a:fontRef>
+        </p:style>
+        <p:txBody>
+          <a:bodyPr lIns="91423" tIns="45712" rIns="91423" bIns="45712" rtlCol="0" anchor="ctr"/>
+          <a:lstStyle/>
+          <a:p>
+            <a:pPr algn="ctr"/>
+            <a:r>
+              <a:rPr lang="de-DE" sz="1600" dirty="0" smtClean="0"/>
               <a:t>UART</a:t>
             </a:r>
-            <a:endParaRPr lang="de-DE" sz="1200" dirty="0"/>
+            <a:endParaRPr lang="de-DE" sz="1600" dirty="0"/>
           </a:p>
         </p:txBody>
       </p:sp>
@@ -4016,8 +3963,8 @@
         </p:nvCxnSpPr>
         <p:spPr>
           <a:xfrm flipH="1" flipV="1">
-            <a:off x="6172016" y="4895791"/>
-            <a:ext cx="1616134" cy="3"/>
+            <a:off x="9289423" y="7536960"/>
+            <a:ext cx="1520132" cy="3"/>
           </a:xfrm>
           <a:prstGeom prst="line">
             <a:avLst/>
@@ -4054,8 +4001,8 @@
         </p:nvCxnSpPr>
         <p:spPr>
           <a:xfrm flipH="1" flipV="1">
-            <a:off x="6172016" y="6143131"/>
-            <a:ext cx="2504055" cy="13652"/>
+            <a:off x="9289423" y="8807976"/>
+            <a:ext cx="2355309" cy="13911"/>
           </a:xfrm>
           <a:prstGeom prst="line">
             <a:avLst/>
@@ -4089,8 +4036,8 @@
         </p:nvSpPr>
         <p:spPr>
           <a:xfrm>
-            <a:off x="524311" y="5437950"/>
-            <a:ext cx="597005" cy="597005"/>
+            <a:off x="3977204" y="8089411"/>
+            <a:ext cx="561542" cy="608337"/>
           </a:xfrm>
           <a:prstGeom prst="plus">
             <a:avLst>
@@ -4115,7 +4062,7 @@
           </a:fontRef>
         </p:style>
         <p:txBody>
-          <a:bodyPr rtlCol="0" anchor="ctr"/>
+          <a:bodyPr lIns="91423" tIns="45712" rIns="91423" bIns="45712" rtlCol="0" anchor="ctr"/>
           <a:lstStyle/>
           <a:p>
             <a:pPr algn="ctr"/>
@@ -4131,8 +4078,8 @@
         </p:nvSpPr>
         <p:spPr>
           <a:xfrm>
-            <a:off x="1348654" y="5437950"/>
-            <a:ext cx="230245" cy="230245"/>
+            <a:off x="4752579" y="8089411"/>
+            <a:ext cx="216568" cy="234615"/>
           </a:xfrm>
           <a:prstGeom prst="ellipse">
             <a:avLst/>
@@ -4155,7 +4102,7 @@
           </a:fontRef>
         </p:style>
         <p:txBody>
-          <a:bodyPr rtlCol="0" anchor="ctr"/>
+          <a:bodyPr lIns="91423" tIns="45712" rIns="91423" bIns="45712" rtlCol="0" anchor="ctr"/>
           <a:lstStyle/>
           <a:p>
             <a:pPr algn="ctr"/>
@@ -4171,8 +4118,8 @@
         </p:nvSpPr>
         <p:spPr>
           <a:xfrm>
-            <a:off x="1350420" y="5819822"/>
-            <a:ext cx="230245" cy="230245"/>
+            <a:off x="4754241" y="8478532"/>
+            <a:ext cx="216568" cy="234615"/>
           </a:xfrm>
           <a:prstGeom prst="ellipse">
             <a:avLst/>
@@ -4195,7 +4142,7 @@
           </a:fontRef>
         </p:style>
         <p:txBody>
-          <a:bodyPr rtlCol="0" anchor="ctr"/>
+          <a:bodyPr lIns="91423" tIns="45712" rIns="91423" bIns="45712" rtlCol="0" anchor="ctr"/>
           <a:lstStyle/>
           <a:p>
             <a:pPr algn="ctr"/>
@@ -4211,8 +4158,8 @@
         </p:nvSpPr>
         <p:spPr>
           <a:xfrm>
-            <a:off x="521062" y="4438106"/>
-            <a:ext cx="1172497" cy="840659"/>
+            <a:off x="3974148" y="7070589"/>
+            <a:ext cx="1102848" cy="856616"/>
           </a:xfrm>
           <a:prstGeom prst="rect">
             <a:avLst/>
@@ -4235,56 +4182,506 @@
           </a:fontRef>
         </p:style>
         <p:txBody>
-          <a:bodyPr rtlCol="0" anchor="ctr"/>
-          <a:lstStyle/>
-          <a:p>
-            <a:pPr algn="ctr"/>
-            <a:r>
-              <a:rPr lang="de-DE" sz="1200" dirty="0" smtClean="0"/>
+          <a:bodyPr lIns="91423" tIns="45712" rIns="91423" bIns="45712" rtlCol="0" anchor="ctr"/>
+          <a:lstStyle/>
+          <a:p>
+            <a:pPr algn="ctr"/>
+            <a:r>
+              <a:rPr lang="de-DE" sz="1400" dirty="0" smtClean="0"/>
               <a:t>CD4014</a:t>
             </a:r>
           </a:p>
           <a:p>
             <a:pPr algn="ctr"/>
             <a:r>
-              <a:rPr lang="de-DE" sz="1200" dirty="0" smtClean="0"/>
+              <a:rPr lang="de-DE" sz="1400" dirty="0" smtClean="0"/>
               <a:t>8-Stage </a:t>
             </a:r>
             <a:r>
-              <a:rPr lang="de-DE" sz="1200" dirty="0" err="1" smtClean="0"/>
+              <a:rPr lang="de-DE" sz="1400" dirty="0" err="1" smtClean="0"/>
               <a:t>Shift</a:t>
             </a:r>
-            <a:endParaRPr lang="de-DE" sz="1200" dirty="0" smtClean="0"/>
-          </a:p>
-          <a:p>
-            <a:pPr algn="ctr"/>
-            <a:r>
-              <a:rPr lang="de-DE" sz="1200" dirty="0" smtClean="0"/>
+            <a:endParaRPr lang="de-DE" sz="1400" dirty="0" smtClean="0"/>
+          </a:p>
+          <a:p>
+            <a:pPr algn="ctr"/>
+            <a:r>
+              <a:rPr lang="de-DE" sz="1400" dirty="0" smtClean="0"/>
               <a:t>Register</a:t>
             </a:r>
-            <a:endParaRPr lang="de-DE" sz="1200" dirty="0"/>
-          </a:p>
-        </p:txBody>
-      </p:sp>
-      <p:sp>
-        <p:nvSpPr>
-          <p:cNvPr id="89" name="Rectangle 88"/>
+            <a:endParaRPr lang="de-DE" sz="1400" dirty="0"/>
+          </a:p>
+        </p:txBody>
+      </p:sp>
+      <p:sp>
+        <p:nvSpPr>
+          <p:cNvPr id="90" name="Rectangle 89"/>
           <p:cNvSpPr/>
           <p:nvPr/>
         </p:nvSpPr>
         <p:spPr>
           <a:xfrm>
-            <a:off x="126195" y="3589586"/>
-            <a:ext cx="1958386" cy="2567197"/>
+            <a:off x="3707977" y="6346140"/>
+            <a:ext cx="1441963" cy="338538"/>
           </a:xfrm>
           <a:prstGeom prst="rect">
             <a:avLst/>
           </a:prstGeom>
-          <a:solidFill>
-            <a:schemeClr val="accent1">
-              <a:alpha val="23000"/>
-            </a:schemeClr>
-          </a:solidFill>
+        </p:spPr>
+        <p:txBody>
+          <a:bodyPr wrap="none" lIns="91423" tIns="45712" rIns="91423" bIns="45712">
+            <a:spAutoFit/>
+          </a:bodyPr>
+          <a:lstStyle/>
+          <a:p>
+            <a:pPr algn="ctr"/>
+            <a:r>
+              <a:rPr lang="de-DE" sz="1600" dirty="0" smtClean="0"/>
+              <a:t>Display Control</a:t>
+            </a:r>
+            <a:endParaRPr lang="de-DE" sz="1600" dirty="0"/>
+          </a:p>
+        </p:txBody>
+      </p:sp>
+      <p:cxnSp>
+        <p:nvCxnSpPr>
+          <p:cNvPr id="101" name="Straight Connector 100"/>
+          <p:cNvCxnSpPr/>
+          <p:nvPr/>
+        </p:nvCxnSpPr>
+        <p:spPr>
+          <a:xfrm>
+            <a:off x="5444791" y="6828382"/>
+            <a:ext cx="1102848" cy="0"/>
+          </a:xfrm>
+          <a:prstGeom prst="line">
+            <a:avLst/>
+          </a:prstGeom>
+          <a:ln w="25400">
+            <a:solidFill>
+              <a:schemeClr val="tx1"/>
+            </a:solidFill>
+          </a:ln>
+        </p:spPr>
+        <p:style>
+          <a:lnRef idx="1">
+            <a:schemeClr val="accent1"/>
+          </a:lnRef>
+          <a:fillRef idx="0">
+            <a:schemeClr val="accent1"/>
+          </a:fillRef>
+          <a:effectRef idx="0">
+            <a:schemeClr val="accent1"/>
+          </a:effectRef>
+          <a:fontRef idx="minor">
+            <a:schemeClr val="tx1"/>
+          </a:fontRef>
+        </p:style>
+      </p:cxnSp>
+      <p:sp>
+        <p:nvSpPr>
+          <p:cNvPr id="34" name="TextBox 33"/>
+          <p:cNvSpPr txBox="1"/>
+          <p:nvPr/>
+        </p:nvSpPr>
+        <p:spPr>
+          <a:xfrm>
+            <a:off x="10452096" y="5399314"/>
+            <a:ext cx="919999" cy="307760"/>
+          </a:xfrm>
+          <a:prstGeom prst="rect">
+            <a:avLst/>
+          </a:prstGeom>
+          <a:noFill/>
+        </p:spPr>
+        <p:txBody>
+          <a:bodyPr wrap="square" lIns="91423" tIns="45712" rIns="91423" bIns="45712" rtlCol="0">
+            <a:spAutoFit/>
+          </a:bodyPr>
+          <a:lstStyle/>
+          <a:p>
+            <a:pPr algn="ctr"/>
+            <a:r>
+              <a:rPr lang="de-DE" sz="1400" dirty="0" smtClean="0">
+                <a:solidFill>
+                  <a:srgbClr val="FF0000"/>
+                </a:solidFill>
+              </a:rPr>
+              <a:t>60mW</a:t>
+            </a:r>
+            <a:endParaRPr lang="en-GB" sz="1400" dirty="0">
+              <a:solidFill>
+                <a:srgbClr val="FF0000"/>
+              </a:solidFill>
+            </a:endParaRPr>
+          </a:p>
+        </p:txBody>
+      </p:sp>
+      <p:sp>
+        <p:nvSpPr>
+          <p:cNvPr id="35" name="TextBox 34"/>
+          <p:cNvSpPr txBox="1"/>
+          <p:nvPr/>
+        </p:nvSpPr>
+        <p:spPr>
+          <a:xfrm>
+            <a:off x="12103099" y="8120743"/>
+            <a:ext cx="812801" cy="307760"/>
+          </a:xfrm>
+          <a:prstGeom prst="rect">
+            <a:avLst/>
+          </a:prstGeom>
+          <a:noFill/>
+        </p:spPr>
+        <p:txBody>
+          <a:bodyPr wrap="square" lIns="91423" tIns="45712" rIns="91423" bIns="45712" rtlCol="0">
+            <a:spAutoFit/>
+          </a:bodyPr>
+          <a:lstStyle/>
+          <a:p>
+            <a:pPr algn="ctr"/>
+            <a:r>
+              <a:rPr lang="de-DE" sz="1400" dirty="0" smtClean="0">
+                <a:solidFill>
+                  <a:srgbClr val="FF0000"/>
+                </a:solidFill>
+              </a:rPr>
+              <a:t>710mW</a:t>
+            </a:r>
+            <a:endParaRPr lang="en-GB" sz="1400" dirty="0">
+              <a:solidFill>
+                <a:srgbClr val="FF0000"/>
+              </a:solidFill>
+            </a:endParaRPr>
+          </a:p>
+        </p:txBody>
+      </p:sp>
+      <p:sp>
+        <p:nvSpPr>
+          <p:cNvPr id="36" name="TextBox 35"/>
+          <p:cNvSpPr txBox="1"/>
+          <p:nvPr/>
+        </p:nvSpPr>
+        <p:spPr>
+          <a:xfrm>
+            <a:off x="11264899" y="6805384"/>
+            <a:ext cx="866758" cy="307760"/>
+          </a:xfrm>
+          <a:prstGeom prst="rect">
+            <a:avLst/>
+          </a:prstGeom>
+          <a:noFill/>
+        </p:spPr>
+        <p:txBody>
+          <a:bodyPr wrap="square" lIns="91423" tIns="45712" rIns="91423" bIns="45712" rtlCol="0">
+            <a:spAutoFit/>
+          </a:bodyPr>
+          <a:lstStyle/>
+          <a:p>
+            <a:pPr algn="ctr"/>
+            <a:r>
+              <a:rPr lang="de-DE" sz="1400" dirty="0" smtClean="0">
+                <a:solidFill>
+                  <a:srgbClr val="FF0000"/>
+                </a:solidFill>
+              </a:rPr>
+              <a:t>660mW</a:t>
+            </a:r>
+            <a:endParaRPr lang="en-GB" sz="1400" dirty="0">
+              <a:solidFill>
+                <a:srgbClr val="FF0000"/>
+              </a:solidFill>
+            </a:endParaRPr>
+          </a:p>
+        </p:txBody>
+      </p:sp>
+      <p:sp>
+        <p:nvSpPr>
+          <p:cNvPr id="61" name="TextBox 60"/>
+          <p:cNvSpPr txBox="1"/>
+          <p:nvPr/>
+        </p:nvSpPr>
+        <p:spPr>
+          <a:xfrm>
+            <a:off x="6867042" y="3086100"/>
+            <a:ext cx="1311758" cy="307760"/>
+          </a:xfrm>
+          <a:prstGeom prst="rect">
+            <a:avLst/>
+          </a:prstGeom>
+          <a:noFill/>
+        </p:spPr>
+        <p:txBody>
+          <a:bodyPr wrap="square" lIns="91423" tIns="45712" rIns="91423" bIns="45712" rtlCol="0">
+            <a:spAutoFit/>
+          </a:bodyPr>
+          <a:lstStyle/>
+          <a:p>
+            <a:pPr algn="ctr"/>
+            <a:r>
+              <a:rPr lang="de-DE" sz="1400" dirty="0" smtClean="0">
+                <a:solidFill>
+                  <a:srgbClr val="FF0000"/>
+                </a:solidFill>
+              </a:rPr>
+              <a:t>3.3W / 1.48w </a:t>
+            </a:r>
+            <a:endParaRPr lang="en-GB" sz="1400" dirty="0">
+              <a:solidFill>
+                <a:srgbClr val="FF0000"/>
+              </a:solidFill>
+            </a:endParaRPr>
+          </a:p>
+        </p:txBody>
+      </p:sp>
+      <p:sp>
+        <p:nvSpPr>
+          <p:cNvPr id="63" name="TextBox 62"/>
+          <p:cNvSpPr txBox="1"/>
+          <p:nvPr/>
+        </p:nvSpPr>
+        <p:spPr>
+          <a:xfrm>
+            <a:off x="8769104" y="5421286"/>
+            <a:ext cx="1200395" cy="338538"/>
+          </a:xfrm>
+          <a:prstGeom prst="rect">
+            <a:avLst/>
+          </a:prstGeom>
+          <a:noFill/>
+        </p:spPr>
+        <p:txBody>
+          <a:bodyPr wrap="square" lIns="91423" tIns="45712" rIns="91423" bIns="45712" rtlCol="0">
+            <a:spAutoFit/>
+          </a:bodyPr>
+          <a:lstStyle/>
+          <a:p>
+            <a:pPr algn="ctr"/>
+            <a:r>
+              <a:rPr lang="de-DE" sz="1600" dirty="0" smtClean="0">
+                <a:solidFill>
+                  <a:srgbClr val="FF0000"/>
+                </a:solidFill>
+              </a:rPr>
+              <a:t>50mW</a:t>
+            </a:r>
+            <a:endParaRPr lang="en-GB" sz="1600" dirty="0">
+              <a:solidFill>
+                <a:srgbClr val="FF0000"/>
+              </a:solidFill>
+            </a:endParaRPr>
+          </a:p>
+        </p:txBody>
+      </p:sp>
+      <p:cxnSp>
+        <p:nvCxnSpPr>
+          <p:cNvPr id="64" name="Straight Connector 16"/>
+          <p:cNvCxnSpPr/>
+          <p:nvPr/>
+        </p:nvCxnSpPr>
+        <p:spPr>
+          <a:xfrm rot="5400000">
+            <a:off x="8449298" y="4588325"/>
+            <a:ext cx="2397333" cy="161266"/>
+          </a:xfrm>
+          <a:prstGeom prst="bentConnector3">
+            <a:avLst>
+              <a:gd name="adj1" fmla="val 99393"/>
+            </a:avLst>
+          </a:prstGeom>
+          <a:ln w="25400">
+            <a:solidFill>
+              <a:schemeClr val="tx1"/>
+            </a:solidFill>
+            <a:headEnd type="oval"/>
+            <a:tailEnd type="none"/>
+          </a:ln>
+        </p:spPr>
+        <p:style>
+          <a:lnRef idx="1">
+            <a:schemeClr val="accent1"/>
+          </a:lnRef>
+          <a:fillRef idx="0">
+            <a:schemeClr val="accent1"/>
+          </a:fillRef>
+          <a:effectRef idx="0">
+            <a:schemeClr val="accent1"/>
+          </a:effectRef>
+          <a:fontRef idx="minor">
+            <a:schemeClr val="tx1"/>
+          </a:fontRef>
+        </p:style>
+      </p:cxnSp>
+      <p:sp>
+        <p:nvSpPr>
+          <p:cNvPr id="71" name="TextBox 70"/>
+          <p:cNvSpPr txBox="1"/>
+          <p:nvPr/>
+        </p:nvSpPr>
+        <p:spPr>
+          <a:xfrm>
+            <a:off x="6166953" y="2752828"/>
+            <a:ext cx="962509" cy="307760"/>
+          </a:xfrm>
+          <a:prstGeom prst="rect">
+            <a:avLst/>
+          </a:prstGeom>
+          <a:noFill/>
+        </p:spPr>
+        <p:txBody>
+          <a:bodyPr wrap="square" lIns="91423" tIns="45712" rIns="91423" bIns="45712" rtlCol="0">
+            <a:spAutoFit/>
+          </a:bodyPr>
+          <a:lstStyle/>
+          <a:p>
+            <a:pPr algn="ctr"/>
+            <a:r>
+              <a:rPr lang="de-DE" sz="1400" dirty="0" smtClean="0">
+                <a:solidFill>
+                  <a:srgbClr val="3333FF"/>
+                </a:solidFill>
+              </a:rPr>
+              <a:t>Vd=1.2V</a:t>
+            </a:r>
+            <a:endParaRPr lang="en-GB" sz="1400" dirty="0">
+              <a:solidFill>
+                <a:srgbClr val="3333FF"/>
+              </a:solidFill>
+            </a:endParaRPr>
+          </a:p>
+        </p:txBody>
+      </p:sp>
+      <p:sp>
+        <p:nvSpPr>
+          <p:cNvPr id="72" name="TextBox 71"/>
+          <p:cNvSpPr txBox="1"/>
+          <p:nvPr/>
+        </p:nvSpPr>
+        <p:spPr>
+          <a:xfrm>
+            <a:off x="5991226" y="4057754"/>
+            <a:ext cx="1073345" cy="307760"/>
+          </a:xfrm>
+          <a:prstGeom prst="rect">
+            <a:avLst/>
+          </a:prstGeom>
+          <a:noFill/>
+        </p:spPr>
+        <p:txBody>
+          <a:bodyPr wrap="square" lIns="91423" tIns="45712" rIns="91423" bIns="45712" rtlCol="0">
+            <a:spAutoFit/>
+          </a:bodyPr>
+          <a:lstStyle/>
+          <a:p>
+            <a:pPr algn="ctr"/>
+            <a:r>
+              <a:rPr lang="de-DE" sz="1400" dirty="0" smtClean="0">
+                <a:solidFill>
+                  <a:srgbClr val="3333FF"/>
+                </a:solidFill>
+              </a:rPr>
+              <a:t>Vd=120mV</a:t>
+            </a:r>
+            <a:endParaRPr lang="en-GB" sz="1400" dirty="0">
+              <a:solidFill>
+                <a:srgbClr val="3333FF"/>
+              </a:solidFill>
+            </a:endParaRPr>
+          </a:p>
+        </p:txBody>
+      </p:sp>
+      <p:sp>
+        <p:nvSpPr>
+          <p:cNvPr id="76" name="TextBox 75"/>
+          <p:cNvSpPr txBox="1"/>
+          <p:nvPr/>
+        </p:nvSpPr>
+        <p:spPr>
+          <a:xfrm>
+            <a:off x="5219215" y="2748065"/>
+            <a:ext cx="843447" cy="307760"/>
+          </a:xfrm>
+          <a:prstGeom prst="rect">
+            <a:avLst/>
+          </a:prstGeom>
+          <a:noFill/>
+        </p:spPr>
+        <p:txBody>
+          <a:bodyPr wrap="square" lIns="91423" tIns="45712" rIns="91423" bIns="45712" rtlCol="0">
+            <a:spAutoFit/>
+          </a:bodyPr>
+          <a:lstStyle/>
+          <a:p>
+            <a:pPr algn="ctr"/>
+            <a:r>
+              <a:rPr lang="de-DE" sz="1400" dirty="0" smtClean="0">
+                <a:solidFill>
+                  <a:srgbClr val="3333FF"/>
+                </a:solidFill>
+              </a:rPr>
+              <a:t>Vi&gt;4.5V</a:t>
+            </a:r>
+            <a:endParaRPr lang="en-GB" sz="1400" dirty="0">
+              <a:solidFill>
+                <a:srgbClr val="3333FF"/>
+              </a:solidFill>
+            </a:endParaRPr>
+          </a:p>
+        </p:txBody>
+      </p:sp>
+      <p:sp>
+        <p:nvSpPr>
+          <p:cNvPr id="95" name="TextBox 94"/>
+          <p:cNvSpPr txBox="1"/>
+          <p:nvPr/>
+        </p:nvSpPr>
+        <p:spPr>
+          <a:xfrm>
+            <a:off x="2741386" y="3116943"/>
+            <a:ext cx="948602" cy="307760"/>
+          </a:xfrm>
+          <a:prstGeom prst="rect">
+            <a:avLst/>
+          </a:prstGeom>
+          <a:noFill/>
+        </p:spPr>
+        <p:txBody>
+          <a:bodyPr wrap="square" lIns="91423" tIns="45712" rIns="91423" bIns="45712" rtlCol="0">
+            <a:spAutoFit/>
+          </a:bodyPr>
+          <a:lstStyle/>
+          <a:p>
+            <a:pPr algn="ctr"/>
+            <a:r>
+              <a:rPr lang="de-DE" sz="1400" dirty="0" smtClean="0">
+                <a:solidFill>
+                  <a:srgbClr val="00B050"/>
+                </a:solidFill>
+              </a:rPr>
+              <a:t>470mA</a:t>
+            </a:r>
+            <a:endParaRPr lang="en-GB" sz="1400" dirty="0">
+              <a:solidFill>
+                <a:srgbClr val="00B050"/>
+              </a:solidFill>
+            </a:endParaRPr>
+          </a:p>
+        </p:txBody>
+      </p:sp>
+      <p:sp>
+        <p:nvSpPr>
+          <p:cNvPr id="52" name="Rectangle 51"/>
+          <p:cNvSpPr/>
+          <p:nvPr/>
+        </p:nvSpPr>
+        <p:spPr>
+          <a:xfrm>
+            <a:off x="10809556" y="7108656"/>
+            <a:ext cx="1102848" cy="856616"/>
+          </a:xfrm>
+          <a:prstGeom prst="rect">
+            <a:avLst/>
+          </a:prstGeom>
         </p:spPr>
         <p:style>
           <a:lnRef idx="2">
@@ -4303,11 +4700,1461 @@
           </a:fontRef>
         </p:style>
         <p:txBody>
-          <a:bodyPr rtlCol="0" anchor="ctr"/>
+          <a:bodyPr lIns="91423" tIns="45712" rIns="91423" bIns="45712" rtlCol="0" anchor="ctr"/>
+          <a:lstStyle/>
+          <a:p>
+            <a:pPr algn="ctr"/>
+            <a:r>
+              <a:rPr lang="de-DE" sz="1200" dirty="0" smtClean="0"/>
+              <a:t>Memory</a:t>
+            </a:r>
+          </a:p>
+          <a:p>
+            <a:pPr algn="ctr"/>
+            <a:r>
+              <a:rPr lang="de-DE" sz="1200" dirty="0" smtClean="0"/>
+              <a:t>Imax=200mA</a:t>
+            </a:r>
+            <a:endParaRPr lang="de-DE" sz="1200" dirty="0"/>
+          </a:p>
+        </p:txBody>
+      </p:sp>
+      <p:cxnSp>
+        <p:nvCxnSpPr>
+          <p:cNvPr id="104" name="Straight Connector 16"/>
+          <p:cNvCxnSpPr>
+            <a:stCxn id="58" idx="0"/>
+          </p:cNvCxnSpPr>
+          <p:nvPr/>
+        </p:nvCxnSpPr>
+        <p:spPr>
+          <a:xfrm rot="16200000" flipV="1">
+            <a:off x="9484608" y="4574297"/>
+            <a:ext cx="2266428" cy="26637"/>
+          </a:xfrm>
+          <a:prstGeom prst="straightConnector1">
+            <a:avLst/>
+          </a:prstGeom>
+          <a:ln w="25400">
+            <a:solidFill>
+              <a:schemeClr val="tx1"/>
+            </a:solidFill>
+            <a:tailEnd type="oval"/>
+          </a:ln>
+        </p:spPr>
+        <p:style>
+          <a:lnRef idx="1">
+            <a:schemeClr val="accent1"/>
+          </a:lnRef>
+          <a:fillRef idx="0">
+            <a:schemeClr val="accent1"/>
+          </a:fillRef>
+          <a:effectRef idx="0">
+            <a:schemeClr val="accent1"/>
+          </a:effectRef>
+          <a:fontRef idx="minor">
+            <a:schemeClr val="tx1"/>
+          </a:fontRef>
+        </p:style>
+      </p:cxnSp>
+      <p:sp>
+        <p:nvSpPr>
+          <p:cNvPr id="108" name="TextBox 107"/>
+          <p:cNvSpPr txBox="1"/>
+          <p:nvPr/>
+        </p:nvSpPr>
+        <p:spPr>
+          <a:xfrm>
+            <a:off x="6867042" y="3517900"/>
+            <a:ext cx="1311758" cy="307760"/>
+          </a:xfrm>
+          <a:prstGeom prst="rect">
+            <a:avLst/>
+          </a:prstGeom>
+          <a:noFill/>
+        </p:spPr>
+        <p:txBody>
+          <a:bodyPr wrap="square" lIns="91423" tIns="45712" rIns="91423" bIns="45712" rtlCol="0">
+            <a:spAutoFit/>
+          </a:bodyPr>
+          <a:lstStyle/>
+          <a:p>
+            <a:pPr algn="ctr"/>
+            <a:r>
+              <a:rPr lang="de-DE" sz="1400" dirty="0" smtClean="0">
+                <a:solidFill>
+                  <a:srgbClr val="00B050"/>
+                </a:solidFill>
+              </a:rPr>
+              <a:t>1A / 460mA </a:t>
+            </a:r>
+            <a:endParaRPr lang="en-GB" sz="1400" dirty="0">
+              <a:solidFill>
+                <a:srgbClr val="00B050"/>
+              </a:solidFill>
+            </a:endParaRPr>
+          </a:p>
+        </p:txBody>
+      </p:sp>
+      <p:sp>
+        <p:nvSpPr>
+          <p:cNvPr id="111" name="TextBox 110"/>
+          <p:cNvSpPr txBox="1"/>
+          <p:nvPr/>
+        </p:nvSpPr>
+        <p:spPr>
+          <a:xfrm>
+            <a:off x="5536715" y="4614965"/>
+            <a:ext cx="843447" cy="307760"/>
+          </a:xfrm>
+          <a:prstGeom prst="rect">
+            <a:avLst/>
+          </a:prstGeom>
+          <a:noFill/>
+        </p:spPr>
+        <p:txBody>
+          <a:bodyPr wrap="square" lIns="91423" tIns="45712" rIns="91423" bIns="45712" rtlCol="0">
+            <a:spAutoFit/>
+          </a:bodyPr>
+          <a:lstStyle/>
+          <a:p>
+            <a:pPr algn="ctr"/>
+            <a:r>
+              <a:rPr lang="de-DE" sz="1400" dirty="0" smtClean="0">
+                <a:solidFill>
+                  <a:srgbClr val="3333FF"/>
+                </a:solidFill>
+              </a:rPr>
+              <a:t>Vi=5V</a:t>
+            </a:r>
+            <a:endParaRPr lang="en-GB" sz="1400" dirty="0">
+              <a:solidFill>
+                <a:srgbClr val="3333FF"/>
+              </a:solidFill>
+            </a:endParaRPr>
+          </a:p>
+        </p:txBody>
+      </p:sp>
+    </p:spTree>
+    <p:extLst>
+      <p:ext uri="{BB962C8B-B14F-4D97-AF65-F5344CB8AC3E}">
+        <p14:creationId xmlns:p14="http://schemas.microsoft.com/office/powerpoint/2010/main" xmlns="" val="501831016"/>
+      </p:ext>
+    </p:extLst>
+  </p:cSld>
+  <p:clrMapOvr>
+    <a:masterClrMapping/>
+  </p:clrMapOvr>
+  <p:timing>
+    <p:tnLst>
+      <p:par>
+        <p:cTn id="1" dur="indefinite" restart="never" nodeType="tmRoot"/>
+      </p:par>
+    </p:tnLst>
+  </p:timing>
+</p:sld>
+</file>
+
+<file path=ppt/slides/slide2.xml><?xml version="1.0" encoding="utf-8"?>
+<p:sld xmlns:a="http://schemas.openxmlformats.org/drawingml/2006/main" xmlns:r="http://schemas.openxmlformats.org/officeDocument/2006/relationships" xmlns:p="http://schemas.openxmlformats.org/presentationml/2006/main">
+  <p:cSld>
+    <p:spTree>
+      <p:nvGrpSpPr>
+        <p:cNvPr id="1" name=""/>
+        <p:cNvGrpSpPr/>
+        <p:nvPr/>
+      </p:nvGrpSpPr>
+      <p:grpSpPr>
+        <a:xfrm>
+          <a:off x="0" y="0"/>
+          <a:ext cx="0" cy="0"/>
+          <a:chOff x="0" y="0"/>
+          <a:chExt cx="0" cy="0"/>
+        </a:xfrm>
+      </p:grpSpPr>
+      <p:sp>
+        <p:nvSpPr>
+          <p:cNvPr id="89" name="Rectangle 88"/>
+          <p:cNvSpPr/>
+          <p:nvPr/>
+        </p:nvSpPr>
+        <p:spPr>
+          <a:xfrm>
+            <a:off x="3588221" y="6191449"/>
+            <a:ext cx="1842054" cy="2615925"/>
+          </a:xfrm>
+          <a:prstGeom prst="rect">
+            <a:avLst/>
+          </a:prstGeom>
+          <a:solidFill>
+            <a:schemeClr val="accent1">
+              <a:alpha val="23000"/>
+            </a:schemeClr>
+          </a:solidFill>
+        </p:spPr>
+        <p:style>
+          <a:lnRef idx="2">
+            <a:schemeClr val="accent1">
+              <a:shade val="50000"/>
+            </a:schemeClr>
+          </a:lnRef>
+          <a:fillRef idx="1">
+            <a:schemeClr val="accent1"/>
+          </a:fillRef>
+          <a:effectRef idx="0">
+            <a:schemeClr val="accent1"/>
+          </a:effectRef>
+          <a:fontRef idx="minor">
+            <a:schemeClr val="lt1"/>
+          </a:fontRef>
+        </p:style>
+        <p:txBody>
+          <a:bodyPr lIns="91423" tIns="45712" rIns="91423" bIns="45712" rtlCol="0" anchor="ctr"/>
+          <a:lstStyle/>
+          <a:p>
+            <a:pPr algn="ctr"/>
+            <a:endParaRPr lang="de-DE" sz="1600" dirty="0"/>
+          </a:p>
+        </p:txBody>
+      </p:sp>
+      <p:cxnSp>
+        <p:nvCxnSpPr>
+          <p:cNvPr id="92" name="Straight Connector 16"/>
+          <p:cNvCxnSpPr>
+            <a:stCxn id="6" idx="0"/>
+          </p:cNvCxnSpPr>
+          <p:nvPr/>
+        </p:nvCxnSpPr>
+        <p:spPr>
+          <a:xfrm rot="16200000" flipH="1" flipV="1">
+            <a:off x="3427855" y="3346996"/>
+            <a:ext cx="3176816" cy="2541116"/>
+          </a:xfrm>
+          <a:prstGeom prst="bentConnector3">
+            <a:avLst>
+              <a:gd name="adj1" fmla="val -7332"/>
+            </a:avLst>
+          </a:prstGeom>
+          <a:ln w="25400">
+            <a:solidFill>
+              <a:schemeClr val="tx1"/>
+            </a:solidFill>
+          </a:ln>
+        </p:spPr>
+        <p:style>
+          <a:lnRef idx="1">
+            <a:schemeClr val="accent1"/>
+          </a:lnRef>
+          <a:fillRef idx="0">
+            <a:schemeClr val="accent1"/>
+          </a:fillRef>
+          <a:effectRef idx="0">
+            <a:schemeClr val="accent1"/>
+          </a:effectRef>
+          <a:fontRef idx="minor">
+            <a:schemeClr val="tx1"/>
+          </a:fontRef>
+        </p:style>
+      </p:cxnSp>
+      <p:sp>
+        <p:nvSpPr>
+          <p:cNvPr id="23" name="Rectangle 22"/>
+          <p:cNvSpPr/>
+          <p:nvPr/>
+        </p:nvSpPr>
+        <p:spPr>
+          <a:xfrm>
+            <a:off x="6547639" y="5720833"/>
+            <a:ext cx="3006766" cy="3642321"/>
+          </a:xfrm>
+          <a:prstGeom prst="rect">
+            <a:avLst/>
+          </a:prstGeom>
+          <a:solidFill>
+            <a:schemeClr val="accent1">
+              <a:alpha val="23000"/>
+            </a:schemeClr>
+          </a:solidFill>
+        </p:spPr>
+        <p:style>
+          <a:lnRef idx="2">
+            <a:schemeClr val="accent1">
+              <a:shade val="50000"/>
+            </a:schemeClr>
+          </a:lnRef>
+          <a:fillRef idx="1">
+            <a:schemeClr val="accent1"/>
+          </a:fillRef>
+          <a:effectRef idx="0">
+            <a:schemeClr val="accent1"/>
+          </a:effectRef>
+          <a:fontRef idx="minor">
+            <a:schemeClr val="lt1"/>
+          </a:fontRef>
+        </p:style>
+        <p:txBody>
+          <a:bodyPr lIns="91423" tIns="45712" rIns="91423" bIns="45712" rtlCol="0" anchor="ctr"/>
           <a:lstStyle/>
           <a:p>
             <a:pPr algn="ctr"/>
             <a:endParaRPr lang="de-DE" dirty="0"/>
+          </a:p>
+        </p:txBody>
+      </p:sp>
+      <p:sp>
+        <p:nvSpPr>
+          <p:cNvPr id="5" name="Rectangle 4"/>
+          <p:cNvSpPr/>
+          <p:nvPr/>
+        </p:nvSpPr>
+        <p:spPr>
+          <a:xfrm>
+            <a:off x="5616327" y="4559664"/>
+            <a:ext cx="1314979" cy="856616"/>
+          </a:xfrm>
+          <a:prstGeom prst="rect">
+            <a:avLst/>
+          </a:prstGeom>
+        </p:spPr>
+        <p:style>
+          <a:lnRef idx="2">
+            <a:schemeClr val="accent1">
+              <a:shade val="50000"/>
+            </a:schemeClr>
+          </a:lnRef>
+          <a:fillRef idx="1">
+            <a:schemeClr val="accent1"/>
+          </a:fillRef>
+          <a:effectRef idx="0">
+            <a:schemeClr val="accent1"/>
+          </a:effectRef>
+          <a:fontRef idx="minor">
+            <a:schemeClr val="lt1"/>
+          </a:fontRef>
+        </p:style>
+        <p:txBody>
+          <a:bodyPr lIns="91423" tIns="45712" rIns="91423" bIns="45712" rtlCol="0" anchor="ctr"/>
+          <a:lstStyle/>
+          <a:p>
+            <a:pPr algn="ctr"/>
+            <a:r>
+              <a:rPr lang="de-DE" sz="1200" dirty="0" smtClean="0"/>
+              <a:t>LD2980ABM50TR</a:t>
+            </a:r>
+          </a:p>
+          <a:p>
+            <a:pPr algn="ctr"/>
+            <a:r>
+              <a:rPr lang="de-DE" sz="1200" dirty="0" smtClean="0"/>
+              <a:t>5V Supply</a:t>
+            </a:r>
+          </a:p>
+          <a:p>
+            <a:pPr algn="ctr"/>
+            <a:r>
+              <a:rPr lang="de-DE" sz="1200" dirty="0" smtClean="0"/>
+              <a:t>I_out_max=50mA</a:t>
+            </a:r>
+            <a:endParaRPr lang="de-DE" sz="1200" dirty="0"/>
+          </a:p>
+        </p:txBody>
+      </p:sp>
+      <p:sp>
+        <p:nvSpPr>
+          <p:cNvPr id="6" name="Rectangle 5"/>
+          <p:cNvSpPr/>
+          <p:nvPr/>
+        </p:nvSpPr>
+        <p:spPr>
+          <a:xfrm>
+            <a:off x="5613435" y="3029147"/>
+            <a:ext cx="1346770" cy="856616"/>
+          </a:xfrm>
+          <a:prstGeom prst="rect">
+            <a:avLst/>
+          </a:prstGeom>
+        </p:spPr>
+        <p:style>
+          <a:lnRef idx="2">
+            <a:schemeClr val="accent1">
+              <a:shade val="50000"/>
+            </a:schemeClr>
+          </a:lnRef>
+          <a:fillRef idx="1">
+            <a:schemeClr val="accent1"/>
+          </a:fillRef>
+          <a:effectRef idx="0">
+            <a:schemeClr val="accent1"/>
+          </a:effectRef>
+          <a:fontRef idx="minor">
+            <a:schemeClr val="lt1"/>
+          </a:fontRef>
+        </p:style>
+        <p:txBody>
+          <a:bodyPr lIns="91423" tIns="45712" rIns="91423" bIns="45712" rtlCol="0" anchor="ctr"/>
+          <a:lstStyle/>
+          <a:p>
+            <a:pPr algn="ctr"/>
+            <a:r>
+              <a:rPr lang="de-DE" sz="1200" dirty="0" smtClean="0"/>
+              <a:t>IFX1117ME_V33</a:t>
+            </a:r>
+          </a:p>
+          <a:p>
+            <a:pPr algn="ctr"/>
+            <a:r>
+              <a:rPr lang="de-DE" sz="1200" dirty="0" smtClean="0"/>
+              <a:t>3.3V Supply</a:t>
+            </a:r>
+          </a:p>
+          <a:p>
+            <a:pPr algn="ctr"/>
+            <a:r>
+              <a:rPr lang="de-DE" sz="1200" dirty="0" smtClean="0"/>
+              <a:t>I_out_max=1A</a:t>
+            </a:r>
+            <a:endParaRPr lang="de-DE" sz="1200" dirty="0"/>
+          </a:p>
+        </p:txBody>
+      </p:sp>
+      <p:sp>
+        <p:nvSpPr>
+          <p:cNvPr id="7" name="Rectangle 6"/>
+          <p:cNvSpPr/>
+          <p:nvPr/>
+        </p:nvSpPr>
+        <p:spPr>
+          <a:xfrm>
+            <a:off x="7095379" y="4559664"/>
+            <a:ext cx="1102848" cy="856616"/>
+          </a:xfrm>
+          <a:prstGeom prst="rect">
+            <a:avLst/>
+          </a:prstGeom>
+        </p:spPr>
+        <p:style>
+          <a:lnRef idx="2">
+            <a:schemeClr val="accent1">
+              <a:shade val="50000"/>
+            </a:schemeClr>
+          </a:lnRef>
+          <a:fillRef idx="1">
+            <a:schemeClr val="accent1"/>
+          </a:fillRef>
+          <a:effectRef idx="0">
+            <a:schemeClr val="accent1"/>
+          </a:effectRef>
+          <a:fontRef idx="minor">
+            <a:schemeClr val="lt1"/>
+          </a:fontRef>
+        </p:style>
+        <p:txBody>
+          <a:bodyPr lIns="91423" tIns="45712" rIns="91423" bIns="45712" rtlCol="0" anchor="ctr"/>
+          <a:lstStyle/>
+          <a:p>
+            <a:pPr algn="ctr"/>
+            <a:r>
+              <a:rPr lang="de-DE" sz="1200" dirty="0" smtClean="0"/>
+              <a:t>2x16 LCD</a:t>
+            </a:r>
+          </a:p>
+          <a:p>
+            <a:pPr algn="ctr"/>
+            <a:r>
+              <a:rPr lang="de-DE" sz="1200" dirty="0" smtClean="0"/>
+              <a:t>Display</a:t>
+            </a:r>
+          </a:p>
+          <a:p>
+            <a:pPr algn="ctr"/>
+            <a:r>
+              <a:rPr lang="de-DE" sz="1200" dirty="0" smtClean="0"/>
+              <a:t>I=3mA</a:t>
+            </a:r>
+            <a:endParaRPr lang="de-DE" sz="1200" dirty="0"/>
+          </a:p>
+        </p:txBody>
+      </p:sp>
+      <p:cxnSp>
+        <p:nvCxnSpPr>
+          <p:cNvPr id="9" name="Straight Connector 8"/>
+          <p:cNvCxnSpPr>
+            <a:stCxn id="5" idx="3"/>
+            <a:endCxn id="7" idx="1"/>
+          </p:cNvCxnSpPr>
+          <p:nvPr/>
+        </p:nvCxnSpPr>
+        <p:spPr>
+          <a:xfrm>
+            <a:off x="6931305" y="4987971"/>
+            <a:ext cx="164072" cy="1618"/>
+          </a:xfrm>
+          <a:prstGeom prst="line">
+            <a:avLst/>
+          </a:prstGeom>
+          <a:ln w="25400">
+            <a:solidFill>
+              <a:schemeClr val="tx1"/>
+            </a:solidFill>
+          </a:ln>
+        </p:spPr>
+        <p:style>
+          <a:lnRef idx="1">
+            <a:schemeClr val="accent1"/>
+          </a:lnRef>
+          <a:fillRef idx="0">
+            <a:schemeClr val="accent1"/>
+          </a:fillRef>
+          <a:effectRef idx="0">
+            <a:schemeClr val="accent1"/>
+          </a:effectRef>
+          <a:fontRef idx="minor">
+            <a:schemeClr val="tx1"/>
+          </a:fontRef>
+        </p:style>
+      </p:cxnSp>
+      <p:sp>
+        <p:nvSpPr>
+          <p:cNvPr id="13" name="Rectangle 12"/>
+          <p:cNvSpPr/>
+          <p:nvPr/>
+        </p:nvSpPr>
+        <p:spPr>
+          <a:xfrm>
+            <a:off x="1635755" y="3029147"/>
+            <a:ext cx="1102848" cy="856616"/>
+          </a:xfrm>
+          <a:prstGeom prst="rect">
+            <a:avLst/>
+          </a:prstGeom>
+        </p:spPr>
+        <p:style>
+          <a:lnRef idx="2">
+            <a:schemeClr val="accent1">
+              <a:shade val="50000"/>
+            </a:schemeClr>
+          </a:lnRef>
+          <a:fillRef idx="1">
+            <a:schemeClr val="accent1"/>
+          </a:fillRef>
+          <a:effectRef idx="0">
+            <a:schemeClr val="accent1"/>
+          </a:effectRef>
+          <a:fontRef idx="minor">
+            <a:schemeClr val="lt1"/>
+          </a:fontRef>
+        </p:style>
+        <p:txBody>
+          <a:bodyPr lIns="91423" tIns="45712" rIns="91423" bIns="45712" rtlCol="0" anchor="ctr"/>
+          <a:lstStyle/>
+          <a:p>
+            <a:pPr algn="ctr"/>
+            <a:r>
+              <a:rPr lang="de-DE" sz="1600" dirty="0" smtClean="0"/>
+              <a:t>Power</a:t>
+            </a:r>
+          </a:p>
+          <a:p>
+            <a:pPr algn="ctr"/>
+            <a:r>
+              <a:rPr lang="de-DE" sz="1600" dirty="0" smtClean="0"/>
+              <a:t>Connector</a:t>
+            </a:r>
+            <a:endParaRPr lang="de-DE" sz="1600" dirty="0"/>
+          </a:p>
+        </p:txBody>
+      </p:sp>
+      <p:cxnSp>
+        <p:nvCxnSpPr>
+          <p:cNvPr id="14" name="Straight Connector 13"/>
+          <p:cNvCxnSpPr>
+            <a:stCxn id="13" idx="3"/>
+            <a:endCxn id="6" idx="1"/>
+          </p:cNvCxnSpPr>
+          <p:nvPr/>
+        </p:nvCxnSpPr>
+        <p:spPr>
+          <a:xfrm>
+            <a:off x="2738603" y="3457455"/>
+            <a:ext cx="2874832" cy="1588"/>
+          </a:xfrm>
+          <a:prstGeom prst="line">
+            <a:avLst/>
+          </a:prstGeom>
+          <a:ln w="25400">
+            <a:solidFill>
+              <a:schemeClr val="tx1"/>
+            </a:solidFill>
+          </a:ln>
+        </p:spPr>
+        <p:style>
+          <a:lnRef idx="1">
+            <a:schemeClr val="accent1"/>
+          </a:lnRef>
+          <a:fillRef idx="0">
+            <a:schemeClr val="accent1"/>
+          </a:fillRef>
+          <a:effectRef idx="0">
+            <a:schemeClr val="accent1"/>
+          </a:effectRef>
+          <a:fontRef idx="minor">
+            <a:schemeClr val="tx1"/>
+          </a:fontRef>
+        </p:style>
+      </p:cxnSp>
+      <p:cxnSp>
+        <p:nvCxnSpPr>
+          <p:cNvPr id="17" name="Straight Connector 16"/>
+          <p:cNvCxnSpPr>
+            <a:endCxn id="5" idx="1"/>
+          </p:cNvCxnSpPr>
+          <p:nvPr/>
+        </p:nvCxnSpPr>
+        <p:spPr>
+          <a:xfrm rot="16200000" flipH="1">
+            <a:off x="4130531" y="3502175"/>
+            <a:ext cx="1533569" cy="1438024"/>
+          </a:xfrm>
+          <a:prstGeom prst="bentConnector2">
+            <a:avLst/>
+          </a:prstGeom>
+          <a:ln w="25400">
+            <a:solidFill>
+              <a:schemeClr val="tx1"/>
+            </a:solidFill>
+            <a:headEnd type="oval"/>
+          </a:ln>
+        </p:spPr>
+        <p:style>
+          <a:lnRef idx="1">
+            <a:schemeClr val="accent1"/>
+          </a:lnRef>
+          <a:fillRef idx="0">
+            <a:schemeClr val="accent1"/>
+          </a:fillRef>
+          <a:effectRef idx="0">
+            <a:schemeClr val="accent1"/>
+          </a:effectRef>
+          <a:fontRef idx="minor">
+            <a:schemeClr val="tx1"/>
+          </a:fontRef>
+        </p:style>
+      </p:cxnSp>
+      <p:sp>
+        <p:nvSpPr>
+          <p:cNvPr id="22" name="Rectangle 21"/>
+          <p:cNvSpPr/>
+          <p:nvPr/>
+        </p:nvSpPr>
+        <p:spPr>
+          <a:xfrm>
+            <a:off x="8664310" y="5862964"/>
+            <a:ext cx="625114" cy="572348"/>
+          </a:xfrm>
+          <a:prstGeom prst="rect">
+            <a:avLst/>
+          </a:prstGeom>
+        </p:spPr>
+        <p:style>
+          <a:lnRef idx="2">
+            <a:schemeClr val="accent1">
+              <a:shade val="50000"/>
+            </a:schemeClr>
+          </a:lnRef>
+          <a:fillRef idx="1">
+            <a:schemeClr val="accent1"/>
+          </a:fillRef>
+          <a:effectRef idx="0">
+            <a:schemeClr val="accent1"/>
+          </a:effectRef>
+          <a:fontRef idx="minor">
+            <a:schemeClr val="lt1"/>
+          </a:fontRef>
+        </p:style>
+        <p:txBody>
+          <a:bodyPr lIns="91423" tIns="45712" rIns="91423" bIns="45712" rtlCol="0" anchor="ctr"/>
+          <a:lstStyle/>
+          <a:p>
+            <a:pPr algn="ctr"/>
+            <a:r>
+              <a:rPr lang="de-DE" sz="1600" dirty="0" smtClean="0"/>
+              <a:t>I2C</a:t>
+            </a:r>
+            <a:endParaRPr lang="de-DE" sz="1600" dirty="0"/>
+          </a:p>
+        </p:txBody>
+      </p:sp>
+      <p:sp>
+        <p:nvSpPr>
+          <p:cNvPr id="25" name="Rectangle 24"/>
+          <p:cNvSpPr/>
+          <p:nvPr/>
+        </p:nvSpPr>
+        <p:spPr>
+          <a:xfrm>
+            <a:off x="6723181" y="6155273"/>
+            <a:ext cx="1639710" cy="1323423"/>
+          </a:xfrm>
+          <a:prstGeom prst="rect">
+            <a:avLst/>
+          </a:prstGeom>
+        </p:spPr>
+        <p:txBody>
+          <a:bodyPr wrap="none" lIns="91423" tIns="45712" rIns="91423" bIns="45712">
+            <a:spAutoFit/>
+          </a:bodyPr>
+          <a:lstStyle/>
+          <a:p>
+            <a:pPr algn="ctr"/>
+            <a:r>
+              <a:rPr lang="de-DE" sz="1600" dirty="0" smtClean="0"/>
+              <a:t>ATMEGA16A</a:t>
+            </a:r>
+            <a:endParaRPr lang="de-DE" sz="1600" dirty="0" smtClean="0"/>
+          </a:p>
+          <a:p>
+            <a:pPr marL="381780" indent="-381780">
+              <a:buFont typeface="Arial" panose="020B0604020202020204" pitchFamily="34" charset="0"/>
+              <a:buChar char="•"/>
+            </a:pPr>
+            <a:r>
+              <a:rPr lang="de-DE" sz="1600" dirty="0" smtClean="0"/>
+              <a:t>Vin=3.3V</a:t>
+            </a:r>
+          </a:p>
+          <a:p>
+            <a:pPr marL="381780" indent="-381780">
+              <a:buFont typeface="Arial" panose="020B0604020202020204" pitchFamily="34" charset="0"/>
+              <a:buChar char="•"/>
+            </a:pPr>
+            <a:r>
+              <a:rPr lang="de-DE" sz="1600" dirty="0" smtClean="0"/>
+              <a:t>I=15mA</a:t>
+            </a:r>
+            <a:endParaRPr lang="de-DE" sz="1600" dirty="0" smtClean="0"/>
+          </a:p>
+          <a:p>
+            <a:pPr marL="381780" indent="-381780">
+              <a:buFont typeface="Arial" panose="020B0604020202020204" pitchFamily="34" charset="0"/>
+              <a:buChar char="•"/>
+            </a:pPr>
+            <a:r>
+              <a:rPr lang="de-DE" sz="1600" dirty="0" err="1" smtClean="0"/>
+              <a:t>Freq</a:t>
+            </a:r>
+            <a:r>
+              <a:rPr lang="de-DE" sz="1600" dirty="0" smtClean="0"/>
+              <a:t>=12MHz</a:t>
+            </a:r>
+          </a:p>
+          <a:p>
+            <a:pPr marL="381780" indent="-381780">
+              <a:buFont typeface="Arial" panose="020B0604020202020204" pitchFamily="34" charset="0"/>
+              <a:buChar char="•"/>
+            </a:pPr>
+            <a:endParaRPr lang="de-DE" sz="1600" dirty="0"/>
+          </a:p>
+        </p:txBody>
+      </p:sp>
+      <p:sp>
+        <p:nvSpPr>
+          <p:cNvPr id="37" name="Rectangle 36"/>
+          <p:cNvSpPr/>
+          <p:nvPr/>
+        </p:nvSpPr>
+        <p:spPr>
+          <a:xfrm>
+            <a:off x="8425442" y="4559664"/>
+            <a:ext cx="1102848" cy="856616"/>
+          </a:xfrm>
+          <a:prstGeom prst="rect">
+            <a:avLst/>
+          </a:prstGeom>
+        </p:spPr>
+        <p:style>
+          <a:lnRef idx="2">
+            <a:schemeClr val="accent1">
+              <a:shade val="50000"/>
+            </a:schemeClr>
+          </a:lnRef>
+          <a:fillRef idx="1">
+            <a:schemeClr val="accent1"/>
+          </a:fillRef>
+          <a:effectRef idx="0">
+            <a:schemeClr val="accent1"/>
+          </a:effectRef>
+          <a:fontRef idx="minor">
+            <a:schemeClr val="lt1"/>
+          </a:fontRef>
+        </p:style>
+        <p:txBody>
+          <a:bodyPr lIns="91423" tIns="45712" rIns="91423" bIns="45712" rtlCol="0" anchor="ctr"/>
+          <a:lstStyle/>
+          <a:p>
+            <a:pPr algn="ctr"/>
+            <a:r>
+              <a:rPr lang="en-GB" sz="1400" dirty="0" smtClean="0"/>
+              <a:t>PCA9306</a:t>
+            </a:r>
+          </a:p>
+          <a:p>
+            <a:pPr algn="ctr"/>
+            <a:r>
+              <a:rPr lang="de-DE" sz="1400" dirty="0" smtClean="0"/>
+              <a:t>Level</a:t>
+            </a:r>
+          </a:p>
+          <a:p>
+            <a:pPr algn="ctr"/>
+            <a:r>
+              <a:rPr lang="de-DE" sz="1400" dirty="0" err="1" smtClean="0"/>
+              <a:t>Shifter</a:t>
+            </a:r>
+            <a:endParaRPr lang="de-DE" sz="1400" dirty="0"/>
+          </a:p>
+        </p:txBody>
+      </p:sp>
+      <p:cxnSp>
+        <p:nvCxnSpPr>
+          <p:cNvPr id="38" name="Straight Connector 37"/>
+          <p:cNvCxnSpPr>
+            <a:stCxn id="7" idx="3"/>
+            <a:endCxn id="37" idx="1"/>
+          </p:cNvCxnSpPr>
+          <p:nvPr/>
+        </p:nvCxnSpPr>
+        <p:spPr>
+          <a:xfrm>
+            <a:off x="8198226" y="4987971"/>
+            <a:ext cx="227216" cy="1618"/>
+          </a:xfrm>
+          <a:prstGeom prst="line">
+            <a:avLst/>
+          </a:prstGeom>
+          <a:ln w="25400">
+            <a:solidFill>
+              <a:schemeClr val="tx1"/>
+            </a:solidFill>
+          </a:ln>
+        </p:spPr>
+        <p:style>
+          <a:lnRef idx="1">
+            <a:schemeClr val="accent1"/>
+          </a:lnRef>
+          <a:fillRef idx="0">
+            <a:schemeClr val="accent1"/>
+          </a:fillRef>
+          <a:effectRef idx="0">
+            <a:schemeClr val="accent1"/>
+          </a:effectRef>
+          <a:fontRef idx="minor">
+            <a:schemeClr val="tx1"/>
+          </a:fontRef>
+        </p:style>
+      </p:cxnSp>
+      <p:cxnSp>
+        <p:nvCxnSpPr>
+          <p:cNvPr id="41" name="Straight Connector 40"/>
+          <p:cNvCxnSpPr>
+            <a:stCxn id="22" idx="0"/>
+            <a:endCxn id="37" idx="2"/>
+          </p:cNvCxnSpPr>
+          <p:nvPr/>
+        </p:nvCxnSpPr>
+        <p:spPr>
+          <a:xfrm flipV="1">
+            <a:off x="8976866" y="5416279"/>
+            <a:ext cx="0" cy="446686"/>
+          </a:xfrm>
+          <a:prstGeom prst="line">
+            <a:avLst/>
+          </a:prstGeom>
+          <a:ln w="25400">
+            <a:solidFill>
+              <a:schemeClr val="tx1"/>
+            </a:solidFill>
+          </a:ln>
+        </p:spPr>
+        <p:style>
+          <a:lnRef idx="1">
+            <a:schemeClr val="accent1"/>
+          </a:lnRef>
+          <a:fillRef idx="0">
+            <a:schemeClr val="accent1"/>
+          </a:fillRef>
+          <a:effectRef idx="0">
+            <a:schemeClr val="accent1"/>
+          </a:effectRef>
+          <a:fontRef idx="minor">
+            <a:schemeClr val="tx1"/>
+          </a:fontRef>
+        </p:style>
+      </p:cxnSp>
+      <p:sp>
+        <p:nvSpPr>
+          <p:cNvPr id="46" name="Rectangle 45"/>
+          <p:cNvSpPr/>
+          <p:nvPr/>
+        </p:nvSpPr>
+        <p:spPr>
+          <a:xfrm>
+            <a:off x="11644733" y="8393580"/>
+            <a:ext cx="1102848" cy="856616"/>
+          </a:xfrm>
+          <a:prstGeom prst="rect">
+            <a:avLst/>
+          </a:prstGeom>
+        </p:spPr>
+        <p:style>
+          <a:lnRef idx="2">
+            <a:schemeClr val="accent1">
+              <a:shade val="50000"/>
+            </a:schemeClr>
+          </a:lnRef>
+          <a:fillRef idx="1">
+            <a:schemeClr val="accent1"/>
+          </a:fillRef>
+          <a:effectRef idx="0">
+            <a:schemeClr val="accent1"/>
+          </a:effectRef>
+          <a:fontRef idx="minor">
+            <a:schemeClr val="lt1"/>
+          </a:fontRef>
+        </p:style>
+        <p:txBody>
+          <a:bodyPr lIns="91423" tIns="45712" rIns="91423" bIns="45712" rtlCol="0" anchor="ctr"/>
+          <a:lstStyle/>
+          <a:p>
+            <a:pPr algn="ctr"/>
+            <a:r>
+              <a:rPr lang="de-DE" sz="1200" dirty="0" smtClean="0"/>
+              <a:t>Wifi</a:t>
+            </a:r>
+          </a:p>
+          <a:p>
+            <a:pPr algn="ctr"/>
+            <a:r>
+              <a:rPr lang="en-GB" sz="1200" dirty="0" err="1" smtClean="0"/>
+              <a:t>Ityp</a:t>
+            </a:r>
+            <a:r>
+              <a:rPr lang="en-GB" sz="1200" dirty="0" smtClean="0"/>
+              <a:t>=80mA Imax=215mA</a:t>
+            </a:r>
+            <a:endParaRPr lang="de-DE" sz="1200" dirty="0"/>
+          </a:p>
+        </p:txBody>
+      </p:sp>
+      <p:cxnSp>
+        <p:nvCxnSpPr>
+          <p:cNvPr id="47" name="Straight Connector 16"/>
+          <p:cNvCxnSpPr>
+            <a:stCxn id="6" idx="3"/>
+            <a:endCxn id="46" idx="0"/>
+          </p:cNvCxnSpPr>
+          <p:nvPr/>
+        </p:nvCxnSpPr>
+        <p:spPr>
+          <a:xfrm>
+            <a:off x="6960205" y="3457455"/>
+            <a:ext cx="5235952" cy="4936125"/>
+          </a:xfrm>
+          <a:prstGeom prst="bentConnector2">
+            <a:avLst/>
+          </a:prstGeom>
+          <a:ln w="25400">
+            <a:solidFill>
+              <a:schemeClr val="tx1"/>
+            </a:solidFill>
+          </a:ln>
+        </p:spPr>
+        <p:style>
+          <a:lnRef idx="1">
+            <a:schemeClr val="accent1"/>
+          </a:lnRef>
+          <a:fillRef idx="0">
+            <a:schemeClr val="accent1"/>
+          </a:fillRef>
+          <a:effectRef idx="0">
+            <a:schemeClr val="accent1"/>
+          </a:effectRef>
+          <a:fontRef idx="minor">
+            <a:schemeClr val="tx1"/>
+          </a:fontRef>
+        </p:style>
+      </p:cxnSp>
+      <p:cxnSp>
+        <p:nvCxnSpPr>
+          <p:cNvPr id="53" name="Straight Connector 16"/>
+          <p:cNvCxnSpPr/>
+          <p:nvPr/>
+        </p:nvCxnSpPr>
+        <p:spPr>
+          <a:xfrm rot="16200000" flipV="1">
+            <a:off x="9505952" y="5289551"/>
+            <a:ext cx="3682999" cy="12699"/>
+          </a:xfrm>
+          <a:prstGeom prst="straightConnector1">
+            <a:avLst/>
+          </a:prstGeom>
+          <a:ln w="25400">
+            <a:solidFill>
+              <a:schemeClr val="tx1"/>
+            </a:solidFill>
+            <a:tailEnd type="oval"/>
+          </a:ln>
+        </p:spPr>
+        <p:style>
+          <a:lnRef idx="1">
+            <a:schemeClr val="accent1"/>
+          </a:lnRef>
+          <a:fillRef idx="0">
+            <a:schemeClr val="accent1"/>
+          </a:fillRef>
+          <a:effectRef idx="0">
+            <a:schemeClr val="accent1"/>
+          </a:effectRef>
+          <a:fontRef idx="minor">
+            <a:schemeClr val="tx1"/>
+          </a:fontRef>
+        </p:style>
+      </p:cxnSp>
+      <p:sp>
+        <p:nvSpPr>
+          <p:cNvPr id="58" name="Rectangle 57"/>
+          <p:cNvSpPr/>
+          <p:nvPr/>
+        </p:nvSpPr>
+        <p:spPr>
+          <a:xfrm>
+            <a:off x="10079716" y="5720830"/>
+            <a:ext cx="1102848" cy="856616"/>
+          </a:xfrm>
+          <a:prstGeom prst="rect">
+            <a:avLst/>
+          </a:prstGeom>
+        </p:spPr>
+        <p:style>
+          <a:lnRef idx="2">
+            <a:schemeClr val="accent1">
+              <a:shade val="50000"/>
+            </a:schemeClr>
+          </a:lnRef>
+          <a:fillRef idx="1">
+            <a:schemeClr val="accent1"/>
+          </a:fillRef>
+          <a:effectRef idx="0">
+            <a:schemeClr val="accent1"/>
+          </a:effectRef>
+          <a:fontRef idx="minor">
+            <a:schemeClr val="lt1"/>
+          </a:fontRef>
+        </p:style>
+        <p:txBody>
+          <a:bodyPr lIns="91423" tIns="45712" rIns="91423" bIns="45712" rtlCol="0" anchor="ctr"/>
+          <a:lstStyle/>
+          <a:p>
+            <a:pPr algn="ctr"/>
+            <a:r>
+              <a:rPr lang="en-GB" sz="1200" dirty="0" smtClean="0"/>
+              <a:t>Camera ESP8266 </a:t>
+            </a:r>
+            <a:r>
+              <a:rPr lang="en-GB" sz="1200" dirty="0" err="1" smtClean="0"/>
+              <a:t>Ityp</a:t>
+            </a:r>
+            <a:r>
+              <a:rPr lang="en-GB" sz="1200" dirty="0" smtClean="0"/>
+              <a:t>=30mA</a:t>
+            </a:r>
+            <a:endParaRPr lang="de-DE" sz="1200" dirty="0"/>
+          </a:p>
+        </p:txBody>
+      </p:sp>
+      <p:cxnSp>
+        <p:nvCxnSpPr>
+          <p:cNvPr id="62" name="Straight Connector 61"/>
+          <p:cNvCxnSpPr>
+            <a:stCxn id="58" idx="1"/>
+            <a:endCxn id="22" idx="3"/>
+          </p:cNvCxnSpPr>
+          <p:nvPr/>
+        </p:nvCxnSpPr>
+        <p:spPr>
+          <a:xfrm flipH="1">
+            <a:off x="9289423" y="6149139"/>
+            <a:ext cx="790292" cy="1"/>
+          </a:xfrm>
+          <a:prstGeom prst="line">
+            <a:avLst/>
+          </a:prstGeom>
+          <a:ln w="25400">
+            <a:solidFill>
+              <a:schemeClr val="tx1"/>
+            </a:solidFill>
+          </a:ln>
+        </p:spPr>
+        <p:style>
+          <a:lnRef idx="1">
+            <a:schemeClr val="accent1"/>
+          </a:lnRef>
+          <a:fillRef idx="0">
+            <a:schemeClr val="accent1"/>
+          </a:fillRef>
+          <a:effectRef idx="0">
+            <a:schemeClr val="accent1"/>
+          </a:effectRef>
+          <a:fontRef idx="minor">
+            <a:schemeClr val="tx1"/>
+          </a:fontRef>
+        </p:style>
+      </p:cxnSp>
+      <p:sp>
+        <p:nvSpPr>
+          <p:cNvPr id="73" name="Rectangle 72"/>
+          <p:cNvSpPr/>
+          <p:nvPr/>
+        </p:nvSpPr>
+        <p:spPr>
+          <a:xfrm>
+            <a:off x="8664310" y="7250786"/>
+            <a:ext cx="625114" cy="572348"/>
+          </a:xfrm>
+          <a:prstGeom prst="rect">
+            <a:avLst/>
+          </a:prstGeom>
+        </p:spPr>
+        <p:style>
+          <a:lnRef idx="2">
+            <a:schemeClr val="accent1">
+              <a:shade val="50000"/>
+            </a:schemeClr>
+          </a:lnRef>
+          <a:fillRef idx="1">
+            <a:schemeClr val="accent1"/>
+          </a:fillRef>
+          <a:effectRef idx="0">
+            <a:schemeClr val="accent1"/>
+          </a:effectRef>
+          <a:fontRef idx="minor">
+            <a:schemeClr val="lt1"/>
+          </a:fontRef>
+        </p:style>
+        <p:txBody>
+          <a:bodyPr lIns="91423" tIns="45712" rIns="91423" bIns="45712" rtlCol="0" anchor="ctr"/>
+          <a:lstStyle/>
+          <a:p>
+            <a:pPr algn="ctr"/>
+            <a:r>
+              <a:rPr lang="de-DE" sz="1600" dirty="0" smtClean="0"/>
+              <a:t>SPI</a:t>
+            </a:r>
+            <a:endParaRPr lang="de-DE" sz="1600" dirty="0"/>
+          </a:p>
+        </p:txBody>
+      </p:sp>
+      <p:sp>
+        <p:nvSpPr>
+          <p:cNvPr id="74" name="Rectangle 73"/>
+          <p:cNvSpPr/>
+          <p:nvPr/>
+        </p:nvSpPr>
+        <p:spPr>
+          <a:xfrm>
+            <a:off x="8664310" y="8521802"/>
+            <a:ext cx="625114" cy="572348"/>
+          </a:xfrm>
+          <a:prstGeom prst="rect">
+            <a:avLst/>
+          </a:prstGeom>
+        </p:spPr>
+        <p:style>
+          <a:lnRef idx="2">
+            <a:schemeClr val="accent1">
+              <a:shade val="50000"/>
+            </a:schemeClr>
+          </a:lnRef>
+          <a:fillRef idx="1">
+            <a:schemeClr val="accent1"/>
+          </a:fillRef>
+          <a:effectRef idx="0">
+            <a:schemeClr val="accent1"/>
+          </a:effectRef>
+          <a:fontRef idx="minor">
+            <a:schemeClr val="lt1"/>
+          </a:fontRef>
+        </p:style>
+        <p:txBody>
+          <a:bodyPr lIns="91423" tIns="45712" rIns="91423" bIns="45712" rtlCol="0" anchor="ctr"/>
+          <a:lstStyle/>
+          <a:p>
+            <a:pPr algn="ctr"/>
+            <a:r>
+              <a:rPr lang="de-DE" sz="1600" dirty="0" smtClean="0"/>
+              <a:t>UART</a:t>
+            </a:r>
+            <a:endParaRPr lang="de-DE" sz="1600" dirty="0"/>
+          </a:p>
+        </p:txBody>
+      </p:sp>
+      <p:cxnSp>
+        <p:nvCxnSpPr>
+          <p:cNvPr id="75" name="Straight Connector 74"/>
+          <p:cNvCxnSpPr>
+            <a:stCxn id="52" idx="1"/>
+            <a:endCxn id="73" idx="3"/>
+          </p:cNvCxnSpPr>
+          <p:nvPr/>
+        </p:nvCxnSpPr>
+        <p:spPr>
+          <a:xfrm flipH="1" flipV="1">
+            <a:off x="9289423" y="7536960"/>
+            <a:ext cx="1520132" cy="3"/>
+          </a:xfrm>
+          <a:prstGeom prst="line">
+            <a:avLst/>
+          </a:prstGeom>
+          <a:ln w="25400">
+            <a:solidFill>
+              <a:schemeClr val="tx1"/>
+            </a:solidFill>
+          </a:ln>
+        </p:spPr>
+        <p:style>
+          <a:lnRef idx="1">
+            <a:schemeClr val="accent1"/>
+          </a:lnRef>
+          <a:fillRef idx="0">
+            <a:schemeClr val="accent1"/>
+          </a:fillRef>
+          <a:effectRef idx="0">
+            <a:schemeClr val="accent1"/>
+          </a:effectRef>
+          <a:fontRef idx="minor">
+            <a:schemeClr val="tx1"/>
+          </a:fontRef>
+        </p:style>
+      </p:cxnSp>
+      <p:cxnSp>
+        <p:nvCxnSpPr>
+          <p:cNvPr id="78" name="Straight Connector 77"/>
+          <p:cNvCxnSpPr>
+            <a:stCxn id="46" idx="1"/>
+            <a:endCxn id="74" idx="3"/>
+          </p:cNvCxnSpPr>
+          <p:nvPr/>
+        </p:nvCxnSpPr>
+        <p:spPr>
+          <a:xfrm flipH="1" flipV="1">
+            <a:off x="9289423" y="8807976"/>
+            <a:ext cx="2355309" cy="13911"/>
+          </a:xfrm>
+          <a:prstGeom prst="line">
+            <a:avLst/>
+          </a:prstGeom>
+          <a:ln w="25400">
+            <a:solidFill>
+              <a:schemeClr val="tx1"/>
+            </a:solidFill>
+          </a:ln>
+        </p:spPr>
+        <p:style>
+          <a:lnRef idx="1">
+            <a:schemeClr val="accent1"/>
+          </a:lnRef>
+          <a:fillRef idx="0">
+            <a:schemeClr val="accent1"/>
+          </a:fillRef>
+          <a:effectRef idx="0">
+            <a:schemeClr val="accent1"/>
+          </a:effectRef>
+          <a:fontRef idx="minor">
+            <a:schemeClr val="tx1"/>
+          </a:fontRef>
+        </p:style>
+      </p:cxnSp>
+      <p:sp>
+        <p:nvSpPr>
+          <p:cNvPr id="83" name="Cross 82"/>
+          <p:cNvSpPr/>
+          <p:nvPr/>
+        </p:nvSpPr>
+        <p:spPr>
+          <a:xfrm>
+            <a:off x="3977204" y="8089411"/>
+            <a:ext cx="561542" cy="608337"/>
+          </a:xfrm>
+          <a:prstGeom prst="plus">
+            <a:avLst>
+              <a:gd name="adj" fmla="val 41892"/>
+            </a:avLst>
+          </a:prstGeom>
+        </p:spPr>
+        <p:style>
+          <a:lnRef idx="2">
+            <a:schemeClr val="accent1">
+              <a:shade val="50000"/>
+            </a:schemeClr>
+          </a:lnRef>
+          <a:fillRef idx="1">
+            <a:schemeClr val="accent1"/>
+          </a:fillRef>
+          <a:effectRef idx="0">
+            <a:schemeClr val="accent1"/>
+          </a:effectRef>
+          <a:fontRef idx="minor">
+            <a:schemeClr val="lt1"/>
+          </a:fontRef>
+        </p:style>
+        <p:txBody>
+          <a:bodyPr lIns="91423" tIns="45712" rIns="91423" bIns="45712" rtlCol="0" anchor="ctr"/>
+          <a:lstStyle/>
+          <a:p>
+            <a:pPr algn="ctr"/>
+            <a:endParaRPr lang="de-DE"/>
+          </a:p>
+        </p:txBody>
+      </p:sp>
+      <p:sp>
+        <p:nvSpPr>
+          <p:cNvPr id="84" name="Oval 83"/>
+          <p:cNvSpPr/>
+          <p:nvPr/>
+        </p:nvSpPr>
+        <p:spPr>
+          <a:xfrm>
+            <a:off x="4752579" y="8089411"/>
+            <a:ext cx="216568" cy="234615"/>
+          </a:xfrm>
+          <a:prstGeom prst="ellipse">
+            <a:avLst/>
+          </a:prstGeom>
+        </p:spPr>
+        <p:style>
+          <a:lnRef idx="2">
+            <a:schemeClr val="accent1">
+              <a:shade val="50000"/>
+            </a:schemeClr>
+          </a:lnRef>
+          <a:fillRef idx="1">
+            <a:schemeClr val="accent1"/>
+          </a:fillRef>
+          <a:effectRef idx="0">
+            <a:schemeClr val="accent1"/>
+          </a:effectRef>
+          <a:fontRef idx="minor">
+            <a:schemeClr val="lt1"/>
+          </a:fontRef>
+        </p:style>
+        <p:txBody>
+          <a:bodyPr lIns="91423" tIns="45712" rIns="91423" bIns="45712" rtlCol="0" anchor="ctr"/>
+          <a:lstStyle/>
+          <a:p>
+            <a:pPr algn="ctr"/>
+            <a:endParaRPr lang="de-DE"/>
+          </a:p>
+        </p:txBody>
+      </p:sp>
+      <p:sp>
+        <p:nvSpPr>
+          <p:cNvPr id="85" name="Oval 84"/>
+          <p:cNvSpPr/>
+          <p:nvPr/>
+        </p:nvSpPr>
+        <p:spPr>
+          <a:xfrm>
+            <a:off x="4754241" y="8478532"/>
+            <a:ext cx="216568" cy="234615"/>
+          </a:xfrm>
+          <a:prstGeom prst="ellipse">
+            <a:avLst/>
+          </a:prstGeom>
+        </p:spPr>
+        <p:style>
+          <a:lnRef idx="2">
+            <a:schemeClr val="accent1">
+              <a:shade val="50000"/>
+            </a:schemeClr>
+          </a:lnRef>
+          <a:fillRef idx="1">
+            <a:schemeClr val="accent1"/>
+          </a:fillRef>
+          <a:effectRef idx="0">
+            <a:schemeClr val="accent1"/>
+          </a:effectRef>
+          <a:fontRef idx="minor">
+            <a:schemeClr val="lt1"/>
+          </a:fontRef>
+        </p:style>
+        <p:txBody>
+          <a:bodyPr lIns="91423" tIns="45712" rIns="91423" bIns="45712" rtlCol="0" anchor="ctr"/>
+          <a:lstStyle/>
+          <a:p>
+            <a:pPr algn="ctr"/>
+            <a:endParaRPr lang="de-DE"/>
+          </a:p>
+        </p:txBody>
+      </p:sp>
+      <p:sp>
+        <p:nvSpPr>
+          <p:cNvPr id="88" name="Rectangle 87"/>
+          <p:cNvSpPr/>
+          <p:nvPr/>
+        </p:nvSpPr>
+        <p:spPr>
+          <a:xfrm>
+            <a:off x="3974148" y="7070589"/>
+            <a:ext cx="1102848" cy="856616"/>
+          </a:xfrm>
+          <a:prstGeom prst="rect">
+            <a:avLst/>
+          </a:prstGeom>
+        </p:spPr>
+        <p:style>
+          <a:lnRef idx="2">
+            <a:schemeClr val="accent1">
+              <a:shade val="50000"/>
+            </a:schemeClr>
+          </a:lnRef>
+          <a:fillRef idx="1">
+            <a:schemeClr val="accent1"/>
+          </a:fillRef>
+          <a:effectRef idx="0">
+            <a:schemeClr val="accent1"/>
+          </a:effectRef>
+          <a:fontRef idx="minor">
+            <a:schemeClr val="lt1"/>
+          </a:fontRef>
+        </p:style>
+        <p:txBody>
+          <a:bodyPr lIns="91423" tIns="45712" rIns="91423" bIns="45712" rtlCol="0" anchor="ctr"/>
+          <a:lstStyle/>
+          <a:p>
+            <a:pPr algn="ctr"/>
+            <a:r>
+              <a:rPr lang="de-DE" sz="1400" dirty="0" smtClean="0"/>
+              <a:t>CD4014</a:t>
+            </a:r>
+          </a:p>
+          <a:p>
+            <a:pPr algn="ctr"/>
+            <a:r>
+              <a:rPr lang="de-DE" sz="1400" dirty="0" smtClean="0"/>
+              <a:t>8-Stage </a:t>
+            </a:r>
+            <a:r>
+              <a:rPr lang="de-DE" sz="1400" dirty="0" err="1" smtClean="0"/>
+              <a:t>Shift</a:t>
+            </a:r>
+            <a:endParaRPr lang="de-DE" sz="1400" dirty="0" smtClean="0"/>
+          </a:p>
+          <a:p>
+            <a:pPr algn="ctr"/>
+            <a:r>
+              <a:rPr lang="de-DE" sz="1400" dirty="0" smtClean="0"/>
+              <a:t>Register</a:t>
+            </a:r>
+            <a:endParaRPr lang="de-DE" sz="1400" dirty="0"/>
           </a:p>
         </p:txBody>
       </p:sp>
@@ -4319,25 +6166,25 @@
         </p:nvSpPr>
         <p:spPr>
           <a:xfrm>
-            <a:off x="349956" y="3930128"/>
-            <a:ext cx="1601208" cy="369332"/>
+            <a:off x="3707977" y="6346140"/>
+            <a:ext cx="1441963" cy="338538"/>
           </a:xfrm>
           <a:prstGeom prst="rect">
             <a:avLst/>
           </a:prstGeom>
         </p:spPr>
         <p:txBody>
-          <a:bodyPr wrap="none">
+          <a:bodyPr wrap="none" lIns="91423" tIns="45712" rIns="91423" bIns="45712">
             <a:spAutoFit/>
           </a:bodyPr>
           <a:lstStyle/>
           <a:p>
             <a:pPr algn="ctr"/>
             <a:r>
-              <a:rPr lang="de-DE" dirty="0" smtClean="0"/>
+              <a:rPr lang="de-DE" sz="1600" dirty="0" smtClean="0"/>
               <a:t>Display Control</a:t>
             </a:r>
-            <a:endParaRPr lang="de-DE" dirty="0"/>
+            <a:endParaRPr lang="de-DE" sz="1600" dirty="0"/>
           </a:p>
         </p:txBody>
       </p:sp>
@@ -4349,8 +6196,8 @@
         </p:nvCxnSpPr>
         <p:spPr>
           <a:xfrm>
-            <a:off x="2084581" y="4200412"/>
-            <a:ext cx="1172497" cy="0"/>
+            <a:off x="5444791" y="6828382"/>
+            <a:ext cx="1102848" cy="0"/>
           </a:xfrm>
           <a:prstGeom prst="line">
             <a:avLst/>
@@ -4359,6 +6206,563 @@
             <a:solidFill>
               <a:schemeClr val="tx1"/>
             </a:solidFill>
+          </a:ln>
+        </p:spPr>
+        <p:style>
+          <a:lnRef idx="1">
+            <a:schemeClr val="accent1"/>
+          </a:lnRef>
+          <a:fillRef idx="0">
+            <a:schemeClr val="accent1"/>
+          </a:fillRef>
+          <a:effectRef idx="0">
+            <a:schemeClr val="accent1"/>
+          </a:effectRef>
+          <a:fontRef idx="minor">
+            <a:schemeClr val="tx1"/>
+          </a:fontRef>
+        </p:style>
+      </p:cxnSp>
+      <p:sp>
+        <p:nvSpPr>
+          <p:cNvPr id="34" name="TextBox 33"/>
+          <p:cNvSpPr txBox="1"/>
+          <p:nvPr/>
+        </p:nvSpPr>
+        <p:spPr>
+          <a:xfrm>
+            <a:off x="10452096" y="5399314"/>
+            <a:ext cx="919999" cy="307760"/>
+          </a:xfrm>
+          <a:prstGeom prst="rect">
+            <a:avLst/>
+          </a:prstGeom>
+          <a:noFill/>
+        </p:spPr>
+        <p:txBody>
+          <a:bodyPr wrap="square" lIns="91423" tIns="45712" rIns="91423" bIns="45712" rtlCol="0">
+            <a:spAutoFit/>
+          </a:bodyPr>
+          <a:lstStyle/>
+          <a:p>
+            <a:pPr algn="ctr"/>
+            <a:r>
+              <a:rPr lang="de-DE" sz="1400" dirty="0" smtClean="0">
+                <a:solidFill>
+                  <a:srgbClr val="FF0000"/>
+                </a:solidFill>
+              </a:rPr>
+              <a:t>60mW</a:t>
+            </a:r>
+            <a:endParaRPr lang="en-GB" sz="1400" dirty="0">
+              <a:solidFill>
+                <a:srgbClr val="FF0000"/>
+              </a:solidFill>
+            </a:endParaRPr>
+          </a:p>
+        </p:txBody>
+      </p:sp>
+      <p:sp>
+        <p:nvSpPr>
+          <p:cNvPr id="35" name="TextBox 34"/>
+          <p:cNvSpPr txBox="1"/>
+          <p:nvPr/>
+        </p:nvSpPr>
+        <p:spPr>
+          <a:xfrm>
+            <a:off x="12103099" y="8120743"/>
+            <a:ext cx="812801" cy="307760"/>
+          </a:xfrm>
+          <a:prstGeom prst="rect">
+            <a:avLst/>
+          </a:prstGeom>
+          <a:noFill/>
+        </p:spPr>
+        <p:txBody>
+          <a:bodyPr wrap="square" lIns="91423" tIns="45712" rIns="91423" bIns="45712" rtlCol="0">
+            <a:spAutoFit/>
+          </a:bodyPr>
+          <a:lstStyle/>
+          <a:p>
+            <a:pPr algn="ctr"/>
+            <a:r>
+              <a:rPr lang="de-DE" sz="1400" dirty="0" smtClean="0">
+                <a:solidFill>
+                  <a:srgbClr val="FF0000"/>
+                </a:solidFill>
+              </a:rPr>
+              <a:t>710mW</a:t>
+            </a:r>
+            <a:endParaRPr lang="en-GB" sz="1400" dirty="0">
+              <a:solidFill>
+                <a:srgbClr val="FF0000"/>
+              </a:solidFill>
+            </a:endParaRPr>
+          </a:p>
+        </p:txBody>
+      </p:sp>
+      <p:sp>
+        <p:nvSpPr>
+          <p:cNvPr id="36" name="TextBox 35"/>
+          <p:cNvSpPr txBox="1"/>
+          <p:nvPr/>
+        </p:nvSpPr>
+        <p:spPr>
+          <a:xfrm>
+            <a:off x="11264899" y="6805384"/>
+            <a:ext cx="866758" cy="307760"/>
+          </a:xfrm>
+          <a:prstGeom prst="rect">
+            <a:avLst/>
+          </a:prstGeom>
+          <a:noFill/>
+        </p:spPr>
+        <p:txBody>
+          <a:bodyPr wrap="square" lIns="91423" tIns="45712" rIns="91423" bIns="45712" rtlCol="0">
+            <a:spAutoFit/>
+          </a:bodyPr>
+          <a:lstStyle/>
+          <a:p>
+            <a:pPr algn="ctr"/>
+            <a:r>
+              <a:rPr lang="de-DE" sz="1400" dirty="0" smtClean="0">
+                <a:solidFill>
+                  <a:srgbClr val="FF0000"/>
+                </a:solidFill>
+              </a:rPr>
+              <a:t>660mW</a:t>
+            </a:r>
+            <a:endParaRPr lang="en-GB" sz="1400" dirty="0">
+              <a:solidFill>
+                <a:srgbClr val="FF0000"/>
+              </a:solidFill>
+            </a:endParaRPr>
+          </a:p>
+        </p:txBody>
+      </p:sp>
+      <p:sp>
+        <p:nvSpPr>
+          <p:cNvPr id="61" name="TextBox 60"/>
+          <p:cNvSpPr txBox="1"/>
+          <p:nvPr/>
+        </p:nvSpPr>
+        <p:spPr>
+          <a:xfrm>
+            <a:off x="6867042" y="3086100"/>
+            <a:ext cx="1311758" cy="307760"/>
+          </a:xfrm>
+          <a:prstGeom prst="rect">
+            <a:avLst/>
+          </a:prstGeom>
+          <a:noFill/>
+        </p:spPr>
+        <p:txBody>
+          <a:bodyPr wrap="square" lIns="91423" tIns="45712" rIns="91423" bIns="45712" rtlCol="0">
+            <a:spAutoFit/>
+          </a:bodyPr>
+          <a:lstStyle/>
+          <a:p>
+            <a:pPr algn="ctr"/>
+            <a:r>
+              <a:rPr lang="de-DE" sz="1400" dirty="0" smtClean="0">
+                <a:solidFill>
+                  <a:srgbClr val="FF0000"/>
+                </a:solidFill>
+              </a:rPr>
+              <a:t>3.3W / 1.48w </a:t>
+            </a:r>
+            <a:endParaRPr lang="en-GB" sz="1400" dirty="0">
+              <a:solidFill>
+                <a:srgbClr val="FF0000"/>
+              </a:solidFill>
+            </a:endParaRPr>
+          </a:p>
+        </p:txBody>
+      </p:sp>
+      <p:sp>
+        <p:nvSpPr>
+          <p:cNvPr id="63" name="TextBox 62"/>
+          <p:cNvSpPr txBox="1"/>
+          <p:nvPr/>
+        </p:nvSpPr>
+        <p:spPr>
+          <a:xfrm>
+            <a:off x="8769104" y="5421286"/>
+            <a:ext cx="1200395" cy="338538"/>
+          </a:xfrm>
+          <a:prstGeom prst="rect">
+            <a:avLst/>
+          </a:prstGeom>
+          <a:noFill/>
+        </p:spPr>
+        <p:txBody>
+          <a:bodyPr wrap="square" lIns="91423" tIns="45712" rIns="91423" bIns="45712" rtlCol="0">
+            <a:spAutoFit/>
+          </a:bodyPr>
+          <a:lstStyle/>
+          <a:p>
+            <a:pPr algn="ctr"/>
+            <a:r>
+              <a:rPr lang="de-DE" sz="1600" dirty="0" smtClean="0">
+                <a:solidFill>
+                  <a:srgbClr val="FF0000"/>
+                </a:solidFill>
+              </a:rPr>
+              <a:t>50mW</a:t>
+            </a:r>
+            <a:endParaRPr lang="en-GB" sz="1600" dirty="0">
+              <a:solidFill>
+                <a:srgbClr val="FF0000"/>
+              </a:solidFill>
+            </a:endParaRPr>
+          </a:p>
+        </p:txBody>
+      </p:sp>
+      <p:cxnSp>
+        <p:nvCxnSpPr>
+          <p:cNvPr id="64" name="Straight Connector 16"/>
+          <p:cNvCxnSpPr/>
+          <p:nvPr/>
+        </p:nvCxnSpPr>
+        <p:spPr>
+          <a:xfrm rot="5400000">
+            <a:off x="8449298" y="4588325"/>
+            <a:ext cx="2397333" cy="161266"/>
+          </a:xfrm>
+          <a:prstGeom prst="bentConnector3">
+            <a:avLst>
+              <a:gd name="adj1" fmla="val 99393"/>
+            </a:avLst>
+          </a:prstGeom>
+          <a:ln w="25400">
+            <a:solidFill>
+              <a:schemeClr val="tx1"/>
+            </a:solidFill>
+            <a:headEnd type="oval"/>
+            <a:tailEnd type="none"/>
+          </a:ln>
+        </p:spPr>
+        <p:style>
+          <a:lnRef idx="1">
+            <a:schemeClr val="accent1"/>
+          </a:lnRef>
+          <a:fillRef idx="0">
+            <a:schemeClr val="accent1"/>
+          </a:fillRef>
+          <a:effectRef idx="0">
+            <a:schemeClr val="accent1"/>
+          </a:effectRef>
+          <a:fontRef idx="minor">
+            <a:schemeClr val="tx1"/>
+          </a:fontRef>
+        </p:style>
+      </p:cxnSp>
+      <p:sp>
+        <p:nvSpPr>
+          <p:cNvPr id="68" name="TextBox 67"/>
+          <p:cNvSpPr txBox="1"/>
+          <p:nvPr/>
+        </p:nvSpPr>
+        <p:spPr>
+          <a:xfrm>
+            <a:off x="6183086" y="4310743"/>
+            <a:ext cx="948602" cy="307760"/>
+          </a:xfrm>
+          <a:prstGeom prst="rect">
+            <a:avLst/>
+          </a:prstGeom>
+          <a:noFill/>
+        </p:spPr>
+        <p:txBody>
+          <a:bodyPr wrap="square" lIns="91423" tIns="45712" rIns="91423" bIns="45712" rtlCol="0">
+            <a:spAutoFit/>
+          </a:bodyPr>
+          <a:lstStyle/>
+          <a:p>
+            <a:pPr algn="ctr"/>
+            <a:r>
+              <a:rPr lang="de-DE" sz="1400" dirty="0" smtClean="0">
+                <a:solidFill>
+                  <a:srgbClr val="FF0000"/>
+                </a:solidFill>
+              </a:rPr>
+              <a:t>250mW</a:t>
+            </a:r>
+            <a:endParaRPr lang="en-GB" sz="1400" dirty="0">
+              <a:solidFill>
+                <a:srgbClr val="FF0000"/>
+              </a:solidFill>
+            </a:endParaRPr>
+          </a:p>
+        </p:txBody>
+      </p:sp>
+      <p:sp>
+        <p:nvSpPr>
+          <p:cNvPr id="71" name="TextBox 70"/>
+          <p:cNvSpPr txBox="1"/>
+          <p:nvPr/>
+        </p:nvSpPr>
+        <p:spPr>
+          <a:xfrm>
+            <a:off x="6166953" y="2752828"/>
+            <a:ext cx="962509" cy="307760"/>
+          </a:xfrm>
+          <a:prstGeom prst="rect">
+            <a:avLst/>
+          </a:prstGeom>
+          <a:noFill/>
+        </p:spPr>
+        <p:txBody>
+          <a:bodyPr wrap="square" lIns="91423" tIns="45712" rIns="91423" bIns="45712" rtlCol="0">
+            <a:spAutoFit/>
+          </a:bodyPr>
+          <a:lstStyle/>
+          <a:p>
+            <a:pPr algn="ctr"/>
+            <a:r>
+              <a:rPr lang="de-DE" sz="1400" dirty="0" smtClean="0">
+                <a:solidFill>
+                  <a:srgbClr val="3333FF"/>
+                </a:solidFill>
+              </a:rPr>
+              <a:t>Vd=1.2V</a:t>
+            </a:r>
+            <a:endParaRPr lang="en-GB" sz="1400" dirty="0">
+              <a:solidFill>
+                <a:srgbClr val="3333FF"/>
+              </a:solidFill>
+            </a:endParaRPr>
+          </a:p>
+        </p:txBody>
+      </p:sp>
+      <p:sp>
+        <p:nvSpPr>
+          <p:cNvPr id="72" name="TextBox 71"/>
+          <p:cNvSpPr txBox="1"/>
+          <p:nvPr/>
+        </p:nvSpPr>
+        <p:spPr>
+          <a:xfrm>
+            <a:off x="5991226" y="4057754"/>
+            <a:ext cx="1073345" cy="307760"/>
+          </a:xfrm>
+          <a:prstGeom prst="rect">
+            <a:avLst/>
+          </a:prstGeom>
+          <a:noFill/>
+        </p:spPr>
+        <p:txBody>
+          <a:bodyPr wrap="square" lIns="91423" tIns="45712" rIns="91423" bIns="45712" rtlCol="0">
+            <a:spAutoFit/>
+          </a:bodyPr>
+          <a:lstStyle/>
+          <a:p>
+            <a:pPr algn="ctr"/>
+            <a:r>
+              <a:rPr lang="de-DE" sz="1400" dirty="0" smtClean="0">
+                <a:solidFill>
+                  <a:srgbClr val="3333FF"/>
+                </a:solidFill>
+              </a:rPr>
+              <a:t>Vd=120mV</a:t>
+            </a:r>
+            <a:endParaRPr lang="en-GB" sz="1400" dirty="0">
+              <a:solidFill>
+                <a:srgbClr val="3333FF"/>
+              </a:solidFill>
+            </a:endParaRPr>
+          </a:p>
+        </p:txBody>
+      </p:sp>
+      <p:sp>
+        <p:nvSpPr>
+          <p:cNvPr id="76" name="TextBox 75"/>
+          <p:cNvSpPr txBox="1"/>
+          <p:nvPr/>
+        </p:nvSpPr>
+        <p:spPr>
+          <a:xfrm>
+            <a:off x="5219215" y="2748065"/>
+            <a:ext cx="843447" cy="307760"/>
+          </a:xfrm>
+          <a:prstGeom prst="rect">
+            <a:avLst/>
+          </a:prstGeom>
+          <a:noFill/>
+        </p:spPr>
+        <p:txBody>
+          <a:bodyPr wrap="square" lIns="91423" tIns="45712" rIns="91423" bIns="45712" rtlCol="0">
+            <a:spAutoFit/>
+          </a:bodyPr>
+          <a:lstStyle/>
+          <a:p>
+            <a:pPr algn="ctr"/>
+            <a:r>
+              <a:rPr lang="de-DE" sz="1400" dirty="0" smtClean="0">
+                <a:solidFill>
+                  <a:srgbClr val="3333FF"/>
+                </a:solidFill>
+              </a:rPr>
+              <a:t>Vi&gt;4.5V</a:t>
+            </a:r>
+            <a:endParaRPr lang="en-GB" sz="1400" dirty="0">
+              <a:solidFill>
+                <a:srgbClr val="3333FF"/>
+              </a:solidFill>
+            </a:endParaRPr>
+          </a:p>
+        </p:txBody>
+      </p:sp>
+      <p:sp>
+        <p:nvSpPr>
+          <p:cNvPr id="77" name="TextBox 76"/>
+          <p:cNvSpPr txBox="1"/>
+          <p:nvPr/>
+        </p:nvSpPr>
+        <p:spPr>
+          <a:xfrm>
+            <a:off x="4629150" y="4562579"/>
+            <a:ext cx="859033" cy="307760"/>
+          </a:xfrm>
+          <a:prstGeom prst="rect">
+            <a:avLst/>
+          </a:prstGeom>
+          <a:noFill/>
+        </p:spPr>
+        <p:txBody>
+          <a:bodyPr wrap="square" lIns="91423" tIns="45712" rIns="91423" bIns="45712" rtlCol="0">
+            <a:spAutoFit/>
+          </a:bodyPr>
+          <a:lstStyle/>
+          <a:p>
+            <a:pPr algn="ctr"/>
+            <a:r>
+              <a:rPr lang="de-DE" sz="1400" dirty="0" smtClean="0">
+                <a:solidFill>
+                  <a:srgbClr val="3333FF"/>
+                </a:solidFill>
+              </a:rPr>
+              <a:t>Vi&gt;5.12V</a:t>
+            </a:r>
+            <a:endParaRPr lang="en-GB" sz="1400" dirty="0">
+              <a:solidFill>
+                <a:srgbClr val="3333FF"/>
+              </a:solidFill>
+            </a:endParaRPr>
+          </a:p>
+        </p:txBody>
+      </p:sp>
+      <p:sp>
+        <p:nvSpPr>
+          <p:cNvPr id="95" name="TextBox 94"/>
+          <p:cNvSpPr txBox="1"/>
+          <p:nvPr/>
+        </p:nvSpPr>
+        <p:spPr>
+          <a:xfrm>
+            <a:off x="2741386" y="3116943"/>
+            <a:ext cx="948602" cy="307760"/>
+          </a:xfrm>
+          <a:prstGeom prst="rect">
+            <a:avLst/>
+          </a:prstGeom>
+          <a:noFill/>
+        </p:spPr>
+        <p:txBody>
+          <a:bodyPr wrap="square" lIns="91423" tIns="45712" rIns="91423" bIns="45712" rtlCol="0">
+            <a:spAutoFit/>
+          </a:bodyPr>
+          <a:lstStyle/>
+          <a:p>
+            <a:pPr algn="ctr"/>
+            <a:r>
+              <a:rPr lang="de-DE" sz="1400" dirty="0" smtClean="0">
+                <a:solidFill>
+                  <a:srgbClr val="FF0000"/>
+                </a:solidFill>
+              </a:rPr>
+              <a:t>800mA</a:t>
+            </a:r>
+            <a:endParaRPr lang="en-GB" sz="1400" dirty="0">
+              <a:solidFill>
+                <a:srgbClr val="FF0000"/>
+              </a:solidFill>
+            </a:endParaRPr>
+          </a:p>
+        </p:txBody>
+      </p:sp>
+      <p:sp>
+        <p:nvSpPr>
+          <p:cNvPr id="52" name="Rectangle 51"/>
+          <p:cNvSpPr/>
+          <p:nvPr/>
+        </p:nvSpPr>
+        <p:spPr>
+          <a:xfrm>
+            <a:off x="10809556" y="7108656"/>
+            <a:ext cx="1102848" cy="856616"/>
+          </a:xfrm>
+          <a:prstGeom prst="rect">
+            <a:avLst/>
+          </a:prstGeom>
+        </p:spPr>
+        <p:style>
+          <a:lnRef idx="2">
+            <a:schemeClr val="accent1">
+              <a:shade val="50000"/>
+            </a:schemeClr>
+          </a:lnRef>
+          <a:fillRef idx="1">
+            <a:schemeClr val="accent1"/>
+          </a:fillRef>
+          <a:effectRef idx="0">
+            <a:schemeClr val="accent1"/>
+          </a:effectRef>
+          <a:fontRef idx="minor">
+            <a:schemeClr val="lt1"/>
+          </a:fontRef>
+        </p:style>
+        <p:txBody>
+          <a:bodyPr lIns="91423" tIns="45712" rIns="91423" bIns="45712" rtlCol="0" anchor="ctr"/>
+          <a:lstStyle/>
+          <a:p>
+            <a:pPr algn="ctr"/>
+            <a:r>
+              <a:rPr lang="de-DE" sz="1200" dirty="0" smtClean="0"/>
+              <a:t>Memory</a:t>
+            </a:r>
+          </a:p>
+          <a:p>
+            <a:pPr algn="ctr"/>
+            <a:r>
+              <a:rPr lang="de-DE" sz="1200" dirty="0" smtClean="0"/>
+              <a:t>Imax=200mA</a:t>
+            </a:r>
+            <a:endParaRPr lang="de-DE" sz="1200" dirty="0"/>
+          </a:p>
+        </p:txBody>
+      </p:sp>
+      <p:cxnSp>
+        <p:nvCxnSpPr>
+          <p:cNvPr id="104" name="Straight Connector 16"/>
+          <p:cNvCxnSpPr>
+            <a:stCxn id="58" idx="0"/>
+          </p:cNvCxnSpPr>
+          <p:nvPr/>
+        </p:nvCxnSpPr>
+        <p:spPr>
+          <a:xfrm rot="16200000" flipV="1">
+            <a:off x="9484608" y="4574297"/>
+            <a:ext cx="2266428" cy="26637"/>
+          </a:xfrm>
+          <a:prstGeom prst="straightConnector1">
+            <a:avLst/>
+          </a:prstGeom>
+          <a:ln w="25400">
+            <a:solidFill>
+              <a:schemeClr val="tx1"/>
+            </a:solidFill>
+            <a:tailEnd type="oval"/>
           </a:ln>
         </p:spPr>
         <p:style>
@@ -4379,7 +6783,7 @@
     </p:spTree>
     <p:extLst>
       <p:ext uri="{BB962C8B-B14F-4D97-AF65-F5344CB8AC3E}">
-        <p14:creationId xmlns:p14="http://schemas.microsoft.com/office/powerpoint/2010/main" val="501831016"/>
+        <p14:creationId xmlns:p14="http://schemas.microsoft.com/office/powerpoint/2010/main" xmlns="" val="501831016"/>
       </p:ext>
     </p:extLst>
   </p:cSld>
@@ -4439,7 +6843,7 @@
     </a:clrScheme>
     <a:fontScheme name="Office Theme">
       <a:majorFont>
-        <a:latin typeface="Calibri Light" panose="020F0302020204030204"/>
+        <a:latin typeface="Calibri Light"/>
         <a:ea typeface=""/>
         <a:cs typeface=""/>
         <a:font script="Jpan" typeface="ＭＳ Ｐゴシック"/>
@@ -4474,7 +6878,7 @@
         <a:font script="Geor" typeface="Sylfaen"/>
       </a:majorFont>
       <a:minorFont>
-        <a:latin typeface="Calibri" panose="020F0502020204030204"/>
+        <a:latin typeface="Calibri"/>
         <a:ea typeface=""/>
         <a:cs typeface=""/>
         <a:font script="Jpan" typeface="ＭＳ Ｐゴシック"/>
@@ -4651,7 +7055,7 @@
   <a:extraClrSchemeLst/>
   <a:extLst>
     <a:ext uri="{05A4C25C-085E-4340-85A3-A5531E510DB2}">
-      <thm15:themeFamily xmlns:thm15="http://schemas.microsoft.com/office/thememl/2012/main" name="Office Theme" id="{62F939B6-93AF-4DB8-9C6B-D6C7DFDC589F}" vid="{4A3C46E8-61CC-4603-A589-7422A47A8E4A}"/>
+      <thm15:themeFamily xmlns:thm15="http://schemas.microsoft.com/office/thememl/2012/main" xmlns="" name="Office Theme" id="{62F939B6-93AF-4DB8-9C6B-D6C7DFDC589F}" vid="{4A3C46E8-61CC-4603-A589-7422A47A8E4A}"/>
     </a:ext>
   </a:extLst>
 </a:theme>

--- a/Projects/CameraSystem/Docs/Block_Diagram.pptx
+++ b/Projects/CameraSystem/Docs/Block_Diagram.pptx
@@ -240,7 +240,7 @@
             <a:fld id="{B1816B0C-7247-44DD-BCB7-DAF5E546C78B}" type="datetimeFigureOut">
               <a:rPr lang="de-DE" smtClean="0"/>
               <a:pPr/>
-              <a:t>17.09.2018</a:t>
+              <a:t>30.09.2018</a:t>
             </a:fld>
             <a:endParaRPr lang="de-DE"/>
           </a:p>
@@ -412,7 +412,7 @@
             <a:fld id="{B1816B0C-7247-44DD-BCB7-DAF5E546C78B}" type="datetimeFigureOut">
               <a:rPr lang="de-DE" smtClean="0"/>
               <a:pPr/>
-              <a:t>17.09.2018</a:t>
+              <a:t>30.09.2018</a:t>
             </a:fld>
             <a:endParaRPr lang="de-DE"/>
           </a:p>
@@ -594,7 +594,7 @@
             <a:fld id="{B1816B0C-7247-44DD-BCB7-DAF5E546C78B}" type="datetimeFigureOut">
               <a:rPr lang="de-DE" smtClean="0"/>
               <a:pPr/>
-              <a:t>17.09.2018</a:t>
+              <a:t>30.09.2018</a:t>
             </a:fld>
             <a:endParaRPr lang="de-DE"/>
           </a:p>
@@ -766,7 +766,7 @@
             <a:fld id="{B1816B0C-7247-44DD-BCB7-DAF5E546C78B}" type="datetimeFigureOut">
               <a:rPr lang="de-DE" smtClean="0"/>
               <a:pPr/>
-              <a:t>17.09.2018</a:t>
+              <a:t>30.09.2018</a:t>
             </a:fld>
             <a:endParaRPr lang="de-DE"/>
           </a:p>
@@ -1012,7 +1012,7 @@
             <a:fld id="{B1816B0C-7247-44DD-BCB7-DAF5E546C78B}" type="datetimeFigureOut">
               <a:rPr lang="de-DE" smtClean="0"/>
               <a:pPr/>
-              <a:t>17.09.2018</a:t>
+              <a:t>30.09.2018</a:t>
             </a:fld>
             <a:endParaRPr lang="de-DE"/>
           </a:p>
@@ -1246,7 +1246,7 @@
             <a:fld id="{B1816B0C-7247-44DD-BCB7-DAF5E546C78B}" type="datetimeFigureOut">
               <a:rPr lang="de-DE" smtClean="0"/>
               <a:pPr/>
-              <a:t>17.09.2018</a:t>
+              <a:t>30.09.2018</a:t>
             </a:fld>
             <a:endParaRPr lang="de-DE"/>
           </a:p>
@@ -1615,7 +1615,7 @@
             <a:fld id="{B1816B0C-7247-44DD-BCB7-DAF5E546C78B}" type="datetimeFigureOut">
               <a:rPr lang="de-DE" smtClean="0"/>
               <a:pPr/>
-              <a:t>17.09.2018</a:t>
+              <a:t>30.09.2018</a:t>
             </a:fld>
             <a:endParaRPr lang="de-DE"/>
           </a:p>
@@ -1735,7 +1735,7 @@
             <a:fld id="{B1816B0C-7247-44DD-BCB7-DAF5E546C78B}" type="datetimeFigureOut">
               <a:rPr lang="de-DE" smtClean="0"/>
               <a:pPr/>
-              <a:t>17.09.2018</a:t>
+              <a:t>30.09.2018</a:t>
             </a:fld>
             <a:endParaRPr lang="de-DE"/>
           </a:p>
@@ -1832,7 +1832,7 @@
             <a:fld id="{B1816B0C-7247-44DD-BCB7-DAF5E546C78B}" type="datetimeFigureOut">
               <a:rPr lang="de-DE" smtClean="0"/>
               <a:pPr/>
-              <a:t>17.09.2018</a:t>
+              <a:t>30.09.2018</a:t>
             </a:fld>
             <a:endParaRPr lang="de-DE"/>
           </a:p>
@@ -2111,7 +2111,7 @@
             <a:fld id="{B1816B0C-7247-44DD-BCB7-DAF5E546C78B}" type="datetimeFigureOut">
               <a:rPr lang="de-DE" smtClean="0"/>
               <a:pPr/>
-              <a:t>17.09.2018</a:t>
+              <a:t>30.09.2018</a:t>
             </a:fld>
             <a:endParaRPr lang="de-DE"/>
           </a:p>
@@ -2370,7 +2370,7 @@
             <a:fld id="{B1816B0C-7247-44DD-BCB7-DAF5E546C78B}" type="datetimeFigureOut">
               <a:rPr lang="de-DE" smtClean="0"/>
               <a:pPr/>
-              <a:t>17.09.2018</a:t>
+              <a:t>30.09.2018</a:t>
             </a:fld>
             <a:endParaRPr lang="de-DE"/>
           </a:p>
@@ -2585,7 +2585,7 @@
             <a:fld id="{B1816B0C-7247-44DD-BCB7-DAF5E546C78B}" type="datetimeFigureOut">
               <a:rPr lang="de-DE" smtClean="0"/>
               <a:pPr/>
-              <a:t>17.09.2018</a:t>
+              <a:t>30.09.2018</a:t>
             </a:fld>
             <a:endParaRPr lang="de-DE"/>
           </a:p>
@@ -2993,14 +2993,14 @@
       </p:grpSpPr>
       <p:sp>
         <p:nvSpPr>
-          <p:cNvPr id="89" name="Rectangle 88"/>
+          <p:cNvPr id="82" name="Rectangle 81"/>
           <p:cNvSpPr/>
           <p:nvPr/>
         </p:nvSpPr>
         <p:spPr>
           <a:xfrm>
-            <a:off x="3588221" y="6191449"/>
-            <a:ext cx="1842054" cy="2615925"/>
+            <a:off x="11115708" y="6943740"/>
+            <a:ext cx="1524000" cy="2362200"/>
           </a:xfrm>
           <a:prstGeom prst="rect">
             <a:avLst/>
@@ -3032,59 +3032,20 @@
           <a:lstStyle/>
           <a:p>
             <a:pPr algn="ctr"/>
-            <a:endParaRPr lang="de-DE" sz="1600" dirty="0"/>
-          </a:p>
-        </p:txBody>
-      </p:sp>
-      <p:cxnSp>
-        <p:nvCxnSpPr>
-          <p:cNvPr id="92" name="Straight Connector 16"/>
-          <p:cNvCxnSpPr>
-            <a:stCxn id="6" idx="0"/>
-          </p:cNvCxnSpPr>
-          <p:nvPr/>
-        </p:nvCxnSpPr>
-        <p:spPr>
-          <a:xfrm rot="16200000" flipH="1" flipV="1">
-            <a:off x="3427855" y="3346996"/>
-            <a:ext cx="3176816" cy="2541116"/>
-          </a:xfrm>
-          <a:prstGeom prst="bentConnector3">
-            <a:avLst>
-              <a:gd name="adj1" fmla="val -7332"/>
-            </a:avLst>
-          </a:prstGeom>
-          <a:ln w="25400">
-            <a:solidFill>
-              <a:schemeClr val="tx1"/>
-            </a:solidFill>
-          </a:ln>
-        </p:spPr>
-        <p:style>
-          <a:lnRef idx="1">
-            <a:schemeClr val="accent1"/>
-          </a:lnRef>
-          <a:fillRef idx="0">
-            <a:schemeClr val="accent1"/>
-          </a:fillRef>
-          <a:effectRef idx="0">
-            <a:schemeClr val="accent1"/>
-          </a:effectRef>
-          <a:fontRef idx="minor">
-            <a:schemeClr val="tx1"/>
-          </a:fontRef>
-        </p:style>
-      </p:cxnSp>
-      <p:sp>
-        <p:nvSpPr>
-          <p:cNvPr id="23" name="Rectangle 22"/>
+            <a:endParaRPr lang="de-DE" dirty="0"/>
+          </a:p>
+        </p:txBody>
+      </p:sp>
+      <p:sp>
+        <p:nvSpPr>
+          <p:cNvPr id="89" name="Rectangle 88"/>
           <p:cNvSpPr/>
           <p:nvPr/>
         </p:nvSpPr>
         <p:spPr>
           <a:xfrm>
-            <a:off x="6547639" y="5720833"/>
-            <a:ext cx="3006766" cy="3642321"/>
+            <a:off x="2343621" y="6166049"/>
+            <a:ext cx="1842054" cy="2615925"/>
           </a:xfrm>
           <a:prstGeom prst="rect">
             <a:avLst/>
@@ -3116,24 +3077,68 @@
           <a:lstStyle/>
           <a:p>
             <a:pPr algn="ctr"/>
-            <a:endParaRPr lang="de-DE" dirty="0"/>
-          </a:p>
-        </p:txBody>
-      </p:sp>
-      <p:sp>
-        <p:nvSpPr>
-          <p:cNvPr id="6" name="Rectangle 5"/>
+            <a:endParaRPr lang="de-DE" sz="1600" dirty="0"/>
+          </a:p>
+        </p:txBody>
+      </p:sp>
+      <p:cxnSp>
+        <p:nvCxnSpPr>
+          <p:cNvPr id="92" name="Straight Connector 16"/>
+          <p:cNvCxnSpPr>
+            <a:stCxn id="6" idx="0"/>
+          </p:cNvCxnSpPr>
+          <p:nvPr/>
+        </p:nvCxnSpPr>
+        <p:spPr>
+          <a:xfrm rot="16200000" flipH="1" flipV="1">
+            <a:off x="2183255" y="3321596"/>
+            <a:ext cx="3176816" cy="2541116"/>
+          </a:xfrm>
+          <a:prstGeom prst="bentConnector3">
+            <a:avLst>
+              <a:gd name="adj1" fmla="val -7332"/>
+            </a:avLst>
+          </a:prstGeom>
+          <a:ln w="25400">
+            <a:solidFill>
+              <a:schemeClr val="tx1"/>
+            </a:solidFill>
+          </a:ln>
+        </p:spPr>
+        <p:style>
+          <a:lnRef idx="1">
+            <a:schemeClr val="accent1"/>
+          </a:lnRef>
+          <a:fillRef idx="0">
+            <a:schemeClr val="accent1"/>
+          </a:fillRef>
+          <a:effectRef idx="0">
+            <a:schemeClr val="accent1"/>
+          </a:effectRef>
+          <a:fontRef idx="minor">
+            <a:schemeClr val="tx1"/>
+          </a:fontRef>
+        </p:style>
+      </p:cxnSp>
+      <p:sp>
+        <p:nvSpPr>
+          <p:cNvPr id="23" name="Rectangle 22"/>
           <p:cNvSpPr/>
           <p:nvPr/>
         </p:nvSpPr>
         <p:spPr>
           <a:xfrm>
-            <a:off x="5613435" y="3029147"/>
-            <a:ext cx="1346770" cy="856616"/>
+            <a:off x="5303039" y="5695433"/>
+            <a:ext cx="3006766" cy="3642321"/>
           </a:xfrm>
           <a:prstGeom prst="rect">
             <a:avLst/>
           </a:prstGeom>
+          <a:solidFill>
+            <a:schemeClr val="accent1">
+              <a:alpha val="23000"/>
+            </a:schemeClr>
+          </a:solidFill>
         </p:spPr>
         <p:style>
           <a:lnRef idx="2">
@@ -3156,38 +3161,20 @@
           <a:lstStyle/>
           <a:p>
             <a:pPr algn="ctr"/>
-            <a:r>
-              <a:rPr lang="de-DE" sz="1200" dirty="0" smtClean="0"/>
-              <a:t>IFX1117ME_V33</a:t>
-            </a:r>
-          </a:p>
-          <a:p>
-            <a:pPr algn="ctr"/>
-            <a:r>
-              <a:rPr lang="de-DE" sz="1200" dirty="0" smtClean="0"/>
-              <a:t>3.3V Supply</a:t>
-            </a:r>
-          </a:p>
-          <a:p>
-            <a:pPr algn="ctr"/>
-            <a:r>
-              <a:rPr lang="de-DE" sz="1200" dirty="0" smtClean="0"/>
-              <a:t>I_out_max=1A</a:t>
-            </a:r>
-            <a:endParaRPr lang="de-DE" sz="1200" dirty="0"/>
-          </a:p>
-        </p:txBody>
-      </p:sp>
-      <p:sp>
-        <p:nvSpPr>
-          <p:cNvPr id="7" name="Rectangle 6"/>
+            <a:endParaRPr lang="de-DE" dirty="0"/>
+          </a:p>
+        </p:txBody>
+      </p:sp>
+      <p:sp>
+        <p:nvSpPr>
+          <p:cNvPr id="6" name="Rectangle 5"/>
           <p:cNvSpPr/>
           <p:nvPr/>
         </p:nvSpPr>
         <p:spPr>
           <a:xfrm>
-            <a:off x="7095379" y="4559664"/>
-            <a:ext cx="1102848" cy="856616"/>
+            <a:off x="4368835" y="3003747"/>
+            <a:ext cx="1346770" cy="856616"/>
           </a:xfrm>
           <a:prstGeom prst="rect">
             <a:avLst/>
@@ -3216,72 +3203,35 @@
             <a:pPr algn="ctr"/>
             <a:r>
               <a:rPr lang="de-DE" sz="1200" dirty="0" smtClean="0"/>
-              <a:t>2x16 LCD</a:t>
+              <a:t>IFX1117ME_V33</a:t>
             </a:r>
           </a:p>
           <a:p>
             <a:pPr algn="ctr"/>
             <a:r>
               <a:rPr lang="de-DE" sz="1200" dirty="0" smtClean="0"/>
-              <a:t>Display</a:t>
+              <a:t>3.3V Supply</a:t>
             </a:r>
           </a:p>
           <a:p>
             <a:pPr algn="ctr"/>
             <a:r>
               <a:rPr lang="de-DE" sz="1200" dirty="0" smtClean="0"/>
-              <a:t>I=3mA</a:t>
+              <a:t>I_out_max=1A</a:t>
             </a:r>
             <a:endParaRPr lang="de-DE" sz="1200" dirty="0"/>
           </a:p>
         </p:txBody>
       </p:sp>
-      <p:cxnSp>
-        <p:nvCxnSpPr>
-          <p:cNvPr id="9" name="Straight Connector 8"/>
-          <p:cNvCxnSpPr>
-            <a:endCxn id="7" idx="1"/>
-          </p:cNvCxnSpPr>
-          <p:nvPr/>
-        </p:nvCxnSpPr>
-        <p:spPr>
-          <a:xfrm>
-            <a:off x="6931305" y="4987971"/>
-            <a:ext cx="164072" cy="1618"/>
-          </a:xfrm>
-          <a:prstGeom prst="line">
-            <a:avLst/>
-          </a:prstGeom>
-          <a:ln w="25400">
-            <a:solidFill>
-              <a:schemeClr val="tx1"/>
-            </a:solidFill>
-          </a:ln>
-        </p:spPr>
-        <p:style>
-          <a:lnRef idx="1">
-            <a:schemeClr val="accent1"/>
-          </a:lnRef>
-          <a:fillRef idx="0">
-            <a:schemeClr val="accent1"/>
-          </a:fillRef>
-          <a:effectRef idx="0">
-            <a:schemeClr val="accent1"/>
-          </a:effectRef>
-          <a:fontRef idx="minor">
-            <a:schemeClr val="tx1"/>
-          </a:fontRef>
-        </p:style>
-      </p:cxnSp>
-      <p:sp>
-        <p:nvSpPr>
-          <p:cNvPr id="13" name="Rectangle 12"/>
+      <p:sp>
+        <p:nvSpPr>
+          <p:cNvPr id="7" name="Rectangle 6"/>
           <p:cNvSpPr/>
           <p:nvPr/>
         </p:nvSpPr>
         <p:spPr>
           <a:xfrm>
-            <a:off x="1635755" y="3029147"/>
+            <a:off x="5850779" y="4534264"/>
             <a:ext cx="1102848" cy="856616"/>
           </a:xfrm>
           <a:prstGeom prst="rect">
@@ -3310,6 +3260,101 @@
           <a:p>
             <a:pPr algn="ctr"/>
             <a:r>
+              <a:rPr lang="de-DE" sz="1200" dirty="0" smtClean="0"/>
+              <a:t>2x16 LCD</a:t>
+            </a:r>
+          </a:p>
+          <a:p>
+            <a:pPr algn="ctr"/>
+            <a:r>
+              <a:rPr lang="de-DE" sz="1200" dirty="0" smtClean="0"/>
+              <a:t>Display</a:t>
+            </a:r>
+          </a:p>
+          <a:p>
+            <a:pPr algn="ctr"/>
+            <a:r>
+              <a:rPr lang="de-DE" sz="1200" dirty="0" smtClean="0"/>
+              <a:t>I=3mA</a:t>
+            </a:r>
+            <a:endParaRPr lang="de-DE" sz="1200" dirty="0"/>
+          </a:p>
+        </p:txBody>
+      </p:sp>
+      <p:cxnSp>
+        <p:nvCxnSpPr>
+          <p:cNvPr id="9" name="Straight Connector 8"/>
+          <p:cNvCxnSpPr>
+            <a:endCxn id="7" idx="1"/>
+          </p:cNvCxnSpPr>
+          <p:nvPr/>
+        </p:nvCxnSpPr>
+        <p:spPr>
+          <a:xfrm>
+            <a:off x="5686705" y="4962571"/>
+            <a:ext cx="164072" cy="1618"/>
+          </a:xfrm>
+          <a:prstGeom prst="line">
+            <a:avLst/>
+          </a:prstGeom>
+          <a:ln w="25400">
+            <a:solidFill>
+              <a:schemeClr val="tx1"/>
+            </a:solidFill>
+          </a:ln>
+        </p:spPr>
+        <p:style>
+          <a:lnRef idx="1">
+            <a:schemeClr val="accent1"/>
+          </a:lnRef>
+          <a:fillRef idx="0">
+            <a:schemeClr val="accent1"/>
+          </a:fillRef>
+          <a:effectRef idx="0">
+            <a:schemeClr val="accent1"/>
+          </a:effectRef>
+          <a:fontRef idx="minor">
+            <a:schemeClr val="tx1"/>
+          </a:fontRef>
+        </p:style>
+      </p:cxnSp>
+      <p:sp>
+        <p:nvSpPr>
+          <p:cNvPr id="13" name="Rectangle 12"/>
+          <p:cNvSpPr/>
+          <p:nvPr/>
+        </p:nvSpPr>
+        <p:spPr>
+          <a:xfrm>
+            <a:off x="391155" y="3003747"/>
+            <a:ext cx="1102848" cy="856616"/>
+          </a:xfrm>
+          <a:prstGeom prst="rect">
+            <a:avLst/>
+          </a:prstGeom>
+        </p:spPr>
+        <p:style>
+          <a:lnRef idx="2">
+            <a:schemeClr val="accent1">
+              <a:shade val="50000"/>
+            </a:schemeClr>
+          </a:lnRef>
+          <a:fillRef idx="1">
+            <a:schemeClr val="accent1"/>
+          </a:fillRef>
+          <a:effectRef idx="0">
+            <a:schemeClr val="accent1"/>
+          </a:effectRef>
+          <a:fontRef idx="minor">
+            <a:schemeClr val="lt1"/>
+          </a:fontRef>
+        </p:style>
+        <p:txBody>
+          <a:bodyPr lIns="91423" tIns="45712" rIns="91423" bIns="45712" rtlCol="0" anchor="ctr"/>
+          <a:lstStyle/>
+          <a:p>
+            <a:pPr algn="ctr"/>
+            <a:r>
               <a:rPr lang="de-DE" sz="1600" dirty="0" smtClean="0"/>
               <a:t>USB</a:t>
             </a:r>
@@ -3328,7 +3373,7 @@
         </p:nvCxnSpPr>
         <p:spPr>
           <a:xfrm>
-            <a:off x="2738603" y="3457455"/>
+            <a:off x="1494003" y="3432055"/>
             <a:ext cx="2874832" cy="1588"/>
           </a:xfrm>
           <a:prstGeom prst="line">
@@ -3365,7 +3410,7 @@
         </p:nvCxnSpPr>
         <p:spPr>
           <a:xfrm>
-            <a:off x="4178304" y="3454402"/>
+            <a:off x="2933704" y="3429002"/>
             <a:ext cx="2917075" cy="1533570"/>
           </a:xfrm>
           <a:prstGeom prst="bentConnector3">
@@ -3403,7 +3448,7 @@
         </p:nvSpPr>
         <p:spPr>
           <a:xfrm>
-            <a:off x="8664310" y="5862964"/>
+            <a:off x="7419710" y="5837564"/>
             <a:ext cx="625114" cy="572348"/>
           </a:xfrm>
           <a:prstGeom prst="rect">
@@ -3447,7 +3492,7 @@
         </p:nvSpPr>
         <p:spPr>
           <a:xfrm>
-            <a:off x="6723181" y="6155273"/>
+            <a:off x="5478581" y="6129873"/>
             <a:ext cx="1639710" cy="1323423"/>
           </a:xfrm>
           <a:prstGeom prst="rect">
@@ -3465,7 +3510,6 @@
               <a:rPr lang="de-DE" sz="1600" dirty="0" smtClean="0"/>
               <a:t>ATMEGA16A</a:t>
             </a:r>
-            <a:endParaRPr lang="de-DE" sz="1600" dirty="0" smtClean="0"/>
           </a:p>
           <a:p>
             <a:pPr marL="381780" indent="-381780">
@@ -3484,9 +3528,8 @@
             </a:pPr>
             <a:r>
               <a:rPr lang="de-DE" sz="1600" dirty="0" smtClean="0"/>
-              <a:t>I=15mA</a:t>
-            </a:r>
-            <a:endParaRPr lang="de-DE" sz="1600" dirty="0" smtClean="0"/>
+              <a:t>I=0.6mA</a:t>
+            </a:r>
           </a:p>
           <a:p>
             <a:pPr marL="381780" indent="-381780">
@@ -3519,7 +3562,7 @@
         </p:nvSpPr>
         <p:spPr>
           <a:xfrm>
-            <a:off x="8425442" y="4559664"/>
+            <a:off x="7180842" y="4534264"/>
             <a:ext cx="1102848" cy="856616"/>
           </a:xfrm>
           <a:prstGeom prst="rect">
@@ -3580,7 +3623,7 @@
         </p:nvCxnSpPr>
         <p:spPr>
           <a:xfrm>
-            <a:off x="8198226" y="4987971"/>
+            <a:off x="6953626" y="4962571"/>
             <a:ext cx="227216" cy="1618"/>
           </a:xfrm>
           <a:prstGeom prst="line">
@@ -3618,7 +3661,7 @@
         </p:nvCxnSpPr>
         <p:spPr>
           <a:xfrm flipV="1">
-            <a:off x="8976866" y="5416279"/>
+            <a:off x="7732266" y="5390879"/>
             <a:ext cx="0" cy="446686"/>
           </a:xfrm>
           <a:prstGeom prst="line">
@@ -3653,7 +3696,7 @@
         </p:nvSpPr>
         <p:spPr>
           <a:xfrm>
-            <a:off x="11644733" y="8393580"/>
+            <a:off x="9752433" y="7085480"/>
             <a:ext cx="1102848" cy="856616"/>
           </a:xfrm>
           <a:prstGeom prst="rect">
@@ -3711,8 +3754,8 @@
         </p:nvCxnSpPr>
         <p:spPr>
           <a:xfrm>
-            <a:off x="6960205" y="3457455"/>
-            <a:ext cx="5235952" cy="4936125"/>
+            <a:off x="5715605" y="3432055"/>
+            <a:ext cx="4588252" cy="3653425"/>
           </a:xfrm>
           <a:prstGeom prst="bentConnector2">
             <a:avLst/>
@@ -3741,16 +3784,20 @@
       <p:cxnSp>
         <p:nvCxnSpPr>
           <p:cNvPr id="53" name="Straight Connector 16"/>
-          <p:cNvCxnSpPr/>
+          <p:cNvCxnSpPr>
+            <a:stCxn id="52" idx="0"/>
+          </p:cNvCxnSpPr>
           <p:nvPr/>
         </p:nvCxnSpPr>
         <p:spPr>
           <a:xfrm rot="16200000" flipV="1">
-            <a:off x="9505952" y="5289551"/>
-            <a:ext cx="3682999" cy="12699"/>
-          </a:xfrm>
-          <a:prstGeom prst="straightConnector1">
-            <a:avLst/>
+            <a:off x="8685712" y="5055688"/>
+            <a:ext cx="4924256" cy="1670880"/>
+          </a:xfrm>
+          <a:prstGeom prst="bentConnector3">
+            <a:avLst>
+              <a:gd name="adj1" fmla="val 99518"/>
+            </a:avLst>
           </a:prstGeom>
           <a:ln w="25400">
             <a:solidFill>
@@ -3782,7 +3829,7 @@
         </p:nvSpPr>
         <p:spPr>
           <a:xfrm>
-            <a:off x="10079716" y="5720830"/>
+            <a:off x="8835116" y="5695430"/>
             <a:ext cx="1102848" cy="856616"/>
           </a:xfrm>
           <a:prstGeom prst="rect">
@@ -3837,7 +3884,7 @@
         </p:nvCxnSpPr>
         <p:spPr>
           <a:xfrm flipH="1">
-            <a:off x="9289423" y="6149139"/>
+            <a:off x="8044823" y="6123739"/>
             <a:ext cx="790292" cy="1"/>
           </a:xfrm>
           <a:prstGeom prst="line">
@@ -3872,7 +3919,7 @@
         </p:nvSpPr>
         <p:spPr>
           <a:xfrm>
-            <a:off x="8664310" y="7250786"/>
+            <a:off x="7419710" y="7225386"/>
             <a:ext cx="625114" cy="572348"/>
           </a:xfrm>
           <a:prstGeom prst="rect">
@@ -3901,10 +3948,10 @@
           <a:p>
             <a:pPr algn="ctr"/>
             <a:r>
-              <a:rPr lang="de-DE" sz="1600" dirty="0" smtClean="0"/>
-              <a:t>SPI</a:t>
-            </a:r>
-            <a:endParaRPr lang="de-DE" sz="1600" dirty="0"/>
+              <a:rPr lang="de-DE" sz="1400" dirty="0" smtClean="0"/>
+              <a:t>UART</a:t>
+            </a:r>
+            <a:endParaRPr lang="de-DE" sz="1400" dirty="0"/>
           </a:p>
         </p:txBody>
       </p:sp>
@@ -3916,7 +3963,7 @@
         </p:nvSpPr>
         <p:spPr>
           <a:xfrm>
-            <a:off x="8664310" y="8521802"/>
+            <a:off x="7419710" y="8496402"/>
             <a:ext cx="625114" cy="572348"/>
           </a:xfrm>
           <a:prstGeom prst="rect">
@@ -3946,7 +3993,7 @@
             <a:pPr algn="ctr"/>
             <a:r>
               <a:rPr lang="de-DE" sz="1600" dirty="0" smtClean="0"/>
-              <a:t>UART</a:t>
+              <a:t>SPI</a:t>
             </a:r>
             <a:endParaRPr lang="de-DE" sz="1600" dirty="0"/>
           </a:p>
@@ -3957,14 +4004,14 @@
           <p:cNvPr id="75" name="Straight Connector 74"/>
           <p:cNvCxnSpPr>
             <a:stCxn id="52" idx="1"/>
-            <a:endCxn id="73" idx="3"/>
+            <a:endCxn id="74" idx="3"/>
           </p:cNvCxnSpPr>
           <p:nvPr/>
         </p:nvCxnSpPr>
         <p:spPr>
-          <a:xfrm flipH="1" flipV="1">
-            <a:off x="9289423" y="7536960"/>
-            <a:ext cx="1520132" cy="3"/>
+          <a:xfrm rot="10800000" flipV="1">
+            <a:off x="8044824" y="8781564"/>
+            <a:ext cx="3387032" cy="1012"/>
           </a:xfrm>
           <a:prstGeom prst="line">
             <a:avLst/>
@@ -3995,14 +4042,14 @@
           <p:cNvPr id="78" name="Straight Connector 77"/>
           <p:cNvCxnSpPr>
             <a:stCxn id="46" idx="1"/>
-            <a:endCxn id="74" idx="3"/>
+            <a:endCxn id="73" idx="3"/>
           </p:cNvCxnSpPr>
           <p:nvPr/>
         </p:nvCxnSpPr>
         <p:spPr>
-          <a:xfrm flipH="1" flipV="1">
-            <a:off x="9289423" y="8807976"/>
-            <a:ext cx="2355309" cy="13911"/>
+          <a:xfrm rot="10800000">
+            <a:off x="8044825" y="7511560"/>
+            <a:ext cx="1707609" cy="2228"/>
           </a:xfrm>
           <a:prstGeom prst="line">
             <a:avLst/>
@@ -4036,7 +4083,7 @@
         </p:nvSpPr>
         <p:spPr>
           <a:xfrm>
-            <a:off x="3977204" y="8089411"/>
+            <a:off x="2732604" y="8064011"/>
             <a:ext cx="561542" cy="608337"/>
           </a:xfrm>
           <a:prstGeom prst="plus">
@@ -4078,7 +4125,7 @@
         </p:nvSpPr>
         <p:spPr>
           <a:xfrm>
-            <a:off x="4752579" y="8089411"/>
+            <a:off x="3507979" y="8064011"/>
             <a:ext cx="216568" cy="234615"/>
           </a:xfrm>
           <a:prstGeom prst="ellipse">
@@ -4118,7 +4165,7 @@
         </p:nvSpPr>
         <p:spPr>
           <a:xfrm>
-            <a:off x="4754241" y="8478532"/>
+            <a:off x="3509641" y="8453132"/>
             <a:ext cx="216568" cy="234615"/>
           </a:xfrm>
           <a:prstGeom prst="ellipse">
@@ -4158,7 +4205,7 @@
         </p:nvSpPr>
         <p:spPr>
           <a:xfrm>
-            <a:off x="3974148" y="7070589"/>
+            <a:off x="2729548" y="7045189"/>
             <a:ext cx="1102848" cy="856616"/>
           </a:xfrm>
           <a:prstGeom prst="rect">
@@ -4221,7 +4268,7 @@
         </p:nvSpPr>
         <p:spPr>
           <a:xfrm>
-            <a:off x="3707977" y="6346140"/>
+            <a:off x="2463377" y="6320740"/>
             <a:ext cx="1441963" cy="338538"/>
           </a:xfrm>
           <a:prstGeom prst="rect">
@@ -4251,7 +4298,7 @@
         </p:nvCxnSpPr>
         <p:spPr>
           <a:xfrm>
-            <a:off x="5444791" y="6828382"/>
+            <a:off x="4200191" y="6802982"/>
             <a:ext cx="1102848" cy="0"/>
           </a:xfrm>
           <a:prstGeom prst="line">
@@ -4286,7 +4333,7 @@
         </p:nvSpPr>
         <p:spPr>
           <a:xfrm>
-            <a:off x="10452096" y="5399314"/>
+            <a:off x="9207496" y="5373914"/>
             <a:ext cx="919999" cy="307760"/>
           </a:xfrm>
           <a:prstGeom prst="rect">
@@ -4325,7 +4372,7 @@
         </p:nvSpPr>
         <p:spPr>
           <a:xfrm>
-            <a:off x="12103099" y="8120743"/>
+            <a:off x="10210799" y="6812643"/>
             <a:ext cx="812801" cy="307760"/>
           </a:xfrm>
           <a:prstGeom prst="rect">
@@ -4358,14 +4405,14 @@
       </p:sp>
       <p:sp>
         <p:nvSpPr>
-          <p:cNvPr id="36" name="TextBox 35"/>
+          <p:cNvPr id="61" name="TextBox 60"/>
           <p:cNvSpPr txBox="1"/>
           <p:nvPr/>
         </p:nvSpPr>
         <p:spPr>
           <a:xfrm>
-            <a:off x="11264899" y="6805384"/>
-            <a:ext cx="866758" cy="307760"/>
+            <a:off x="5622442" y="3060700"/>
+            <a:ext cx="1311758" cy="307760"/>
           </a:xfrm>
           <a:prstGeom prst="rect">
             <a:avLst/>
@@ -4385,7 +4432,7 @@
                   <a:srgbClr val="FF0000"/>
                 </a:solidFill>
               </a:rPr>
-              <a:t>660mW</a:t>
+              <a:t>3.3W / 1.44w </a:t>
             </a:r>
             <a:endParaRPr lang="en-GB" sz="1400" dirty="0">
               <a:solidFill>
@@ -4397,52 +4444,13 @@
       </p:sp>
       <p:sp>
         <p:nvSpPr>
-          <p:cNvPr id="61" name="TextBox 60"/>
-          <p:cNvSpPr txBox="1"/>
-          <p:nvPr/>
-        </p:nvSpPr>
-        <p:spPr>
-          <a:xfrm>
-            <a:off x="6867042" y="3086100"/>
-            <a:ext cx="1311758" cy="307760"/>
-          </a:xfrm>
-          <a:prstGeom prst="rect">
-            <a:avLst/>
-          </a:prstGeom>
-          <a:noFill/>
-        </p:spPr>
-        <p:txBody>
-          <a:bodyPr wrap="square" lIns="91423" tIns="45712" rIns="91423" bIns="45712" rtlCol="0">
-            <a:spAutoFit/>
-          </a:bodyPr>
-          <a:lstStyle/>
-          <a:p>
-            <a:pPr algn="ctr"/>
-            <a:r>
-              <a:rPr lang="de-DE" sz="1400" dirty="0" smtClean="0">
-                <a:solidFill>
-                  <a:srgbClr val="FF0000"/>
-                </a:solidFill>
-              </a:rPr>
-              <a:t>3.3W / 1.48w </a:t>
-            </a:r>
-            <a:endParaRPr lang="en-GB" sz="1400" dirty="0">
-              <a:solidFill>
-                <a:srgbClr val="FF0000"/>
-              </a:solidFill>
-            </a:endParaRPr>
-          </a:p>
-        </p:txBody>
-      </p:sp>
-      <p:sp>
-        <p:nvSpPr>
           <p:cNvPr id="63" name="TextBox 62"/>
           <p:cNvSpPr txBox="1"/>
           <p:nvPr/>
         </p:nvSpPr>
         <p:spPr>
           <a:xfrm>
-            <a:off x="8769104" y="5421286"/>
+            <a:off x="7524504" y="5395886"/>
             <a:ext cx="1200395" cy="338538"/>
           </a:xfrm>
           <a:prstGeom prst="rect">
@@ -4463,7 +4471,7 @@
                   <a:srgbClr val="FF0000"/>
                 </a:solidFill>
               </a:rPr>
-              <a:t>50mW</a:t>
+              <a:t>2mW</a:t>
             </a:r>
             <a:endParaRPr lang="en-GB" sz="1600" dirty="0">
               <a:solidFill>
@@ -4481,7 +4489,7 @@
         </p:nvCxnSpPr>
         <p:spPr>
           <a:xfrm rot="5400000">
-            <a:off x="8449298" y="4588325"/>
+            <a:off x="7204698" y="4562925"/>
             <a:ext cx="2397333" cy="161266"/>
           </a:xfrm>
           <a:prstGeom prst="bentConnector3">
@@ -4520,7 +4528,7 @@
         </p:nvSpPr>
         <p:spPr>
           <a:xfrm>
-            <a:off x="6166953" y="2752828"/>
+            <a:off x="4922353" y="2727428"/>
             <a:ext cx="962509" cy="307760"/>
           </a:xfrm>
           <a:prstGeom prst="rect">
@@ -4559,7 +4567,7 @@
         </p:nvSpPr>
         <p:spPr>
           <a:xfrm>
-            <a:off x="5991226" y="4057754"/>
+            <a:off x="4746626" y="4032354"/>
             <a:ext cx="1073345" cy="307760"/>
           </a:xfrm>
           <a:prstGeom prst="rect">
@@ -4598,7 +4606,7 @@
         </p:nvSpPr>
         <p:spPr>
           <a:xfrm>
-            <a:off x="5219215" y="2748065"/>
+            <a:off x="3974615" y="2722665"/>
             <a:ext cx="843447" cy="307760"/>
           </a:xfrm>
           <a:prstGeom prst="rect">
@@ -4637,7 +4645,7 @@
         </p:nvSpPr>
         <p:spPr>
           <a:xfrm>
-            <a:off x="2741386" y="3116943"/>
+            <a:off x="1496786" y="3091543"/>
             <a:ext cx="948602" cy="307760"/>
           </a:xfrm>
           <a:prstGeom prst="rect">
@@ -4658,7 +4666,7 @@
                   <a:srgbClr val="00B050"/>
                 </a:solidFill>
               </a:rPr>
-              <a:t>470mA</a:t>
+              <a:t>450mA</a:t>
             </a:r>
             <a:endParaRPr lang="en-GB" sz="1400" dirty="0">
               <a:solidFill>
@@ -4676,7 +4684,7 @@
         </p:nvSpPr>
         <p:spPr>
           <a:xfrm>
-            <a:off x="10809556" y="7108656"/>
+            <a:off x="11431856" y="8353256"/>
             <a:ext cx="1102848" cy="856616"/>
           </a:xfrm>
           <a:prstGeom prst="rect">
@@ -4729,7 +4737,7 @@
         </p:nvCxnSpPr>
         <p:spPr>
           <a:xfrm rot="16200000" flipV="1">
-            <a:off x="9484608" y="4574297"/>
+            <a:off x="8240008" y="4548897"/>
             <a:ext cx="2266428" cy="26637"/>
           </a:xfrm>
           <a:prstGeom prst="straightConnector1">
@@ -4765,7 +4773,7 @@
         </p:nvSpPr>
         <p:spPr>
           <a:xfrm>
-            <a:off x="6867042" y="3517900"/>
+            <a:off x="5622442" y="3492500"/>
             <a:ext cx="1311758" cy="307760"/>
           </a:xfrm>
           <a:prstGeom prst="rect">
@@ -4786,7 +4794,7 @@
                   <a:srgbClr val="00B050"/>
                 </a:solidFill>
               </a:rPr>
-              <a:t>1A / 460mA </a:t>
+              <a:t>1A / 450mA </a:t>
             </a:r>
             <a:endParaRPr lang="en-GB" sz="1400" dirty="0">
               <a:solidFill>
@@ -4804,7 +4812,7 @@
         </p:nvSpPr>
         <p:spPr>
           <a:xfrm>
-            <a:off x="5536715" y="4614965"/>
+            <a:off x="4292115" y="4589565"/>
             <a:ext cx="843447" cy="307760"/>
           </a:xfrm>
           <a:prstGeom prst="rect">
@@ -4830,6 +4838,147 @@
             <a:endParaRPr lang="en-GB" sz="1400" dirty="0">
               <a:solidFill>
                 <a:srgbClr val="3333FF"/>
+              </a:solidFill>
+            </a:endParaRPr>
+          </a:p>
+        </p:txBody>
+      </p:sp>
+      <p:sp>
+        <p:nvSpPr>
+          <p:cNvPr id="96" name="Rectangle 95"/>
+          <p:cNvSpPr/>
+          <p:nvPr/>
+        </p:nvSpPr>
+        <p:spPr>
+          <a:xfrm>
+            <a:off x="10568256" y="5737056"/>
+            <a:ext cx="1102848" cy="856616"/>
+          </a:xfrm>
+          <a:prstGeom prst="rect">
+            <a:avLst/>
+          </a:prstGeom>
+        </p:spPr>
+        <p:style>
+          <a:lnRef idx="2">
+            <a:schemeClr val="accent1">
+              <a:shade val="50000"/>
+            </a:schemeClr>
+          </a:lnRef>
+          <a:fillRef idx="1">
+            <a:schemeClr val="accent1"/>
+          </a:fillRef>
+          <a:effectRef idx="0">
+            <a:schemeClr val="accent1"/>
+          </a:effectRef>
+          <a:fontRef idx="minor">
+            <a:schemeClr val="lt1"/>
+          </a:fontRef>
+        </p:style>
+        <p:txBody>
+          <a:bodyPr lIns="91423" tIns="45712" rIns="91423" bIns="45712" rtlCol="0" anchor="ctr"/>
+          <a:lstStyle/>
+          <a:p>
+            <a:pPr algn="ctr"/>
+            <a:r>
+              <a:rPr lang="de-DE" sz="1200" dirty="0" smtClean="0"/>
+              <a:t>Memory</a:t>
+            </a:r>
+          </a:p>
+          <a:p>
+            <a:pPr algn="ctr"/>
+            <a:r>
+              <a:rPr lang="de-DE" sz="1200" dirty="0" smtClean="0"/>
+              <a:t>Imax=200mA</a:t>
+            </a:r>
+            <a:endParaRPr lang="de-DE" sz="1200" dirty="0"/>
+          </a:p>
+        </p:txBody>
+      </p:sp>
+      <p:sp>
+        <p:nvSpPr>
+          <p:cNvPr id="50" name="Rectangle 49"/>
+          <p:cNvSpPr/>
+          <p:nvPr/>
+        </p:nvSpPr>
+        <p:spPr>
+          <a:xfrm>
+            <a:off x="11431856" y="7314228"/>
+            <a:ext cx="1102848" cy="623272"/>
+          </a:xfrm>
+          <a:prstGeom prst="rect">
+            <a:avLst/>
+          </a:prstGeom>
+        </p:spPr>
+        <p:style>
+          <a:lnRef idx="2">
+            <a:schemeClr val="accent1">
+              <a:shade val="50000"/>
+            </a:schemeClr>
+          </a:lnRef>
+          <a:fillRef idx="1">
+            <a:schemeClr val="accent1"/>
+          </a:fillRef>
+          <a:effectRef idx="0">
+            <a:schemeClr val="accent1"/>
+          </a:effectRef>
+          <a:fontRef idx="minor">
+            <a:schemeClr val="lt1"/>
+          </a:fontRef>
+        </p:style>
+        <p:txBody>
+          <a:bodyPr lIns="91423" tIns="45712" rIns="91423" bIns="45712" rtlCol="0" anchor="ctr"/>
+          <a:lstStyle/>
+          <a:p>
+            <a:pPr algn="ctr"/>
+            <a:r>
+              <a:rPr lang="de-DE" sz="1200" dirty="0" smtClean="0"/>
+              <a:t>Buffer</a:t>
+            </a:r>
+          </a:p>
+          <a:p>
+            <a:pPr algn="ctr"/>
+            <a:r>
+              <a:rPr lang="en-GB" sz="1200" dirty="0" smtClean="0"/>
+              <a:t>SN74LVC125A</a:t>
+            </a:r>
+            <a:endParaRPr lang="de-DE" sz="1200" dirty="0"/>
+          </a:p>
+        </p:txBody>
+      </p:sp>
+      <p:sp>
+        <p:nvSpPr>
+          <p:cNvPr id="36" name="TextBox 35"/>
+          <p:cNvSpPr txBox="1"/>
+          <p:nvPr/>
+        </p:nvSpPr>
+        <p:spPr>
+          <a:xfrm>
+            <a:off x="11884042" y="6959600"/>
+            <a:ext cx="866758" cy="307760"/>
+          </a:xfrm>
+          <a:prstGeom prst="rect">
+            <a:avLst/>
+          </a:prstGeom>
+          <a:noFill/>
+        </p:spPr>
+        <p:txBody>
+          <a:bodyPr wrap="square" lIns="91423" tIns="45712" rIns="91423" bIns="45712" rtlCol="0">
+            <a:spAutoFit/>
+          </a:bodyPr>
+          <a:lstStyle/>
+          <a:p>
+            <a:pPr algn="ctr"/>
+            <a:r>
+              <a:rPr lang="de-DE" sz="1400" dirty="0" smtClean="0">
+                <a:solidFill>
+                  <a:srgbClr val="FF0000"/>
+                </a:solidFill>
+              </a:rPr>
+              <a:t>660mW</a:t>
+            </a:r>
+            <a:endParaRPr lang="en-GB" sz="1400" dirty="0">
+              <a:solidFill>
+                <a:srgbClr val="FF0000"/>
               </a:solidFill>
             </a:endParaRPr>
           </a:p>
@@ -5410,7 +5559,6 @@
               <a:rPr lang="de-DE" sz="1600" dirty="0" smtClean="0"/>
               <a:t>ATMEGA16A</a:t>
             </a:r>
-            <a:endParaRPr lang="de-DE" sz="1600" dirty="0" smtClean="0"/>
           </a:p>
           <a:p>
             <a:pPr marL="381780" indent="-381780">
@@ -5431,7 +5579,6 @@
               <a:rPr lang="de-DE" sz="1600" dirty="0" smtClean="0"/>
               <a:t>I=15mA</a:t>
             </a:r>
-            <a:endParaRPr lang="de-DE" sz="1600" dirty="0" smtClean="0"/>
           </a:p>
           <a:p>
             <a:pPr marL="381780" indent="-381780">
@@ -6780,6 +6927,45 @@
           </a:fontRef>
         </p:style>
       </p:cxnSp>
+      <p:sp>
+        <p:nvSpPr>
+          <p:cNvPr id="48" name="TextBox 47"/>
+          <p:cNvSpPr txBox="1"/>
+          <p:nvPr/>
+        </p:nvSpPr>
+        <p:spPr>
+          <a:xfrm>
+            <a:off x="4406901" y="1473200"/>
+            <a:ext cx="2062162" cy="769425"/>
+          </a:xfrm>
+          <a:prstGeom prst="rect">
+            <a:avLst/>
+          </a:prstGeom>
+          <a:noFill/>
+        </p:spPr>
+        <p:txBody>
+          <a:bodyPr wrap="square" lIns="91423" tIns="45712" rIns="91423" bIns="45712" rtlCol="0">
+            <a:spAutoFit/>
+          </a:bodyPr>
+          <a:lstStyle/>
+          <a:p>
+            <a:pPr algn="ctr"/>
+            <a:r>
+              <a:rPr lang="de-DE" sz="4400" dirty="0" smtClean="0">
+                <a:solidFill>
+                  <a:srgbClr val="3333FF"/>
+                </a:solidFill>
+              </a:rPr>
+              <a:t>OLD</a:t>
+            </a:r>
+            <a:endParaRPr lang="en-GB" sz="4400" dirty="0">
+              <a:solidFill>
+                <a:srgbClr val="3333FF"/>
+              </a:solidFill>
+            </a:endParaRPr>
+          </a:p>
+        </p:txBody>
+      </p:sp>
     </p:spTree>
     <p:extLst>
       <p:ext uri="{BB962C8B-B14F-4D97-AF65-F5344CB8AC3E}">

--- a/Projects/CameraSystem/Docs/Block_Diagram.pptx
+++ b/Projects/CameraSystem/Docs/Block_Diagram.pptx
@@ -240,7 +240,7 @@
             <a:fld id="{B1816B0C-7247-44DD-BCB7-DAF5E546C78B}" type="datetimeFigureOut">
               <a:rPr lang="de-DE" smtClean="0"/>
               <a:pPr/>
-              <a:t>30.09.2018</a:t>
+              <a:t>03.10.2018</a:t>
             </a:fld>
             <a:endParaRPr lang="de-DE"/>
           </a:p>
@@ -292,7 +292,7 @@
     </p:spTree>
     <p:extLst>
       <p:ext uri="{BB962C8B-B14F-4D97-AF65-F5344CB8AC3E}">
-        <p14:creationId xmlns:p14="http://schemas.microsoft.com/office/powerpoint/2010/main" xmlns="" val="4183135021"/>
+        <p14:creationId xmlns="" xmlns:p14="http://schemas.microsoft.com/office/powerpoint/2010/main" val="4183135021"/>
       </p:ext>
     </p:extLst>
   </p:cSld>
@@ -412,7 +412,7 @@
             <a:fld id="{B1816B0C-7247-44DD-BCB7-DAF5E546C78B}" type="datetimeFigureOut">
               <a:rPr lang="de-DE" smtClean="0"/>
               <a:pPr/>
-              <a:t>30.09.2018</a:t>
+              <a:t>03.10.2018</a:t>
             </a:fld>
             <a:endParaRPr lang="de-DE"/>
           </a:p>
@@ -464,7 +464,7 @@
     </p:spTree>
     <p:extLst>
       <p:ext uri="{BB962C8B-B14F-4D97-AF65-F5344CB8AC3E}">
-        <p14:creationId xmlns:p14="http://schemas.microsoft.com/office/powerpoint/2010/main" xmlns="" val="634728941"/>
+        <p14:creationId xmlns="" xmlns:p14="http://schemas.microsoft.com/office/powerpoint/2010/main" val="634728941"/>
       </p:ext>
     </p:extLst>
   </p:cSld>
@@ -594,7 +594,7 @@
             <a:fld id="{B1816B0C-7247-44DD-BCB7-DAF5E546C78B}" type="datetimeFigureOut">
               <a:rPr lang="de-DE" smtClean="0"/>
               <a:pPr/>
-              <a:t>30.09.2018</a:t>
+              <a:t>03.10.2018</a:t>
             </a:fld>
             <a:endParaRPr lang="de-DE"/>
           </a:p>
@@ -646,7 +646,7 @@
     </p:spTree>
     <p:extLst>
       <p:ext uri="{BB962C8B-B14F-4D97-AF65-F5344CB8AC3E}">
-        <p14:creationId xmlns:p14="http://schemas.microsoft.com/office/powerpoint/2010/main" xmlns="" val="2163732138"/>
+        <p14:creationId xmlns="" xmlns:p14="http://schemas.microsoft.com/office/powerpoint/2010/main" val="2163732138"/>
       </p:ext>
     </p:extLst>
   </p:cSld>
@@ -766,7 +766,7 @@
             <a:fld id="{B1816B0C-7247-44DD-BCB7-DAF5E546C78B}" type="datetimeFigureOut">
               <a:rPr lang="de-DE" smtClean="0"/>
               <a:pPr/>
-              <a:t>30.09.2018</a:t>
+              <a:t>03.10.2018</a:t>
             </a:fld>
             <a:endParaRPr lang="de-DE"/>
           </a:p>
@@ -818,7 +818,7 @@
     </p:spTree>
     <p:extLst>
       <p:ext uri="{BB962C8B-B14F-4D97-AF65-F5344CB8AC3E}">
-        <p14:creationId xmlns:p14="http://schemas.microsoft.com/office/powerpoint/2010/main" xmlns="" val="815330753"/>
+        <p14:creationId xmlns="" xmlns:p14="http://schemas.microsoft.com/office/powerpoint/2010/main" val="815330753"/>
       </p:ext>
     </p:extLst>
   </p:cSld>
@@ -1012,7 +1012,7 @@
             <a:fld id="{B1816B0C-7247-44DD-BCB7-DAF5E546C78B}" type="datetimeFigureOut">
               <a:rPr lang="de-DE" smtClean="0"/>
               <a:pPr/>
-              <a:t>30.09.2018</a:t>
+              <a:t>03.10.2018</a:t>
             </a:fld>
             <a:endParaRPr lang="de-DE"/>
           </a:p>
@@ -1064,7 +1064,7 @@
     </p:spTree>
     <p:extLst>
       <p:ext uri="{BB962C8B-B14F-4D97-AF65-F5344CB8AC3E}">
-        <p14:creationId xmlns:p14="http://schemas.microsoft.com/office/powerpoint/2010/main" xmlns="" val="2365557286"/>
+        <p14:creationId xmlns="" xmlns:p14="http://schemas.microsoft.com/office/powerpoint/2010/main" val="2365557286"/>
       </p:ext>
     </p:extLst>
   </p:cSld>
@@ -1246,7 +1246,7 @@
             <a:fld id="{B1816B0C-7247-44DD-BCB7-DAF5E546C78B}" type="datetimeFigureOut">
               <a:rPr lang="de-DE" smtClean="0"/>
               <a:pPr/>
-              <a:t>30.09.2018</a:t>
+              <a:t>03.10.2018</a:t>
             </a:fld>
             <a:endParaRPr lang="de-DE"/>
           </a:p>
@@ -1298,7 +1298,7 @@
     </p:spTree>
     <p:extLst>
       <p:ext uri="{BB962C8B-B14F-4D97-AF65-F5344CB8AC3E}">
-        <p14:creationId xmlns:p14="http://schemas.microsoft.com/office/powerpoint/2010/main" xmlns="" val="1503624474"/>
+        <p14:creationId xmlns="" xmlns:p14="http://schemas.microsoft.com/office/powerpoint/2010/main" val="1503624474"/>
       </p:ext>
     </p:extLst>
   </p:cSld>
@@ -1615,7 +1615,7 @@
             <a:fld id="{B1816B0C-7247-44DD-BCB7-DAF5E546C78B}" type="datetimeFigureOut">
               <a:rPr lang="de-DE" smtClean="0"/>
               <a:pPr/>
-              <a:t>30.09.2018</a:t>
+              <a:t>03.10.2018</a:t>
             </a:fld>
             <a:endParaRPr lang="de-DE"/>
           </a:p>
@@ -1667,7 +1667,7 @@
     </p:spTree>
     <p:extLst>
       <p:ext uri="{BB962C8B-B14F-4D97-AF65-F5344CB8AC3E}">
-        <p14:creationId xmlns:p14="http://schemas.microsoft.com/office/powerpoint/2010/main" xmlns="" val="3505896177"/>
+        <p14:creationId xmlns="" xmlns:p14="http://schemas.microsoft.com/office/powerpoint/2010/main" val="3505896177"/>
       </p:ext>
     </p:extLst>
   </p:cSld>
@@ -1735,7 +1735,7 @@
             <a:fld id="{B1816B0C-7247-44DD-BCB7-DAF5E546C78B}" type="datetimeFigureOut">
               <a:rPr lang="de-DE" smtClean="0"/>
               <a:pPr/>
-              <a:t>30.09.2018</a:t>
+              <a:t>03.10.2018</a:t>
             </a:fld>
             <a:endParaRPr lang="de-DE"/>
           </a:p>
@@ -1787,7 +1787,7 @@
     </p:spTree>
     <p:extLst>
       <p:ext uri="{BB962C8B-B14F-4D97-AF65-F5344CB8AC3E}">
-        <p14:creationId xmlns:p14="http://schemas.microsoft.com/office/powerpoint/2010/main" xmlns="" val="704671550"/>
+        <p14:creationId xmlns="" xmlns:p14="http://schemas.microsoft.com/office/powerpoint/2010/main" val="704671550"/>
       </p:ext>
     </p:extLst>
   </p:cSld>
@@ -1832,7 +1832,7 @@
             <a:fld id="{B1816B0C-7247-44DD-BCB7-DAF5E546C78B}" type="datetimeFigureOut">
               <a:rPr lang="de-DE" smtClean="0"/>
               <a:pPr/>
-              <a:t>30.09.2018</a:t>
+              <a:t>03.10.2018</a:t>
             </a:fld>
             <a:endParaRPr lang="de-DE"/>
           </a:p>
@@ -1884,7 +1884,7 @@
     </p:spTree>
     <p:extLst>
       <p:ext uri="{BB962C8B-B14F-4D97-AF65-F5344CB8AC3E}">
-        <p14:creationId xmlns:p14="http://schemas.microsoft.com/office/powerpoint/2010/main" xmlns="" val="449122657"/>
+        <p14:creationId xmlns="" xmlns:p14="http://schemas.microsoft.com/office/powerpoint/2010/main" val="449122657"/>
       </p:ext>
     </p:extLst>
   </p:cSld>
@@ -2111,7 +2111,7 @@
             <a:fld id="{B1816B0C-7247-44DD-BCB7-DAF5E546C78B}" type="datetimeFigureOut">
               <a:rPr lang="de-DE" smtClean="0"/>
               <a:pPr/>
-              <a:t>30.09.2018</a:t>
+              <a:t>03.10.2018</a:t>
             </a:fld>
             <a:endParaRPr lang="de-DE"/>
           </a:p>
@@ -2163,7 +2163,7 @@
     </p:spTree>
     <p:extLst>
       <p:ext uri="{BB962C8B-B14F-4D97-AF65-F5344CB8AC3E}">
-        <p14:creationId xmlns:p14="http://schemas.microsoft.com/office/powerpoint/2010/main" xmlns="" val="2525634023"/>
+        <p14:creationId xmlns="" xmlns:p14="http://schemas.microsoft.com/office/powerpoint/2010/main" val="2525634023"/>
       </p:ext>
     </p:extLst>
   </p:cSld>
@@ -2370,7 +2370,7 @@
             <a:fld id="{B1816B0C-7247-44DD-BCB7-DAF5E546C78B}" type="datetimeFigureOut">
               <a:rPr lang="de-DE" smtClean="0"/>
               <a:pPr/>
-              <a:t>30.09.2018</a:t>
+              <a:t>03.10.2018</a:t>
             </a:fld>
             <a:endParaRPr lang="de-DE"/>
           </a:p>
@@ -2422,7 +2422,7 @@
     </p:spTree>
     <p:extLst>
       <p:ext uri="{BB962C8B-B14F-4D97-AF65-F5344CB8AC3E}">
-        <p14:creationId xmlns:p14="http://schemas.microsoft.com/office/powerpoint/2010/main" xmlns="" val="2050898295"/>
+        <p14:creationId xmlns="" xmlns:p14="http://schemas.microsoft.com/office/powerpoint/2010/main" val="2050898295"/>
       </p:ext>
     </p:extLst>
   </p:cSld>
@@ -2585,7 +2585,7 @@
             <a:fld id="{B1816B0C-7247-44DD-BCB7-DAF5E546C78B}" type="datetimeFigureOut">
               <a:rPr lang="de-DE" smtClean="0"/>
               <a:pPr/>
-              <a:t>30.09.2018</a:t>
+              <a:t>03.10.2018</a:t>
             </a:fld>
             <a:endParaRPr lang="de-DE"/>
           </a:p>
@@ -2673,7 +2673,7 @@
     </p:spTree>
     <p:extLst>
       <p:ext uri="{BB962C8B-B14F-4D97-AF65-F5344CB8AC3E}">
-        <p14:creationId xmlns:p14="http://schemas.microsoft.com/office/powerpoint/2010/main" xmlns="" val="872436980"/>
+        <p14:creationId xmlns="" xmlns:p14="http://schemas.microsoft.com/office/powerpoint/2010/main" val="872436980"/>
       </p:ext>
     </p:extLst>
   </p:cSld>
@@ -3036,51 +3036,6 @@
           </a:p>
         </p:txBody>
       </p:sp>
-      <p:sp>
-        <p:nvSpPr>
-          <p:cNvPr id="89" name="Rectangle 88"/>
-          <p:cNvSpPr/>
-          <p:nvPr/>
-        </p:nvSpPr>
-        <p:spPr>
-          <a:xfrm>
-            <a:off x="2343621" y="6166049"/>
-            <a:ext cx="1842054" cy="2615925"/>
-          </a:xfrm>
-          <a:prstGeom prst="rect">
-            <a:avLst/>
-          </a:prstGeom>
-          <a:solidFill>
-            <a:schemeClr val="accent1">
-              <a:alpha val="23000"/>
-            </a:schemeClr>
-          </a:solidFill>
-        </p:spPr>
-        <p:style>
-          <a:lnRef idx="2">
-            <a:schemeClr val="accent1">
-              <a:shade val="50000"/>
-            </a:schemeClr>
-          </a:lnRef>
-          <a:fillRef idx="1">
-            <a:schemeClr val="accent1"/>
-          </a:fillRef>
-          <a:effectRef idx="0">
-            <a:schemeClr val="accent1"/>
-          </a:effectRef>
-          <a:fontRef idx="minor">
-            <a:schemeClr val="lt1"/>
-          </a:fontRef>
-        </p:style>
-        <p:txBody>
-          <a:bodyPr lIns="91423" tIns="45712" rIns="91423" bIns="45712" rtlCol="0" anchor="ctr"/>
-          <a:lstStyle/>
-          <a:p>
-            <a:pPr algn="ctr"/>
-            <a:endParaRPr lang="de-DE" sz="1600" dirty="0"/>
-          </a:p>
-        </p:txBody>
-      </p:sp>
       <p:cxnSp>
         <p:nvCxnSpPr>
           <p:cNvPr id="92" name="Straight Connector 16"/>
@@ -3091,12 +3046,12 @@
         </p:nvCxnSpPr>
         <p:spPr>
           <a:xfrm rot="16200000" flipH="1" flipV="1">
-            <a:off x="2183255" y="3321596"/>
-            <a:ext cx="3176816" cy="2541116"/>
+            <a:off x="2524383" y="3032063"/>
+            <a:ext cx="2546153" cy="2489520"/>
           </a:xfrm>
           <a:prstGeom prst="bentConnector3">
             <a:avLst>
-              <a:gd name="adj1" fmla="val -7332"/>
+              <a:gd name="adj1" fmla="val -8978"/>
             </a:avLst>
           </a:prstGeom>
           <a:ln w="25400">
@@ -4075,21 +4030,680 @@
           </a:fontRef>
         </p:style>
       </p:cxnSp>
-      <p:sp>
-        <p:nvSpPr>
-          <p:cNvPr id="83" name="Cross 82"/>
+      <p:grpSp>
+        <p:nvGrpSpPr>
+          <p:cNvPr id="48" name="Group 47"/>
+          <p:cNvGrpSpPr/>
+          <p:nvPr/>
+        </p:nvGrpSpPr>
+        <p:grpSpPr>
+          <a:xfrm>
+            <a:off x="2356321" y="5556450"/>
+            <a:ext cx="1682279" cy="2389026"/>
+            <a:chOff x="2343621" y="6166049"/>
+            <a:chExt cx="1842054" cy="2615925"/>
+          </a:xfrm>
+        </p:grpSpPr>
+        <p:sp>
+          <p:nvSpPr>
+            <p:cNvPr id="89" name="Rectangle 88"/>
+            <p:cNvSpPr/>
+            <p:nvPr/>
+          </p:nvSpPr>
+          <p:spPr>
+            <a:xfrm>
+              <a:off x="2343621" y="6166049"/>
+              <a:ext cx="1842054" cy="2615925"/>
+            </a:xfrm>
+            <a:prstGeom prst="rect">
+              <a:avLst/>
+            </a:prstGeom>
+            <a:solidFill>
+              <a:schemeClr val="accent1">
+                <a:alpha val="23000"/>
+              </a:schemeClr>
+            </a:solidFill>
+          </p:spPr>
+          <p:style>
+            <a:lnRef idx="2">
+              <a:schemeClr val="accent1">
+                <a:shade val="50000"/>
+              </a:schemeClr>
+            </a:lnRef>
+            <a:fillRef idx="1">
+              <a:schemeClr val="accent1"/>
+            </a:fillRef>
+            <a:effectRef idx="0">
+              <a:schemeClr val="accent1"/>
+            </a:effectRef>
+            <a:fontRef idx="minor">
+              <a:schemeClr val="lt1"/>
+            </a:fontRef>
+          </p:style>
+          <p:txBody>
+            <a:bodyPr lIns="91423" tIns="45712" rIns="91423" bIns="45712" rtlCol="0" anchor="ctr"/>
+            <a:lstStyle/>
+            <a:p>
+              <a:pPr algn="ctr"/>
+              <a:endParaRPr lang="de-DE" sz="1600" dirty="0"/>
+            </a:p>
+          </p:txBody>
+        </p:sp>
+        <p:sp>
+          <p:nvSpPr>
+            <p:cNvPr id="83" name="Cross 82"/>
+            <p:cNvSpPr/>
+            <p:nvPr/>
+          </p:nvSpPr>
+          <p:spPr>
+            <a:xfrm>
+              <a:off x="2732604" y="8064011"/>
+              <a:ext cx="561542" cy="608337"/>
+            </a:xfrm>
+            <a:prstGeom prst="plus">
+              <a:avLst>
+                <a:gd name="adj" fmla="val 41892"/>
+              </a:avLst>
+            </a:prstGeom>
+          </p:spPr>
+          <p:style>
+            <a:lnRef idx="2">
+              <a:schemeClr val="accent1">
+                <a:shade val="50000"/>
+              </a:schemeClr>
+            </a:lnRef>
+            <a:fillRef idx="1">
+              <a:schemeClr val="accent1"/>
+            </a:fillRef>
+            <a:effectRef idx="0">
+              <a:schemeClr val="accent1"/>
+            </a:effectRef>
+            <a:fontRef idx="minor">
+              <a:schemeClr val="lt1"/>
+            </a:fontRef>
+          </p:style>
+          <p:txBody>
+            <a:bodyPr lIns="91423" tIns="45712" rIns="91423" bIns="45712" rtlCol="0" anchor="ctr"/>
+            <a:lstStyle/>
+            <a:p>
+              <a:pPr algn="ctr"/>
+              <a:endParaRPr lang="de-DE"/>
+            </a:p>
+          </p:txBody>
+        </p:sp>
+        <p:sp>
+          <p:nvSpPr>
+            <p:cNvPr id="84" name="Oval 83"/>
+            <p:cNvSpPr/>
+            <p:nvPr/>
+          </p:nvSpPr>
+          <p:spPr>
+            <a:xfrm>
+              <a:off x="3507979" y="8064011"/>
+              <a:ext cx="216568" cy="234615"/>
+            </a:xfrm>
+            <a:prstGeom prst="ellipse">
+              <a:avLst/>
+            </a:prstGeom>
+          </p:spPr>
+          <p:style>
+            <a:lnRef idx="2">
+              <a:schemeClr val="accent1">
+                <a:shade val="50000"/>
+              </a:schemeClr>
+            </a:lnRef>
+            <a:fillRef idx="1">
+              <a:schemeClr val="accent1"/>
+            </a:fillRef>
+            <a:effectRef idx="0">
+              <a:schemeClr val="accent1"/>
+            </a:effectRef>
+            <a:fontRef idx="minor">
+              <a:schemeClr val="lt1"/>
+            </a:fontRef>
+          </p:style>
+          <p:txBody>
+            <a:bodyPr lIns="91423" tIns="45712" rIns="91423" bIns="45712" rtlCol="0" anchor="ctr"/>
+            <a:lstStyle/>
+            <a:p>
+              <a:pPr algn="ctr"/>
+              <a:endParaRPr lang="de-DE"/>
+            </a:p>
+          </p:txBody>
+        </p:sp>
+        <p:sp>
+          <p:nvSpPr>
+            <p:cNvPr id="85" name="Oval 84"/>
+            <p:cNvSpPr/>
+            <p:nvPr/>
+          </p:nvSpPr>
+          <p:spPr>
+            <a:xfrm>
+              <a:off x="3509641" y="8453132"/>
+              <a:ext cx="216568" cy="234615"/>
+            </a:xfrm>
+            <a:prstGeom prst="ellipse">
+              <a:avLst/>
+            </a:prstGeom>
+          </p:spPr>
+          <p:style>
+            <a:lnRef idx="2">
+              <a:schemeClr val="accent1">
+                <a:shade val="50000"/>
+              </a:schemeClr>
+            </a:lnRef>
+            <a:fillRef idx="1">
+              <a:schemeClr val="accent1"/>
+            </a:fillRef>
+            <a:effectRef idx="0">
+              <a:schemeClr val="accent1"/>
+            </a:effectRef>
+            <a:fontRef idx="minor">
+              <a:schemeClr val="lt1"/>
+            </a:fontRef>
+          </p:style>
+          <p:txBody>
+            <a:bodyPr lIns="91423" tIns="45712" rIns="91423" bIns="45712" rtlCol="0" anchor="ctr"/>
+            <a:lstStyle/>
+            <a:p>
+              <a:pPr algn="ctr"/>
+              <a:endParaRPr lang="de-DE"/>
+            </a:p>
+          </p:txBody>
+        </p:sp>
+        <p:sp>
+          <p:nvSpPr>
+            <p:cNvPr id="88" name="Rectangle 87"/>
+            <p:cNvSpPr/>
+            <p:nvPr/>
+          </p:nvSpPr>
+          <p:spPr>
+            <a:xfrm>
+              <a:off x="2729548" y="7045189"/>
+              <a:ext cx="1102848" cy="856616"/>
+            </a:xfrm>
+            <a:prstGeom prst="rect">
+              <a:avLst/>
+            </a:prstGeom>
+          </p:spPr>
+          <p:style>
+            <a:lnRef idx="2">
+              <a:schemeClr val="accent1">
+                <a:shade val="50000"/>
+              </a:schemeClr>
+            </a:lnRef>
+            <a:fillRef idx="1">
+              <a:schemeClr val="accent1"/>
+            </a:fillRef>
+            <a:effectRef idx="0">
+              <a:schemeClr val="accent1"/>
+            </a:effectRef>
+            <a:fontRef idx="minor">
+              <a:schemeClr val="lt1"/>
+            </a:fontRef>
+          </p:style>
+          <p:txBody>
+            <a:bodyPr lIns="91423" tIns="45712" rIns="91423" bIns="45712" rtlCol="0" anchor="ctr"/>
+            <a:lstStyle/>
+            <a:p>
+              <a:pPr algn="ctr"/>
+              <a:r>
+                <a:rPr lang="de-DE" sz="1400" dirty="0" smtClean="0"/>
+                <a:t>CD4014</a:t>
+              </a:r>
+            </a:p>
+            <a:p>
+              <a:pPr algn="ctr"/>
+              <a:r>
+                <a:rPr lang="de-DE" sz="1400" dirty="0" smtClean="0"/>
+                <a:t>8-Stage </a:t>
+              </a:r>
+              <a:r>
+                <a:rPr lang="de-DE" sz="1400" dirty="0" err="1" smtClean="0"/>
+                <a:t>Shift</a:t>
+              </a:r>
+              <a:endParaRPr lang="de-DE" sz="1400" dirty="0" smtClean="0"/>
+            </a:p>
+            <a:p>
+              <a:pPr algn="ctr"/>
+              <a:r>
+                <a:rPr lang="de-DE" sz="1400" dirty="0" smtClean="0"/>
+                <a:t>Register</a:t>
+              </a:r>
+              <a:endParaRPr lang="de-DE" sz="1400" dirty="0"/>
+            </a:p>
+          </p:txBody>
+        </p:sp>
+        <p:sp>
+          <p:nvSpPr>
+            <p:cNvPr id="90" name="Rectangle 89"/>
+            <p:cNvSpPr/>
+            <p:nvPr/>
+          </p:nvSpPr>
+          <p:spPr>
+            <a:xfrm>
+              <a:off x="2463377" y="6320740"/>
+              <a:ext cx="1441963" cy="338538"/>
+            </a:xfrm>
+            <a:prstGeom prst="rect">
+              <a:avLst/>
+            </a:prstGeom>
+          </p:spPr>
+          <p:txBody>
+            <a:bodyPr wrap="none" lIns="91423" tIns="45712" rIns="91423" bIns="45712">
+              <a:spAutoFit/>
+            </a:bodyPr>
+            <a:lstStyle/>
+            <a:p>
+              <a:pPr algn="ctr"/>
+              <a:r>
+                <a:rPr lang="de-DE" sz="1600" dirty="0" smtClean="0"/>
+                <a:t>Display Control</a:t>
+              </a:r>
+              <a:endParaRPr lang="de-DE" sz="1600" dirty="0"/>
+            </a:p>
+          </p:txBody>
+        </p:sp>
+      </p:grpSp>
+      <p:cxnSp>
+        <p:nvCxnSpPr>
+          <p:cNvPr id="101" name="Straight Connector 100"/>
+          <p:cNvCxnSpPr/>
+          <p:nvPr/>
+        </p:nvCxnSpPr>
+        <p:spPr>
+          <a:xfrm>
+            <a:off x="4051300" y="6350000"/>
+            <a:ext cx="1282700" cy="12701"/>
+          </a:xfrm>
+          <a:prstGeom prst="line">
+            <a:avLst/>
+          </a:prstGeom>
+          <a:ln w="25400">
+            <a:solidFill>
+              <a:schemeClr val="tx1"/>
+            </a:solidFill>
+          </a:ln>
+        </p:spPr>
+        <p:style>
+          <a:lnRef idx="1">
+            <a:schemeClr val="accent1"/>
+          </a:lnRef>
+          <a:fillRef idx="0">
+            <a:schemeClr val="accent1"/>
+          </a:fillRef>
+          <a:effectRef idx="0">
+            <a:schemeClr val="accent1"/>
+          </a:effectRef>
+          <a:fontRef idx="minor">
+            <a:schemeClr val="tx1"/>
+          </a:fontRef>
+        </p:style>
+      </p:cxnSp>
+      <p:sp>
+        <p:nvSpPr>
+          <p:cNvPr id="34" name="TextBox 33"/>
+          <p:cNvSpPr txBox="1"/>
+          <p:nvPr/>
+        </p:nvSpPr>
+        <p:spPr>
+          <a:xfrm>
+            <a:off x="9207496" y="5373914"/>
+            <a:ext cx="919999" cy="307760"/>
+          </a:xfrm>
+          <a:prstGeom prst="rect">
+            <a:avLst/>
+          </a:prstGeom>
+          <a:noFill/>
+        </p:spPr>
+        <p:txBody>
+          <a:bodyPr wrap="square" lIns="91423" tIns="45712" rIns="91423" bIns="45712" rtlCol="0">
+            <a:spAutoFit/>
+          </a:bodyPr>
+          <a:lstStyle/>
+          <a:p>
+            <a:pPr algn="ctr"/>
+            <a:r>
+              <a:rPr lang="de-DE" sz="1400" dirty="0" smtClean="0">
+                <a:solidFill>
+                  <a:srgbClr val="FF0000"/>
+                </a:solidFill>
+              </a:rPr>
+              <a:t>60mW</a:t>
+            </a:r>
+            <a:endParaRPr lang="en-GB" sz="1400" dirty="0">
+              <a:solidFill>
+                <a:srgbClr val="FF0000"/>
+              </a:solidFill>
+            </a:endParaRPr>
+          </a:p>
+        </p:txBody>
+      </p:sp>
+      <p:sp>
+        <p:nvSpPr>
+          <p:cNvPr id="35" name="TextBox 34"/>
+          <p:cNvSpPr txBox="1"/>
+          <p:nvPr/>
+        </p:nvSpPr>
+        <p:spPr>
+          <a:xfrm>
+            <a:off x="10210799" y="6812643"/>
+            <a:ext cx="812801" cy="307760"/>
+          </a:xfrm>
+          <a:prstGeom prst="rect">
+            <a:avLst/>
+          </a:prstGeom>
+          <a:noFill/>
+        </p:spPr>
+        <p:txBody>
+          <a:bodyPr wrap="square" lIns="91423" tIns="45712" rIns="91423" bIns="45712" rtlCol="0">
+            <a:spAutoFit/>
+          </a:bodyPr>
+          <a:lstStyle/>
+          <a:p>
+            <a:pPr algn="ctr"/>
+            <a:r>
+              <a:rPr lang="de-DE" sz="1400" dirty="0" smtClean="0">
+                <a:solidFill>
+                  <a:srgbClr val="FF0000"/>
+                </a:solidFill>
+              </a:rPr>
+              <a:t>710mW</a:t>
+            </a:r>
+            <a:endParaRPr lang="en-GB" sz="1400" dirty="0">
+              <a:solidFill>
+                <a:srgbClr val="FF0000"/>
+              </a:solidFill>
+            </a:endParaRPr>
+          </a:p>
+        </p:txBody>
+      </p:sp>
+      <p:sp>
+        <p:nvSpPr>
+          <p:cNvPr id="61" name="TextBox 60"/>
+          <p:cNvSpPr txBox="1"/>
+          <p:nvPr/>
+        </p:nvSpPr>
+        <p:spPr>
+          <a:xfrm>
+            <a:off x="5622442" y="3060700"/>
+            <a:ext cx="1311758" cy="307760"/>
+          </a:xfrm>
+          <a:prstGeom prst="rect">
+            <a:avLst/>
+          </a:prstGeom>
+          <a:noFill/>
+        </p:spPr>
+        <p:txBody>
+          <a:bodyPr wrap="square" lIns="91423" tIns="45712" rIns="91423" bIns="45712" rtlCol="0">
+            <a:spAutoFit/>
+          </a:bodyPr>
+          <a:lstStyle/>
+          <a:p>
+            <a:pPr algn="ctr"/>
+            <a:r>
+              <a:rPr lang="de-DE" sz="1400" dirty="0" smtClean="0">
+                <a:solidFill>
+                  <a:srgbClr val="FF0000"/>
+                </a:solidFill>
+              </a:rPr>
+              <a:t>3.3W / 1.44w </a:t>
+            </a:r>
+            <a:endParaRPr lang="en-GB" sz="1400" dirty="0">
+              <a:solidFill>
+                <a:srgbClr val="FF0000"/>
+              </a:solidFill>
+            </a:endParaRPr>
+          </a:p>
+        </p:txBody>
+      </p:sp>
+      <p:sp>
+        <p:nvSpPr>
+          <p:cNvPr id="63" name="TextBox 62"/>
+          <p:cNvSpPr txBox="1"/>
+          <p:nvPr/>
+        </p:nvSpPr>
+        <p:spPr>
+          <a:xfrm>
+            <a:off x="7524504" y="5395886"/>
+            <a:ext cx="1200395" cy="338538"/>
+          </a:xfrm>
+          <a:prstGeom prst="rect">
+            <a:avLst/>
+          </a:prstGeom>
+          <a:noFill/>
+        </p:spPr>
+        <p:txBody>
+          <a:bodyPr wrap="square" lIns="91423" tIns="45712" rIns="91423" bIns="45712" rtlCol="0">
+            <a:spAutoFit/>
+          </a:bodyPr>
+          <a:lstStyle/>
+          <a:p>
+            <a:pPr algn="ctr"/>
+            <a:r>
+              <a:rPr lang="de-DE" sz="1600" dirty="0" smtClean="0">
+                <a:solidFill>
+                  <a:srgbClr val="FF0000"/>
+                </a:solidFill>
+              </a:rPr>
+              <a:t>2mW</a:t>
+            </a:r>
+            <a:endParaRPr lang="en-GB" sz="1600" dirty="0">
+              <a:solidFill>
+                <a:srgbClr val="FF0000"/>
+              </a:solidFill>
+            </a:endParaRPr>
+          </a:p>
+        </p:txBody>
+      </p:sp>
+      <p:cxnSp>
+        <p:nvCxnSpPr>
+          <p:cNvPr id="64" name="Straight Connector 16"/>
+          <p:cNvCxnSpPr/>
+          <p:nvPr/>
+        </p:nvCxnSpPr>
+        <p:spPr>
+          <a:xfrm rot="5400000">
+            <a:off x="7204698" y="4562925"/>
+            <a:ext cx="2397333" cy="161266"/>
+          </a:xfrm>
+          <a:prstGeom prst="bentConnector3">
+            <a:avLst>
+              <a:gd name="adj1" fmla="val 99393"/>
+            </a:avLst>
+          </a:prstGeom>
+          <a:ln w="25400">
+            <a:solidFill>
+              <a:schemeClr val="tx1"/>
+            </a:solidFill>
+            <a:headEnd type="oval"/>
+            <a:tailEnd type="none"/>
+          </a:ln>
+        </p:spPr>
+        <p:style>
+          <a:lnRef idx="1">
+            <a:schemeClr val="accent1"/>
+          </a:lnRef>
+          <a:fillRef idx="0">
+            <a:schemeClr val="accent1"/>
+          </a:fillRef>
+          <a:effectRef idx="0">
+            <a:schemeClr val="accent1"/>
+          </a:effectRef>
+          <a:fontRef idx="minor">
+            <a:schemeClr val="tx1"/>
+          </a:fontRef>
+        </p:style>
+      </p:cxnSp>
+      <p:sp>
+        <p:nvSpPr>
+          <p:cNvPr id="71" name="TextBox 70"/>
+          <p:cNvSpPr txBox="1"/>
+          <p:nvPr/>
+        </p:nvSpPr>
+        <p:spPr>
+          <a:xfrm>
+            <a:off x="4922353" y="2727428"/>
+            <a:ext cx="962509" cy="307760"/>
+          </a:xfrm>
+          <a:prstGeom prst="rect">
+            <a:avLst/>
+          </a:prstGeom>
+          <a:noFill/>
+        </p:spPr>
+        <p:txBody>
+          <a:bodyPr wrap="square" lIns="91423" tIns="45712" rIns="91423" bIns="45712" rtlCol="0">
+            <a:spAutoFit/>
+          </a:bodyPr>
+          <a:lstStyle/>
+          <a:p>
+            <a:pPr algn="ctr"/>
+            <a:r>
+              <a:rPr lang="de-DE" sz="1400" dirty="0" smtClean="0">
+                <a:solidFill>
+                  <a:srgbClr val="3333FF"/>
+                </a:solidFill>
+              </a:rPr>
+              <a:t>Vd=1.2V</a:t>
+            </a:r>
+            <a:endParaRPr lang="en-GB" sz="1400" dirty="0">
+              <a:solidFill>
+                <a:srgbClr val="3333FF"/>
+              </a:solidFill>
+            </a:endParaRPr>
+          </a:p>
+        </p:txBody>
+      </p:sp>
+      <p:sp>
+        <p:nvSpPr>
+          <p:cNvPr id="72" name="TextBox 71"/>
+          <p:cNvSpPr txBox="1"/>
+          <p:nvPr/>
+        </p:nvSpPr>
+        <p:spPr>
+          <a:xfrm>
+            <a:off x="4746626" y="4032354"/>
+            <a:ext cx="1073345" cy="307760"/>
+          </a:xfrm>
+          <a:prstGeom prst="rect">
+            <a:avLst/>
+          </a:prstGeom>
+          <a:noFill/>
+        </p:spPr>
+        <p:txBody>
+          <a:bodyPr wrap="square" lIns="91423" tIns="45712" rIns="91423" bIns="45712" rtlCol="0">
+            <a:spAutoFit/>
+          </a:bodyPr>
+          <a:lstStyle/>
+          <a:p>
+            <a:pPr algn="ctr"/>
+            <a:r>
+              <a:rPr lang="de-DE" sz="1400" dirty="0" smtClean="0">
+                <a:solidFill>
+                  <a:srgbClr val="3333FF"/>
+                </a:solidFill>
+              </a:rPr>
+              <a:t>Vd=120mV</a:t>
+            </a:r>
+            <a:endParaRPr lang="en-GB" sz="1400" dirty="0">
+              <a:solidFill>
+                <a:srgbClr val="3333FF"/>
+              </a:solidFill>
+            </a:endParaRPr>
+          </a:p>
+        </p:txBody>
+      </p:sp>
+      <p:sp>
+        <p:nvSpPr>
+          <p:cNvPr id="76" name="TextBox 75"/>
+          <p:cNvSpPr txBox="1"/>
+          <p:nvPr/>
+        </p:nvSpPr>
+        <p:spPr>
+          <a:xfrm>
+            <a:off x="3974615" y="2722665"/>
+            <a:ext cx="843447" cy="307760"/>
+          </a:xfrm>
+          <a:prstGeom prst="rect">
+            <a:avLst/>
+          </a:prstGeom>
+          <a:noFill/>
+        </p:spPr>
+        <p:txBody>
+          <a:bodyPr wrap="square" lIns="91423" tIns="45712" rIns="91423" bIns="45712" rtlCol="0">
+            <a:spAutoFit/>
+          </a:bodyPr>
+          <a:lstStyle/>
+          <a:p>
+            <a:pPr algn="ctr"/>
+            <a:r>
+              <a:rPr lang="de-DE" sz="1400" dirty="0" smtClean="0">
+                <a:solidFill>
+                  <a:srgbClr val="3333FF"/>
+                </a:solidFill>
+              </a:rPr>
+              <a:t>Vi&gt;4.5V</a:t>
+            </a:r>
+            <a:endParaRPr lang="en-GB" sz="1400" dirty="0">
+              <a:solidFill>
+                <a:srgbClr val="3333FF"/>
+              </a:solidFill>
+            </a:endParaRPr>
+          </a:p>
+        </p:txBody>
+      </p:sp>
+      <p:sp>
+        <p:nvSpPr>
+          <p:cNvPr id="95" name="TextBox 94"/>
+          <p:cNvSpPr txBox="1"/>
+          <p:nvPr/>
+        </p:nvSpPr>
+        <p:spPr>
+          <a:xfrm>
+            <a:off x="1496786" y="3091543"/>
+            <a:ext cx="948602" cy="307760"/>
+          </a:xfrm>
+          <a:prstGeom prst="rect">
+            <a:avLst/>
+          </a:prstGeom>
+          <a:noFill/>
+        </p:spPr>
+        <p:txBody>
+          <a:bodyPr wrap="square" lIns="91423" tIns="45712" rIns="91423" bIns="45712" rtlCol="0">
+            <a:spAutoFit/>
+          </a:bodyPr>
+          <a:lstStyle/>
+          <a:p>
+            <a:pPr algn="ctr"/>
+            <a:r>
+              <a:rPr lang="de-DE" sz="1400" dirty="0" smtClean="0">
+                <a:solidFill>
+                  <a:srgbClr val="00B050"/>
+                </a:solidFill>
+              </a:rPr>
+              <a:t>450mA</a:t>
+            </a:r>
+            <a:endParaRPr lang="en-GB" sz="1400" dirty="0">
+              <a:solidFill>
+                <a:srgbClr val="00B050"/>
+              </a:solidFill>
+            </a:endParaRPr>
+          </a:p>
+        </p:txBody>
+      </p:sp>
+      <p:sp>
+        <p:nvSpPr>
+          <p:cNvPr id="52" name="Rectangle 51"/>
           <p:cNvSpPr/>
           <p:nvPr/>
         </p:nvSpPr>
         <p:spPr>
           <a:xfrm>
-            <a:off x="2732604" y="8064011"/>
-            <a:ext cx="561542" cy="608337"/>
-          </a:xfrm>
-          <a:prstGeom prst="plus">
-            <a:avLst>
-              <a:gd name="adj" fmla="val 41892"/>
-            </a:avLst>
+            <a:off x="11431856" y="8353256"/>
+            <a:ext cx="1102848" cy="856616"/>
+          </a:xfrm>
+          <a:prstGeom prst="rect">
+            <a:avLst/>
           </a:prstGeom>
         </p:spPr>
         <p:style>
@@ -4113,22 +4727,149 @@
           <a:lstStyle/>
           <a:p>
             <a:pPr algn="ctr"/>
-            <a:endParaRPr lang="de-DE"/>
-          </a:p>
-        </p:txBody>
-      </p:sp>
-      <p:sp>
-        <p:nvSpPr>
-          <p:cNvPr id="84" name="Oval 83"/>
+            <a:r>
+              <a:rPr lang="de-DE" sz="1200" dirty="0" smtClean="0"/>
+              <a:t>Memory</a:t>
+            </a:r>
+          </a:p>
+          <a:p>
+            <a:pPr algn="ctr"/>
+            <a:r>
+              <a:rPr lang="de-DE" sz="1200" dirty="0" smtClean="0"/>
+              <a:t>Imax=200mA</a:t>
+            </a:r>
+            <a:endParaRPr lang="de-DE" sz="1200" dirty="0"/>
+          </a:p>
+        </p:txBody>
+      </p:sp>
+      <p:cxnSp>
+        <p:nvCxnSpPr>
+          <p:cNvPr id="104" name="Straight Connector 16"/>
+          <p:cNvCxnSpPr>
+            <a:stCxn id="58" idx="0"/>
+          </p:cNvCxnSpPr>
+          <p:nvPr/>
+        </p:nvCxnSpPr>
+        <p:spPr>
+          <a:xfrm rot="16200000" flipV="1">
+            <a:off x="8240008" y="4548897"/>
+            <a:ext cx="2266428" cy="26637"/>
+          </a:xfrm>
+          <a:prstGeom prst="straightConnector1">
+            <a:avLst/>
+          </a:prstGeom>
+          <a:ln w="25400">
+            <a:solidFill>
+              <a:schemeClr val="tx1"/>
+            </a:solidFill>
+            <a:tailEnd type="oval"/>
+          </a:ln>
+        </p:spPr>
+        <p:style>
+          <a:lnRef idx="1">
+            <a:schemeClr val="accent1"/>
+          </a:lnRef>
+          <a:fillRef idx="0">
+            <a:schemeClr val="accent1"/>
+          </a:fillRef>
+          <a:effectRef idx="0">
+            <a:schemeClr val="accent1"/>
+          </a:effectRef>
+          <a:fontRef idx="minor">
+            <a:schemeClr val="tx1"/>
+          </a:fontRef>
+        </p:style>
+      </p:cxnSp>
+      <p:sp>
+        <p:nvSpPr>
+          <p:cNvPr id="108" name="TextBox 107"/>
+          <p:cNvSpPr txBox="1"/>
+          <p:nvPr/>
+        </p:nvSpPr>
+        <p:spPr>
+          <a:xfrm>
+            <a:off x="5622442" y="3492500"/>
+            <a:ext cx="1311758" cy="307760"/>
+          </a:xfrm>
+          <a:prstGeom prst="rect">
+            <a:avLst/>
+          </a:prstGeom>
+          <a:noFill/>
+        </p:spPr>
+        <p:txBody>
+          <a:bodyPr wrap="square" lIns="91423" tIns="45712" rIns="91423" bIns="45712" rtlCol="0">
+            <a:spAutoFit/>
+          </a:bodyPr>
+          <a:lstStyle/>
+          <a:p>
+            <a:pPr algn="ctr"/>
+            <a:r>
+              <a:rPr lang="de-DE" sz="1400" dirty="0" smtClean="0">
+                <a:solidFill>
+                  <a:srgbClr val="00B050"/>
+                </a:solidFill>
+              </a:rPr>
+              <a:t>1A / 450mA </a:t>
+            </a:r>
+            <a:endParaRPr lang="en-GB" sz="1400" dirty="0">
+              <a:solidFill>
+                <a:srgbClr val="00B050"/>
+              </a:solidFill>
+            </a:endParaRPr>
+          </a:p>
+        </p:txBody>
+      </p:sp>
+      <p:sp>
+        <p:nvSpPr>
+          <p:cNvPr id="111" name="TextBox 110"/>
+          <p:cNvSpPr txBox="1"/>
+          <p:nvPr/>
+        </p:nvSpPr>
+        <p:spPr>
+          <a:xfrm>
+            <a:off x="4292115" y="4589565"/>
+            <a:ext cx="843447" cy="307760"/>
+          </a:xfrm>
+          <a:prstGeom prst="rect">
+            <a:avLst/>
+          </a:prstGeom>
+          <a:noFill/>
+        </p:spPr>
+        <p:txBody>
+          <a:bodyPr wrap="square" lIns="91423" tIns="45712" rIns="91423" bIns="45712" rtlCol="0">
+            <a:spAutoFit/>
+          </a:bodyPr>
+          <a:lstStyle/>
+          <a:p>
+            <a:pPr algn="ctr"/>
+            <a:r>
+              <a:rPr lang="de-DE" sz="1400" dirty="0" smtClean="0">
+                <a:solidFill>
+                  <a:srgbClr val="3333FF"/>
+                </a:solidFill>
+              </a:rPr>
+              <a:t>Vi=5V</a:t>
+            </a:r>
+            <a:endParaRPr lang="en-GB" sz="1400" dirty="0">
+              <a:solidFill>
+                <a:srgbClr val="3333FF"/>
+              </a:solidFill>
+            </a:endParaRPr>
+          </a:p>
+        </p:txBody>
+      </p:sp>
+      <p:sp>
+        <p:nvSpPr>
+          <p:cNvPr id="50" name="Rectangle 49"/>
           <p:cNvSpPr/>
           <p:nvPr/>
         </p:nvSpPr>
         <p:spPr>
           <a:xfrm>
-            <a:off x="3507979" y="8064011"/>
-            <a:ext cx="216568" cy="234615"/>
-          </a:xfrm>
-          <a:prstGeom prst="ellipse">
+            <a:off x="11431856" y="7314228"/>
+            <a:ext cx="1102848" cy="623272"/>
+          </a:xfrm>
+          <a:prstGeom prst="rect">
             <a:avLst/>
           </a:prstGeom>
         </p:spPr>
@@ -4153,22 +4894,72 @@
           <a:lstStyle/>
           <a:p>
             <a:pPr algn="ctr"/>
-            <a:endParaRPr lang="de-DE"/>
-          </a:p>
-        </p:txBody>
-      </p:sp>
-      <p:sp>
-        <p:nvSpPr>
-          <p:cNvPr id="85" name="Oval 84"/>
+            <a:r>
+              <a:rPr lang="de-DE" sz="1200" dirty="0" smtClean="0"/>
+              <a:t>Buffer</a:t>
+            </a:r>
+          </a:p>
+          <a:p>
+            <a:pPr algn="ctr"/>
+            <a:r>
+              <a:rPr lang="en-GB" sz="1200" dirty="0" smtClean="0"/>
+              <a:t>SN74LVC125A</a:t>
+            </a:r>
+            <a:endParaRPr lang="de-DE" sz="1200" dirty="0"/>
+          </a:p>
+        </p:txBody>
+      </p:sp>
+      <p:sp>
+        <p:nvSpPr>
+          <p:cNvPr id="36" name="TextBox 35"/>
+          <p:cNvSpPr txBox="1"/>
+          <p:nvPr/>
+        </p:nvSpPr>
+        <p:spPr>
+          <a:xfrm>
+            <a:off x="11884042" y="6959600"/>
+            <a:ext cx="866758" cy="307760"/>
+          </a:xfrm>
+          <a:prstGeom prst="rect">
+            <a:avLst/>
+          </a:prstGeom>
+          <a:noFill/>
+        </p:spPr>
+        <p:txBody>
+          <a:bodyPr wrap="square" lIns="91423" tIns="45712" rIns="91423" bIns="45712" rtlCol="0">
+            <a:spAutoFit/>
+          </a:bodyPr>
+          <a:lstStyle/>
+          <a:p>
+            <a:pPr algn="ctr"/>
+            <a:r>
+              <a:rPr lang="de-DE" sz="1400" dirty="0" smtClean="0">
+                <a:solidFill>
+                  <a:srgbClr val="FF0000"/>
+                </a:solidFill>
+              </a:rPr>
+              <a:t>660mW</a:t>
+            </a:r>
+            <a:endParaRPr lang="en-GB" sz="1400" dirty="0">
+              <a:solidFill>
+                <a:srgbClr val="FF0000"/>
+              </a:solidFill>
+            </a:endParaRPr>
+          </a:p>
+        </p:txBody>
+      </p:sp>
+      <p:sp>
+        <p:nvSpPr>
+          <p:cNvPr id="66" name="Rectangle 65"/>
           <p:cNvSpPr/>
           <p:nvPr/>
         </p:nvSpPr>
         <p:spPr>
           <a:xfrm>
-            <a:off x="3509641" y="8453132"/>
-            <a:ext cx="216568" cy="234615"/>
-          </a:xfrm>
-          <a:prstGeom prst="ellipse">
+            <a:off x="448174" y="6359336"/>
+            <a:ext cx="1007190" cy="782315"/>
+          </a:xfrm>
+          <a:prstGeom prst="rect">
             <a:avLst/>
           </a:prstGeom>
         </p:spPr>
@@ -4193,20 +4984,106 @@
           <a:lstStyle/>
           <a:p>
             <a:pPr algn="ctr"/>
-            <a:endParaRPr lang="de-DE"/>
-          </a:p>
-        </p:txBody>
-      </p:sp>
-      <p:sp>
-        <p:nvSpPr>
-          <p:cNvPr id="88" name="Rectangle 87"/>
+            <a:r>
+              <a:rPr lang="de-DE" sz="1400" dirty="0" smtClean="0"/>
+              <a:t>CH340G</a:t>
+            </a:r>
+          </a:p>
+          <a:p>
+            <a:pPr algn="ctr"/>
+            <a:r>
+              <a:rPr lang="de-DE" sz="1400" dirty="0" smtClean="0"/>
+              <a:t>USB to UART</a:t>
+            </a:r>
+            <a:endParaRPr lang="de-DE" sz="1400" dirty="0"/>
+          </a:p>
+        </p:txBody>
+      </p:sp>
+      <p:cxnSp>
+        <p:nvCxnSpPr>
+          <p:cNvPr id="70" name="Straight Connector 69"/>
+          <p:cNvCxnSpPr>
+            <a:stCxn id="13" idx="2"/>
+            <a:endCxn id="66" idx="0"/>
+          </p:cNvCxnSpPr>
+          <p:nvPr/>
+        </p:nvCxnSpPr>
+        <p:spPr>
+          <a:xfrm rot="16200000" flipH="1">
+            <a:off x="-302312" y="5105254"/>
+            <a:ext cx="2498973" cy="9190"/>
+          </a:xfrm>
+          <a:prstGeom prst="line">
+            <a:avLst/>
+          </a:prstGeom>
+          <a:ln w="25400">
+            <a:solidFill>
+              <a:schemeClr val="tx1"/>
+            </a:solidFill>
+          </a:ln>
+        </p:spPr>
+        <p:style>
+          <a:lnRef idx="1">
+            <a:schemeClr val="accent1"/>
+          </a:lnRef>
+          <a:fillRef idx="0">
+            <a:schemeClr val="accent1"/>
+          </a:fillRef>
+          <a:effectRef idx="0">
+            <a:schemeClr val="accent1"/>
+          </a:effectRef>
+          <a:fontRef idx="minor">
+            <a:schemeClr val="tx1"/>
+          </a:fontRef>
+        </p:style>
+      </p:cxnSp>
+      <p:cxnSp>
+        <p:nvCxnSpPr>
+          <p:cNvPr id="80" name="Straight Connector 79"/>
+          <p:cNvCxnSpPr>
+            <a:stCxn id="66" idx="2"/>
+          </p:cNvCxnSpPr>
+          <p:nvPr/>
+        </p:nvCxnSpPr>
+        <p:spPr>
+          <a:xfrm rot="16200000" flipH="1">
+            <a:off x="2459210" y="5634210"/>
+            <a:ext cx="1367352" cy="4382234"/>
+          </a:xfrm>
+          <a:prstGeom prst="bentConnector2">
+            <a:avLst/>
+          </a:prstGeom>
+          <a:ln w="25400">
+            <a:solidFill>
+              <a:schemeClr val="tx1"/>
+            </a:solidFill>
+          </a:ln>
+        </p:spPr>
+        <p:style>
+          <a:lnRef idx="1">
+            <a:schemeClr val="accent1"/>
+          </a:lnRef>
+          <a:fillRef idx="0">
+            <a:schemeClr val="accent1"/>
+          </a:fillRef>
+          <a:effectRef idx="0">
+            <a:schemeClr val="accent1"/>
+          </a:effectRef>
+          <a:fontRef idx="minor">
+            <a:schemeClr val="tx1"/>
+          </a:fontRef>
+        </p:style>
+      </p:cxnSp>
+      <p:sp>
+        <p:nvSpPr>
+          <p:cNvPr id="91" name="Rectangle 90"/>
           <p:cNvSpPr/>
           <p:nvPr/>
         </p:nvSpPr>
         <p:spPr>
           <a:xfrm>
-            <a:off x="2729548" y="7045189"/>
-            <a:ext cx="1102848" cy="856616"/>
+            <a:off x="448174" y="7451533"/>
+            <a:ext cx="1007190" cy="782315"/>
           </a:xfrm>
           <a:prstGeom prst="rect">
             <a:avLst/>
@@ -4234,27 +5111,22 @@
           <a:p>
             <a:pPr algn="ctr"/>
             <a:r>
+              <a:rPr lang="en-GB" sz="1400" dirty="0" smtClean="0"/>
+              <a:t>PCA9306</a:t>
+            </a:r>
+          </a:p>
+          <a:p>
+            <a:pPr algn="ctr"/>
+            <a:r>
               <a:rPr lang="de-DE" sz="1400" dirty="0" smtClean="0"/>
-              <a:t>CD4014</a:t>
+              <a:t>Level</a:t>
             </a:r>
           </a:p>
           <a:p>
             <a:pPr algn="ctr"/>
             <a:r>
               <a:rPr lang="de-DE" sz="1400" dirty="0" smtClean="0"/>
-              <a:t>8-Stage </a:t>
-            </a:r>
-            <a:r>
-              <a:rPr lang="de-DE" sz="1400" dirty="0" err="1" smtClean="0"/>
-              <a:t>Shift</a:t>
-            </a:r>
-            <a:endParaRPr lang="de-DE" sz="1400" dirty="0" smtClean="0"/>
-          </a:p>
-          <a:p>
-            <a:pPr algn="ctr"/>
-            <a:r>
-              <a:rPr lang="de-DE" sz="1400" dirty="0" smtClean="0"/>
-              <a:t>Register</a:t>
+              <a:t>Shifter</a:t>
             </a:r>
             <a:endParaRPr lang="de-DE" sz="1400" dirty="0"/>
           </a:p>
@@ -4262,430 +5134,14 @@
       </p:sp>
       <p:sp>
         <p:nvSpPr>
-          <p:cNvPr id="90" name="Rectangle 89"/>
+          <p:cNvPr id="93" name="Rectangle 92"/>
           <p:cNvSpPr/>
           <p:nvPr/>
         </p:nvSpPr>
         <p:spPr>
           <a:xfrm>
-            <a:off x="2463377" y="6320740"/>
-            <a:ext cx="1441963" cy="338538"/>
-          </a:xfrm>
-          <a:prstGeom prst="rect">
-            <a:avLst/>
-          </a:prstGeom>
-        </p:spPr>
-        <p:txBody>
-          <a:bodyPr wrap="none" lIns="91423" tIns="45712" rIns="91423" bIns="45712">
-            <a:spAutoFit/>
-          </a:bodyPr>
-          <a:lstStyle/>
-          <a:p>
-            <a:pPr algn="ctr"/>
-            <a:r>
-              <a:rPr lang="de-DE" sz="1600" dirty="0" smtClean="0"/>
-              <a:t>Display Control</a:t>
-            </a:r>
-            <a:endParaRPr lang="de-DE" sz="1600" dirty="0"/>
-          </a:p>
-        </p:txBody>
-      </p:sp>
-      <p:cxnSp>
-        <p:nvCxnSpPr>
-          <p:cNvPr id="101" name="Straight Connector 100"/>
-          <p:cNvCxnSpPr/>
-          <p:nvPr/>
-        </p:nvCxnSpPr>
-        <p:spPr>
-          <a:xfrm>
-            <a:off x="4200191" y="6802982"/>
-            <a:ext cx="1102848" cy="0"/>
-          </a:xfrm>
-          <a:prstGeom prst="line">
-            <a:avLst/>
-          </a:prstGeom>
-          <a:ln w="25400">
-            <a:solidFill>
-              <a:schemeClr val="tx1"/>
-            </a:solidFill>
-          </a:ln>
-        </p:spPr>
-        <p:style>
-          <a:lnRef idx="1">
-            <a:schemeClr val="accent1"/>
-          </a:lnRef>
-          <a:fillRef idx="0">
-            <a:schemeClr val="accent1"/>
-          </a:fillRef>
-          <a:effectRef idx="0">
-            <a:schemeClr val="accent1"/>
-          </a:effectRef>
-          <a:fontRef idx="minor">
-            <a:schemeClr val="tx1"/>
-          </a:fontRef>
-        </p:style>
-      </p:cxnSp>
-      <p:sp>
-        <p:nvSpPr>
-          <p:cNvPr id="34" name="TextBox 33"/>
-          <p:cNvSpPr txBox="1"/>
-          <p:nvPr/>
-        </p:nvSpPr>
-        <p:spPr>
-          <a:xfrm>
-            <a:off x="9207496" y="5373914"/>
-            <a:ext cx="919999" cy="307760"/>
-          </a:xfrm>
-          <a:prstGeom prst="rect">
-            <a:avLst/>
-          </a:prstGeom>
-          <a:noFill/>
-        </p:spPr>
-        <p:txBody>
-          <a:bodyPr wrap="square" lIns="91423" tIns="45712" rIns="91423" bIns="45712" rtlCol="0">
-            <a:spAutoFit/>
-          </a:bodyPr>
-          <a:lstStyle/>
-          <a:p>
-            <a:pPr algn="ctr"/>
-            <a:r>
-              <a:rPr lang="de-DE" sz="1400" dirty="0" smtClean="0">
-                <a:solidFill>
-                  <a:srgbClr val="FF0000"/>
-                </a:solidFill>
-              </a:rPr>
-              <a:t>60mW</a:t>
-            </a:r>
-            <a:endParaRPr lang="en-GB" sz="1400" dirty="0">
-              <a:solidFill>
-                <a:srgbClr val="FF0000"/>
-              </a:solidFill>
-            </a:endParaRPr>
-          </a:p>
-        </p:txBody>
-      </p:sp>
-      <p:sp>
-        <p:nvSpPr>
-          <p:cNvPr id="35" name="TextBox 34"/>
-          <p:cNvSpPr txBox="1"/>
-          <p:nvPr/>
-        </p:nvSpPr>
-        <p:spPr>
-          <a:xfrm>
-            <a:off x="10210799" y="6812643"/>
-            <a:ext cx="812801" cy="307760"/>
-          </a:xfrm>
-          <a:prstGeom prst="rect">
-            <a:avLst/>
-          </a:prstGeom>
-          <a:noFill/>
-        </p:spPr>
-        <p:txBody>
-          <a:bodyPr wrap="square" lIns="91423" tIns="45712" rIns="91423" bIns="45712" rtlCol="0">
-            <a:spAutoFit/>
-          </a:bodyPr>
-          <a:lstStyle/>
-          <a:p>
-            <a:pPr algn="ctr"/>
-            <a:r>
-              <a:rPr lang="de-DE" sz="1400" dirty="0" smtClean="0">
-                <a:solidFill>
-                  <a:srgbClr val="FF0000"/>
-                </a:solidFill>
-              </a:rPr>
-              <a:t>710mW</a:t>
-            </a:r>
-            <a:endParaRPr lang="en-GB" sz="1400" dirty="0">
-              <a:solidFill>
-                <a:srgbClr val="FF0000"/>
-              </a:solidFill>
-            </a:endParaRPr>
-          </a:p>
-        </p:txBody>
-      </p:sp>
-      <p:sp>
-        <p:nvSpPr>
-          <p:cNvPr id="61" name="TextBox 60"/>
-          <p:cNvSpPr txBox="1"/>
-          <p:nvPr/>
-        </p:nvSpPr>
-        <p:spPr>
-          <a:xfrm>
-            <a:off x="5622442" y="3060700"/>
-            <a:ext cx="1311758" cy="307760"/>
-          </a:xfrm>
-          <a:prstGeom prst="rect">
-            <a:avLst/>
-          </a:prstGeom>
-          <a:noFill/>
-        </p:spPr>
-        <p:txBody>
-          <a:bodyPr wrap="square" lIns="91423" tIns="45712" rIns="91423" bIns="45712" rtlCol="0">
-            <a:spAutoFit/>
-          </a:bodyPr>
-          <a:lstStyle/>
-          <a:p>
-            <a:pPr algn="ctr"/>
-            <a:r>
-              <a:rPr lang="de-DE" sz="1400" dirty="0" smtClean="0">
-                <a:solidFill>
-                  <a:srgbClr val="FF0000"/>
-                </a:solidFill>
-              </a:rPr>
-              <a:t>3.3W / 1.44w </a:t>
-            </a:r>
-            <a:endParaRPr lang="en-GB" sz="1400" dirty="0">
-              <a:solidFill>
-                <a:srgbClr val="FF0000"/>
-              </a:solidFill>
-            </a:endParaRPr>
-          </a:p>
-        </p:txBody>
-      </p:sp>
-      <p:sp>
-        <p:nvSpPr>
-          <p:cNvPr id="63" name="TextBox 62"/>
-          <p:cNvSpPr txBox="1"/>
-          <p:nvPr/>
-        </p:nvSpPr>
-        <p:spPr>
-          <a:xfrm>
-            <a:off x="7524504" y="5395886"/>
-            <a:ext cx="1200395" cy="338538"/>
-          </a:xfrm>
-          <a:prstGeom prst="rect">
-            <a:avLst/>
-          </a:prstGeom>
-          <a:noFill/>
-        </p:spPr>
-        <p:txBody>
-          <a:bodyPr wrap="square" lIns="91423" tIns="45712" rIns="91423" bIns="45712" rtlCol="0">
-            <a:spAutoFit/>
-          </a:bodyPr>
-          <a:lstStyle/>
-          <a:p>
-            <a:pPr algn="ctr"/>
-            <a:r>
-              <a:rPr lang="de-DE" sz="1600" dirty="0" smtClean="0">
-                <a:solidFill>
-                  <a:srgbClr val="FF0000"/>
-                </a:solidFill>
-              </a:rPr>
-              <a:t>2mW</a:t>
-            </a:r>
-            <a:endParaRPr lang="en-GB" sz="1600" dirty="0">
-              <a:solidFill>
-                <a:srgbClr val="FF0000"/>
-              </a:solidFill>
-            </a:endParaRPr>
-          </a:p>
-        </p:txBody>
-      </p:sp>
-      <p:cxnSp>
-        <p:nvCxnSpPr>
-          <p:cNvPr id="64" name="Straight Connector 16"/>
-          <p:cNvCxnSpPr/>
-          <p:nvPr/>
-        </p:nvCxnSpPr>
-        <p:spPr>
-          <a:xfrm rot="5400000">
-            <a:off x="7204698" y="4562925"/>
-            <a:ext cx="2397333" cy="161266"/>
-          </a:xfrm>
-          <a:prstGeom prst="bentConnector3">
-            <a:avLst>
-              <a:gd name="adj1" fmla="val 99393"/>
-            </a:avLst>
-          </a:prstGeom>
-          <a:ln w="25400">
-            <a:solidFill>
-              <a:schemeClr val="tx1"/>
-            </a:solidFill>
-            <a:headEnd type="oval"/>
-            <a:tailEnd type="none"/>
-          </a:ln>
-        </p:spPr>
-        <p:style>
-          <a:lnRef idx="1">
-            <a:schemeClr val="accent1"/>
-          </a:lnRef>
-          <a:fillRef idx="0">
-            <a:schemeClr val="accent1"/>
-          </a:fillRef>
-          <a:effectRef idx="0">
-            <a:schemeClr val="accent1"/>
-          </a:effectRef>
-          <a:fontRef idx="minor">
-            <a:schemeClr val="tx1"/>
-          </a:fontRef>
-        </p:style>
-      </p:cxnSp>
-      <p:sp>
-        <p:nvSpPr>
-          <p:cNvPr id="71" name="TextBox 70"/>
-          <p:cNvSpPr txBox="1"/>
-          <p:nvPr/>
-        </p:nvSpPr>
-        <p:spPr>
-          <a:xfrm>
-            <a:off x="4922353" y="2727428"/>
-            <a:ext cx="962509" cy="307760"/>
-          </a:xfrm>
-          <a:prstGeom prst="rect">
-            <a:avLst/>
-          </a:prstGeom>
-          <a:noFill/>
-        </p:spPr>
-        <p:txBody>
-          <a:bodyPr wrap="square" lIns="91423" tIns="45712" rIns="91423" bIns="45712" rtlCol="0">
-            <a:spAutoFit/>
-          </a:bodyPr>
-          <a:lstStyle/>
-          <a:p>
-            <a:pPr algn="ctr"/>
-            <a:r>
-              <a:rPr lang="de-DE" sz="1400" dirty="0" smtClean="0">
-                <a:solidFill>
-                  <a:srgbClr val="3333FF"/>
-                </a:solidFill>
-              </a:rPr>
-              <a:t>Vd=1.2V</a:t>
-            </a:r>
-            <a:endParaRPr lang="en-GB" sz="1400" dirty="0">
-              <a:solidFill>
-                <a:srgbClr val="3333FF"/>
-              </a:solidFill>
-            </a:endParaRPr>
-          </a:p>
-        </p:txBody>
-      </p:sp>
-      <p:sp>
-        <p:nvSpPr>
-          <p:cNvPr id="72" name="TextBox 71"/>
-          <p:cNvSpPr txBox="1"/>
-          <p:nvPr/>
-        </p:nvSpPr>
-        <p:spPr>
-          <a:xfrm>
-            <a:off x="4746626" y="4032354"/>
-            <a:ext cx="1073345" cy="307760"/>
-          </a:xfrm>
-          <a:prstGeom prst="rect">
-            <a:avLst/>
-          </a:prstGeom>
-          <a:noFill/>
-        </p:spPr>
-        <p:txBody>
-          <a:bodyPr wrap="square" lIns="91423" tIns="45712" rIns="91423" bIns="45712" rtlCol="0">
-            <a:spAutoFit/>
-          </a:bodyPr>
-          <a:lstStyle/>
-          <a:p>
-            <a:pPr algn="ctr"/>
-            <a:r>
-              <a:rPr lang="de-DE" sz="1400" dirty="0" smtClean="0">
-                <a:solidFill>
-                  <a:srgbClr val="3333FF"/>
-                </a:solidFill>
-              </a:rPr>
-              <a:t>Vd=120mV</a:t>
-            </a:r>
-            <a:endParaRPr lang="en-GB" sz="1400" dirty="0">
-              <a:solidFill>
-                <a:srgbClr val="3333FF"/>
-              </a:solidFill>
-            </a:endParaRPr>
-          </a:p>
-        </p:txBody>
-      </p:sp>
-      <p:sp>
-        <p:nvSpPr>
-          <p:cNvPr id="76" name="TextBox 75"/>
-          <p:cNvSpPr txBox="1"/>
-          <p:nvPr/>
-        </p:nvSpPr>
-        <p:spPr>
-          <a:xfrm>
-            <a:off x="3974615" y="2722665"/>
-            <a:ext cx="843447" cy="307760"/>
-          </a:xfrm>
-          <a:prstGeom prst="rect">
-            <a:avLst/>
-          </a:prstGeom>
-          <a:noFill/>
-        </p:spPr>
-        <p:txBody>
-          <a:bodyPr wrap="square" lIns="91423" tIns="45712" rIns="91423" bIns="45712" rtlCol="0">
-            <a:spAutoFit/>
-          </a:bodyPr>
-          <a:lstStyle/>
-          <a:p>
-            <a:pPr algn="ctr"/>
-            <a:r>
-              <a:rPr lang="de-DE" sz="1400" dirty="0" smtClean="0">
-                <a:solidFill>
-                  <a:srgbClr val="3333FF"/>
-                </a:solidFill>
-              </a:rPr>
-              <a:t>Vi&gt;4.5V</a:t>
-            </a:r>
-            <a:endParaRPr lang="en-GB" sz="1400" dirty="0">
-              <a:solidFill>
-                <a:srgbClr val="3333FF"/>
-              </a:solidFill>
-            </a:endParaRPr>
-          </a:p>
-        </p:txBody>
-      </p:sp>
-      <p:sp>
-        <p:nvSpPr>
-          <p:cNvPr id="95" name="TextBox 94"/>
-          <p:cNvSpPr txBox="1"/>
-          <p:nvPr/>
-        </p:nvSpPr>
-        <p:spPr>
-          <a:xfrm>
-            <a:off x="1496786" y="3091543"/>
-            <a:ext cx="948602" cy="307760"/>
-          </a:xfrm>
-          <a:prstGeom prst="rect">
-            <a:avLst/>
-          </a:prstGeom>
-          <a:noFill/>
-        </p:spPr>
-        <p:txBody>
-          <a:bodyPr wrap="square" lIns="91423" tIns="45712" rIns="91423" bIns="45712" rtlCol="0">
-            <a:spAutoFit/>
-          </a:bodyPr>
-          <a:lstStyle/>
-          <a:p>
-            <a:pPr algn="ctr"/>
-            <a:r>
-              <a:rPr lang="de-DE" sz="1400" dirty="0" smtClean="0">
-                <a:solidFill>
-                  <a:srgbClr val="00B050"/>
-                </a:solidFill>
-              </a:rPr>
-              <a:t>450mA</a:t>
-            </a:r>
-            <a:endParaRPr lang="en-GB" sz="1400" dirty="0">
-              <a:solidFill>
-                <a:srgbClr val="00B050"/>
-              </a:solidFill>
-            </a:endParaRPr>
-          </a:p>
-        </p:txBody>
-      </p:sp>
-      <p:sp>
-        <p:nvSpPr>
-          <p:cNvPr id="52" name="Rectangle 51"/>
-          <p:cNvSpPr/>
-          <p:nvPr/>
-        </p:nvSpPr>
-        <p:spPr>
-          <a:xfrm>
-            <a:off x="11431856" y="8353256"/>
-            <a:ext cx="1102848" cy="856616"/>
+            <a:off x="8878960" y="4089400"/>
+            <a:ext cx="938140" cy="850900"/>
           </a:xfrm>
           <a:prstGeom prst="rect">
             <a:avLst/>
@@ -4714,145 +5170,36 @@
             <a:pPr algn="ctr"/>
             <a:r>
               <a:rPr lang="de-DE" sz="1200" dirty="0" smtClean="0"/>
-              <a:t>Memory</a:t>
+              <a:t>Jumper</a:t>
             </a:r>
           </a:p>
           <a:p>
             <a:pPr algn="ctr"/>
             <a:r>
               <a:rPr lang="de-DE" sz="1200" dirty="0" smtClean="0"/>
-              <a:t>Imax=200mA</a:t>
+              <a:t>For  USB</a:t>
+            </a:r>
+          </a:p>
+          <a:p>
+            <a:pPr algn="ctr"/>
+            <a:r>
+              <a:rPr lang="de-DE" sz="1200" dirty="0" smtClean="0"/>
+              <a:t>Program</a:t>
             </a:r>
             <a:endParaRPr lang="de-DE" sz="1200" dirty="0"/>
           </a:p>
         </p:txBody>
       </p:sp>
-      <p:cxnSp>
-        <p:nvCxnSpPr>
-          <p:cNvPr id="104" name="Straight Connector 16"/>
-          <p:cNvCxnSpPr>
-            <a:stCxn id="58" idx="0"/>
-          </p:cNvCxnSpPr>
-          <p:nvPr/>
-        </p:nvCxnSpPr>
-        <p:spPr>
-          <a:xfrm rot="16200000" flipV="1">
-            <a:off x="8240008" y="4548897"/>
-            <a:ext cx="2266428" cy="26637"/>
-          </a:xfrm>
-          <a:prstGeom prst="straightConnector1">
-            <a:avLst/>
-          </a:prstGeom>
-          <a:ln w="25400">
-            <a:solidFill>
-              <a:schemeClr val="tx1"/>
-            </a:solidFill>
-            <a:tailEnd type="oval"/>
-          </a:ln>
-        </p:spPr>
-        <p:style>
-          <a:lnRef idx="1">
-            <a:schemeClr val="accent1"/>
-          </a:lnRef>
-          <a:fillRef idx="0">
-            <a:schemeClr val="accent1"/>
-          </a:fillRef>
-          <a:effectRef idx="0">
-            <a:schemeClr val="accent1"/>
-          </a:effectRef>
-          <a:fontRef idx="minor">
-            <a:schemeClr val="tx1"/>
-          </a:fontRef>
-        </p:style>
-      </p:cxnSp>
-      <p:sp>
-        <p:nvSpPr>
-          <p:cNvPr id="108" name="TextBox 107"/>
-          <p:cNvSpPr txBox="1"/>
-          <p:nvPr/>
-        </p:nvSpPr>
-        <p:spPr>
-          <a:xfrm>
-            <a:off x="5622442" y="3492500"/>
-            <a:ext cx="1311758" cy="307760"/>
-          </a:xfrm>
-          <a:prstGeom prst="rect">
-            <a:avLst/>
-          </a:prstGeom>
-          <a:noFill/>
-        </p:spPr>
-        <p:txBody>
-          <a:bodyPr wrap="square" lIns="91423" tIns="45712" rIns="91423" bIns="45712" rtlCol="0">
-            <a:spAutoFit/>
-          </a:bodyPr>
-          <a:lstStyle/>
-          <a:p>
-            <a:pPr algn="ctr"/>
-            <a:r>
-              <a:rPr lang="de-DE" sz="1400" dirty="0" smtClean="0">
-                <a:solidFill>
-                  <a:srgbClr val="00B050"/>
-                </a:solidFill>
-              </a:rPr>
-              <a:t>1A / 450mA </a:t>
-            </a:r>
-            <a:endParaRPr lang="en-GB" sz="1400" dirty="0">
-              <a:solidFill>
-                <a:srgbClr val="00B050"/>
-              </a:solidFill>
-            </a:endParaRPr>
-          </a:p>
-        </p:txBody>
-      </p:sp>
-      <p:sp>
-        <p:nvSpPr>
-          <p:cNvPr id="111" name="TextBox 110"/>
-          <p:cNvSpPr txBox="1"/>
-          <p:nvPr/>
-        </p:nvSpPr>
-        <p:spPr>
-          <a:xfrm>
-            <a:off x="4292115" y="4589565"/>
-            <a:ext cx="843447" cy="307760"/>
-          </a:xfrm>
-          <a:prstGeom prst="rect">
-            <a:avLst/>
-          </a:prstGeom>
-          <a:noFill/>
-        </p:spPr>
-        <p:txBody>
-          <a:bodyPr wrap="square" lIns="91423" tIns="45712" rIns="91423" bIns="45712" rtlCol="0">
-            <a:spAutoFit/>
-          </a:bodyPr>
-          <a:lstStyle/>
-          <a:p>
-            <a:pPr algn="ctr"/>
-            <a:r>
-              <a:rPr lang="de-DE" sz="1400" dirty="0" smtClean="0">
-                <a:solidFill>
-                  <a:srgbClr val="3333FF"/>
-                </a:solidFill>
-              </a:rPr>
-              <a:t>Vi=5V</a:t>
-            </a:r>
-            <a:endParaRPr lang="en-GB" sz="1400" dirty="0">
-              <a:solidFill>
-                <a:srgbClr val="3333FF"/>
-              </a:solidFill>
-            </a:endParaRPr>
-          </a:p>
-        </p:txBody>
-      </p:sp>
-      <p:sp>
-        <p:nvSpPr>
-          <p:cNvPr id="96" name="Rectangle 95"/>
+      <p:sp>
+        <p:nvSpPr>
+          <p:cNvPr id="94" name="Rectangle 93"/>
           <p:cNvSpPr/>
           <p:nvPr/>
         </p:nvSpPr>
         <p:spPr>
           <a:xfrm>
-            <a:off x="10568256" y="5737056"/>
-            <a:ext cx="1102848" cy="856616"/>
+            <a:off x="9894960" y="4089400"/>
+            <a:ext cx="938140" cy="850900"/>
           </a:xfrm>
           <a:prstGeom prst="rect">
             <a:avLst/>
@@ -4881,14 +5228,21 @@
             <a:pPr algn="ctr"/>
             <a:r>
               <a:rPr lang="de-DE" sz="1200" dirty="0" smtClean="0"/>
-              <a:t>Memory</a:t>
+              <a:t>Jumper</a:t>
             </a:r>
           </a:p>
           <a:p>
             <a:pPr algn="ctr"/>
             <a:r>
               <a:rPr lang="de-DE" sz="1200" dirty="0" smtClean="0"/>
-              <a:t>Imax=200mA</a:t>
+              <a:t>For  USB</a:t>
+            </a:r>
+          </a:p>
+          <a:p>
+            <a:pPr algn="ctr"/>
+            <a:r>
+              <a:rPr lang="de-DE" sz="1200" dirty="0" smtClean="0"/>
+              <a:t>Program</a:t>
             </a:r>
             <a:endParaRPr lang="de-DE" sz="1200" dirty="0"/>
           </a:p>
@@ -4896,14 +5250,14 @@
       </p:sp>
       <p:sp>
         <p:nvSpPr>
-          <p:cNvPr id="50" name="Rectangle 49"/>
+          <p:cNvPr id="97" name="Rectangle 96"/>
           <p:cNvSpPr/>
           <p:nvPr/>
         </p:nvSpPr>
         <p:spPr>
           <a:xfrm>
-            <a:off x="11431856" y="7314228"/>
-            <a:ext cx="1102848" cy="623272"/>
+            <a:off x="11482460" y="4089400"/>
+            <a:ext cx="938140" cy="850900"/>
           </a:xfrm>
           <a:prstGeom prst="rect">
             <a:avLst/>
@@ -4932,62 +5286,30 @@
             <a:pPr algn="ctr"/>
             <a:r>
               <a:rPr lang="de-DE" sz="1200" dirty="0" smtClean="0"/>
-              <a:t>Buffer</a:t>
-            </a:r>
-          </a:p>
-          <a:p>
-            <a:pPr algn="ctr"/>
-            <a:r>
-              <a:rPr lang="en-GB" sz="1200" dirty="0" smtClean="0"/>
-              <a:t>SN74LVC125A</a:t>
+              <a:t>Jumper</a:t>
+            </a:r>
+          </a:p>
+          <a:p>
+            <a:pPr algn="ctr"/>
+            <a:r>
+              <a:rPr lang="de-DE" sz="1200" dirty="0" smtClean="0"/>
+              <a:t>For  USB</a:t>
+            </a:r>
+          </a:p>
+          <a:p>
+            <a:pPr algn="ctr"/>
+            <a:r>
+              <a:rPr lang="de-DE" sz="1200" dirty="0" smtClean="0"/>
+              <a:t>Program</a:t>
             </a:r>
             <a:endParaRPr lang="de-DE" sz="1200" dirty="0"/>
-          </a:p>
-        </p:txBody>
-      </p:sp>
-      <p:sp>
-        <p:nvSpPr>
-          <p:cNvPr id="36" name="TextBox 35"/>
-          <p:cNvSpPr txBox="1"/>
-          <p:nvPr/>
-        </p:nvSpPr>
-        <p:spPr>
-          <a:xfrm>
-            <a:off x="11884042" y="6959600"/>
-            <a:ext cx="866758" cy="307760"/>
-          </a:xfrm>
-          <a:prstGeom prst="rect">
-            <a:avLst/>
-          </a:prstGeom>
-          <a:noFill/>
-        </p:spPr>
-        <p:txBody>
-          <a:bodyPr wrap="square" lIns="91423" tIns="45712" rIns="91423" bIns="45712" rtlCol="0">
-            <a:spAutoFit/>
-          </a:bodyPr>
-          <a:lstStyle/>
-          <a:p>
-            <a:pPr algn="ctr"/>
-            <a:r>
-              <a:rPr lang="de-DE" sz="1400" dirty="0" smtClean="0">
-                <a:solidFill>
-                  <a:srgbClr val="FF0000"/>
-                </a:solidFill>
-              </a:rPr>
-              <a:t>660mW</a:t>
-            </a:r>
-            <a:endParaRPr lang="en-GB" sz="1400" dirty="0">
-              <a:solidFill>
-                <a:srgbClr val="FF0000"/>
-              </a:solidFill>
-            </a:endParaRPr>
           </a:p>
         </p:txBody>
       </p:sp>
     </p:spTree>
     <p:extLst>
       <p:ext uri="{BB962C8B-B14F-4D97-AF65-F5344CB8AC3E}">
-        <p14:creationId xmlns:p14="http://schemas.microsoft.com/office/powerpoint/2010/main" xmlns="" val="501831016"/>
+        <p14:creationId xmlns="" xmlns:p14="http://schemas.microsoft.com/office/powerpoint/2010/main" val="501831016"/>
       </p:ext>
     </p:extLst>
   </p:cSld>
@@ -6969,7 +7291,7 @@
     </p:spTree>
     <p:extLst>
       <p:ext uri="{BB962C8B-B14F-4D97-AF65-F5344CB8AC3E}">
-        <p14:creationId xmlns:p14="http://schemas.microsoft.com/office/powerpoint/2010/main" xmlns="" val="501831016"/>
+        <p14:creationId xmlns="" xmlns:p14="http://schemas.microsoft.com/office/powerpoint/2010/main" val="501831016"/>
       </p:ext>
     </p:extLst>
   </p:cSld>
@@ -7241,7 +7563,7 @@
   <a:extraClrSchemeLst/>
   <a:extLst>
     <a:ext uri="{05A4C25C-085E-4340-85A3-A5531E510DB2}">
-      <thm15:themeFamily xmlns:thm15="http://schemas.microsoft.com/office/thememl/2012/main" xmlns="" name="Office Theme" id="{62F939B6-93AF-4DB8-9C6B-D6C7DFDC589F}" vid="{4A3C46E8-61CC-4603-A589-7422A47A8E4A}"/>
+      <thm15:themeFamily xmlns="" xmlns:thm15="http://schemas.microsoft.com/office/thememl/2012/main" name="Office Theme" id="{62F939B6-93AF-4DB8-9C6B-D6C7DFDC589F}" vid="{4A3C46E8-61CC-4603-A589-7422A47A8E4A}"/>
     </a:ext>
   </a:extLst>
 </a:theme>

--- a/Projects/CameraSystem/Docs/Block_Diagram.pptx
+++ b/Projects/CameraSystem/Docs/Block_Diagram.pptx
@@ -105,6 +105,22 @@
       </a:defRPr>
     </a:lvl9pPr>
   </p:defaultTextStyle>
+  <p:extLst>
+    <p:ext uri="{EFAFB233-063F-42B5-8137-9DF3F51BA10A}">
+      <p15:sldGuideLst xmlns:p15="http://schemas.microsoft.com/office/powerpoint/2012/main">
+        <p15:guide id="1" orient="horz" pos="3024">
+          <p15:clr>
+            <a:srgbClr val="A4A3A4"/>
+          </p15:clr>
+        </p15:guide>
+        <p15:guide id="2" pos="4032">
+          <p15:clr>
+            <a:srgbClr val="A4A3A4"/>
+          </p15:clr>
+        </p15:guide>
+      </p15:sldGuideLst>
+    </p:ext>
+  </p:extLst>
 </p:presentation>
 </file>
 
@@ -240,7 +256,7 @@
             <a:fld id="{B1816B0C-7247-44DD-BCB7-DAF5E546C78B}" type="datetimeFigureOut">
               <a:rPr lang="de-DE" smtClean="0"/>
               <a:pPr/>
-              <a:t>03.10.2018</a:t>
+              <a:t>04.10.2018</a:t>
             </a:fld>
             <a:endParaRPr lang="de-DE"/>
           </a:p>
@@ -283,7 +299,7 @@
             <a:fld id="{4DE28FB9-0510-47D8-A3D4-85FD7A605EA3}" type="slidenum">
               <a:rPr lang="de-DE" smtClean="0"/>
               <a:pPr/>
-              <a:t>‹#›</a:t>
+              <a:t>‹Nr.›</a:t>
             </a:fld>
             <a:endParaRPr lang="de-DE"/>
           </a:p>
@@ -292,7 +308,7 @@
     </p:spTree>
     <p:extLst>
       <p:ext uri="{BB962C8B-B14F-4D97-AF65-F5344CB8AC3E}">
-        <p14:creationId xmlns="" xmlns:p14="http://schemas.microsoft.com/office/powerpoint/2010/main" val="4183135021"/>
+        <p14:creationId xmlns:p14="http://schemas.microsoft.com/office/powerpoint/2010/main" val="4183135021"/>
       </p:ext>
     </p:extLst>
   </p:cSld>
@@ -412,7 +428,7 @@
             <a:fld id="{B1816B0C-7247-44DD-BCB7-DAF5E546C78B}" type="datetimeFigureOut">
               <a:rPr lang="de-DE" smtClean="0"/>
               <a:pPr/>
-              <a:t>03.10.2018</a:t>
+              <a:t>04.10.2018</a:t>
             </a:fld>
             <a:endParaRPr lang="de-DE"/>
           </a:p>
@@ -455,7 +471,7 @@
             <a:fld id="{4DE28FB9-0510-47D8-A3D4-85FD7A605EA3}" type="slidenum">
               <a:rPr lang="de-DE" smtClean="0"/>
               <a:pPr/>
-              <a:t>‹#›</a:t>
+              <a:t>‹Nr.›</a:t>
             </a:fld>
             <a:endParaRPr lang="de-DE"/>
           </a:p>
@@ -464,7 +480,7 @@
     </p:spTree>
     <p:extLst>
       <p:ext uri="{BB962C8B-B14F-4D97-AF65-F5344CB8AC3E}">
-        <p14:creationId xmlns="" xmlns:p14="http://schemas.microsoft.com/office/powerpoint/2010/main" val="634728941"/>
+        <p14:creationId xmlns:p14="http://schemas.microsoft.com/office/powerpoint/2010/main" val="634728941"/>
       </p:ext>
     </p:extLst>
   </p:cSld>
@@ -594,7 +610,7 @@
             <a:fld id="{B1816B0C-7247-44DD-BCB7-DAF5E546C78B}" type="datetimeFigureOut">
               <a:rPr lang="de-DE" smtClean="0"/>
               <a:pPr/>
-              <a:t>03.10.2018</a:t>
+              <a:t>04.10.2018</a:t>
             </a:fld>
             <a:endParaRPr lang="de-DE"/>
           </a:p>
@@ -637,7 +653,7 @@
             <a:fld id="{4DE28FB9-0510-47D8-A3D4-85FD7A605EA3}" type="slidenum">
               <a:rPr lang="de-DE" smtClean="0"/>
               <a:pPr/>
-              <a:t>‹#›</a:t>
+              <a:t>‹Nr.›</a:t>
             </a:fld>
             <a:endParaRPr lang="de-DE"/>
           </a:p>
@@ -646,7 +662,7 @@
     </p:spTree>
     <p:extLst>
       <p:ext uri="{BB962C8B-B14F-4D97-AF65-F5344CB8AC3E}">
-        <p14:creationId xmlns="" xmlns:p14="http://schemas.microsoft.com/office/powerpoint/2010/main" val="2163732138"/>
+        <p14:creationId xmlns:p14="http://schemas.microsoft.com/office/powerpoint/2010/main" val="2163732138"/>
       </p:ext>
     </p:extLst>
   </p:cSld>
@@ -766,7 +782,7 @@
             <a:fld id="{B1816B0C-7247-44DD-BCB7-DAF5E546C78B}" type="datetimeFigureOut">
               <a:rPr lang="de-DE" smtClean="0"/>
               <a:pPr/>
-              <a:t>03.10.2018</a:t>
+              <a:t>04.10.2018</a:t>
             </a:fld>
             <a:endParaRPr lang="de-DE"/>
           </a:p>
@@ -809,7 +825,7 @@
             <a:fld id="{4DE28FB9-0510-47D8-A3D4-85FD7A605EA3}" type="slidenum">
               <a:rPr lang="de-DE" smtClean="0"/>
               <a:pPr/>
-              <a:t>‹#›</a:t>
+              <a:t>‹Nr.›</a:t>
             </a:fld>
             <a:endParaRPr lang="de-DE"/>
           </a:p>
@@ -818,7 +834,7 @@
     </p:spTree>
     <p:extLst>
       <p:ext uri="{BB962C8B-B14F-4D97-AF65-F5344CB8AC3E}">
-        <p14:creationId xmlns="" xmlns:p14="http://schemas.microsoft.com/office/powerpoint/2010/main" val="815330753"/>
+        <p14:creationId xmlns:p14="http://schemas.microsoft.com/office/powerpoint/2010/main" val="815330753"/>
       </p:ext>
     </p:extLst>
   </p:cSld>
@@ -1012,7 +1028,7 @@
             <a:fld id="{B1816B0C-7247-44DD-BCB7-DAF5E546C78B}" type="datetimeFigureOut">
               <a:rPr lang="de-DE" smtClean="0"/>
               <a:pPr/>
-              <a:t>03.10.2018</a:t>
+              <a:t>04.10.2018</a:t>
             </a:fld>
             <a:endParaRPr lang="de-DE"/>
           </a:p>
@@ -1055,7 +1071,7 @@
             <a:fld id="{4DE28FB9-0510-47D8-A3D4-85FD7A605EA3}" type="slidenum">
               <a:rPr lang="de-DE" smtClean="0"/>
               <a:pPr/>
-              <a:t>‹#›</a:t>
+              <a:t>‹Nr.›</a:t>
             </a:fld>
             <a:endParaRPr lang="de-DE"/>
           </a:p>
@@ -1064,7 +1080,7 @@
     </p:spTree>
     <p:extLst>
       <p:ext uri="{BB962C8B-B14F-4D97-AF65-F5344CB8AC3E}">
-        <p14:creationId xmlns="" xmlns:p14="http://schemas.microsoft.com/office/powerpoint/2010/main" val="2365557286"/>
+        <p14:creationId xmlns:p14="http://schemas.microsoft.com/office/powerpoint/2010/main" val="2365557286"/>
       </p:ext>
     </p:extLst>
   </p:cSld>
@@ -1246,7 +1262,7 @@
             <a:fld id="{B1816B0C-7247-44DD-BCB7-DAF5E546C78B}" type="datetimeFigureOut">
               <a:rPr lang="de-DE" smtClean="0"/>
               <a:pPr/>
-              <a:t>03.10.2018</a:t>
+              <a:t>04.10.2018</a:t>
             </a:fld>
             <a:endParaRPr lang="de-DE"/>
           </a:p>
@@ -1289,7 +1305,7 @@
             <a:fld id="{4DE28FB9-0510-47D8-A3D4-85FD7A605EA3}" type="slidenum">
               <a:rPr lang="de-DE" smtClean="0"/>
               <a:pPr/>
-              <a:t>‹#›</a:t>
+              <a:t>‹Nr.›</a:t>
             </a:fld>
             <a:endParaRPr lang="de-DE"/>
           </a:p>
@@ -1298,7 +1314,7 @@
     </p:spTree>
     <p:extLst>
       <p:ext uri="{BB962C8B-B14F-4D97-AF65-F5344CB8AC3E}">
-        <p14:creationId xmlns="" xmlns:p14="http://schemas.microsoft.com/office/powerpoint/2010/main" val="1503624474"/>
+        <p14:creationId xmlns:p14="http://schemas.microsoft.com/office/powerpoint/2010/main" val="1503624474"/>
       </p:ext>
     </p:extLst>
   </p:cSld>
@@ -1615,7 +1631,7 @@
             <a:fld id="{B1816B0C-7247-44DD-BCB7-DAF5E546C78B}" type="datetimeFigureOut">
               <a:rPr lang="de-DE" smtClean="0"/>
               <a:pPr/>
-              <a:t>03.10.2018</a:t>
+              <a:t>04.10.2018</a:t>
             </a:fld>
             <a:endParaRPr lang="de-DE"/>
           </a:p>
@@ -1658,7 +1674,7 @@
             <a:fld id="{4DE28FB9-0510-47D8-A3D4-85FD7A605EA3}" type="slidenum">
               <a:rPr lang="de-DE" smtClean="0"/>
               <a:pPr/>
-              <a:t>‹#›</a:t>
+              <a:t>‹Nr.›</a:t>
             </a:fld>
             <a:endParaRPr lang="de-DE"/>
           </a:p>
@@ -1667,7 +1683,7 @@
     </p:spTree>
     <p:extLst>
       <p:ext uri="{BB962C8B-B14F-4D97-AF65-F5344CB8AC3E}">
-        <p14:creationId xmlns="" xmlns:p14="http://schemas.microsoft.com/office/powerpoint/2010/main" val="3505896177"/>
+        <p14:creationId xmlns:p14="http://schemas.microsoft.com/office/powerpoint/2010/main" val="3505896177"/>
       </p:ext>
     </p:extLst>
   </p:cSld>
@@ -1735,7 +1751,7 @@
             <a:fld id="{B1816B0C-7247-44DD-BCB7-DAF5E546C78B}" type="datetimeFigureOut">
               <a:rPr lang="de-DE" smtClean="0"/>
               <a:pPr/>
-              <a:t>03.10.2018</a:t>
+              <a:t>04.10.2018</a:t>
             </a:fld>
             <a:endParaRPr lang="de-DE"/>
           </a:p>
@@ -1778,7 +1794,7 @@
             <a:fld id="{4DE28FB9-0510-47D8-A3D4-85FD7A605EA3}" type="slidenum">
               <a:rPr lang="de-DE" smtClean="0"/>
               <a:pPr/>
-              <a:t>‹#›</a:t>
+              <a:t>‹Nr.›</a:t>
             </a:fld>
             <a:endParaRPr lang="de-DE"/>
           </a:p>
@@ -1787,7 +1803,7 @@
     </p:spTree>
     <p:extLst>
       <p:ext uri="{BB962C8B-B14F-4D97-AF65-F5344CB8AC3E}">
-        <p14:creationId xmlns="" xmlns:p14="http://schemas.microsoft.com/office/powerpoint/2010/main" val="704671550"/>
+        <p14:creationId xmlns:p14="http://schemas.microsoft.com/office/powerpoint/2010/main" val="704671550"/>
       </p:ext>
     </p:extLst>
   </p:cSld>
@@ -1832,7 +1848,7 @@
             <a:fld id="{B1816B0C-7247-44DD-BCB7-DAF5E546C78B}" type="datetimeFigureOut">
               <a:rPr lang="de-DE" smtClean="0"/>
               <a:pPr/>
-              <a:t>03.10.2018</a:t>
+              <a:t>04.10.2018</a:t>
             </a:fld>
             <a:endParaRPr lang="de-DE"/>
           </a:p>
@@ -1875,7 +1891,7 @@
             <a:fld id="{4DE28FB9-0510-47D8-A3D4-85FD7A605EA3}" type="slidenum">
               <a:rPr lang="de-DE" smtClean="0"/>
               <a:pPr/>
-              <a:t>‹#›</a:t>
+              <a:t>‹Nr.›</a:t>
             </a:fld>
             <a:endParaRPr lang="de-DE"/>
           </a:p>
@@ -1884,7 +1900,7 @@
     </p:spTree>
     <p:extLst>
       <p:ext uri="{BB962C8B-B14F-4D97-AF65-F5344CB8AC3E}">
-        <p14:creationId xmlns="" xmlns:p14="http://schemas.microsoft.com/office/powerpoint/2010/main" val="449122657"/>
+        <p14:creationId xmlns:p14="http://schemas.microsoft.com/office/powerpoint/2010/main" val="449122657"/>
       </p:ext>
     </p:extLst>
   </p:cSld>
@@ -2111,7 +2127,7 @@
             <a:fld id="{B1816B0C-7247-44DD-BCB7-DAF5E546C78B}" type="datetimeFigureOut">
               <a:rPr lang="de-DE" smtClean="0"/>
               <a:pPr/>
-              <a:t>03.10.2018</a:t>
+              <a:t>04.10.2018</a:t>
             </a:fld>
             <a:endParaRPr lang="de-DE"/>
           </a:p>
@@ -2154,7 +2170,7 @@
             <a:fld id="{4DE28FB9-0510-47D8-A3D4-85FD7A605EA3}" type="slidenum">
               <a:rPr lang="de-DE" smtClean="0"/>
               <a:pPr/>
-              <a:t>‹#›</a:t>
+              <a:t>‹Nr.›</a:t>
             </a:fld>
             <a:endParaRPr lang="de-DE"/>
           </a:p>
@@ -2163,7 +2179,7 @@
     </p:spTree>
     <p:extLst>
       <p:ext uri="{BB962C8B-B14F-4D97-AF65-F5344CB8AC3E}">
-        <p14:creationId xmlns="" xmlns:p14="http://schemas.microsoft.com/office/powerpoint/2010/main" val="2525634023"/>
+        <p14:creationId xmlns:p14="http://schemas.microsoft.com/office/powerpoint/2010/main" val="2525634023"/>
       </p:ext>
     </p:extLst>
   </p:cSld>
@@ -2370,7 +2386,7 @@
             <a:fld id="{B1816B0C-7247-44DD-BCB7-DAF5E546C78B}" type="datetimeFigureOut">
               <a:rPr lang="de-DE" smtClean="0"/>
               <a:pPr/>
-              <a:t>03.10.2018</a:t>
+              <a:t>04.10.2018</a:t>
             </a:fld>
             <a:endParaRPr lang="de-DE"/>
           </a:p>
@@ -2413,7 +2429,7 @@
             <a:fld id="{4DE28FB9-0510-47D8-A3D4-85FD7A605EA3}" type="slidenum">
               <a:rPr lang="de-DE" smtClean="0"/>
               <a:pPr/>
-              <a:t>‹#›</a:t>
+              <a:t>‹Nr.›</a:t>
             </a:fld>
             <a:endParaRPr lang="de-DE"/>
           </a:p>
@@ -2422,7 +2438,7 @@
     </p:spTree>
     <p:extLst>
       <p:ext uri="{BB962C8B-B14F-4D97-AF65-F5344CB8AC3E}">
-        <p14:creationId xmlns="" xmlns:p14="http://schemas.microsoft.com/office/powerpoint/2010/main" val="2050898295"/>
+        <p14:creationId xmlns:p14="http://schemas.microsoft.com/office/powerpoint/2010/main" val="2050898295"/>
       </p:ext>
     </p:extLst>
   </p:cSld>
@@ -2585,7 +2601,7 @@
             <a:fld id="{B1816B0C-7247-44DD-BCB7-DAF5E546C78B}" type="datetimeFigureOut">
               <a:rPr lang="de-DE" smtClean="0"/>
               <a:pPr/>
-              <a:t>03.10.2018</a:t>
+              <a:t>04.10.2018</a:t>
             </a:fld>
             <a:endParaRPr lang="de-DE"/>
           </a:p>
@@ -2664,7 +2680,7 @@
             <a:fld id="{4DE28FB9-0510-47D8-A3D4-85FD7A605EA3}" type="slidenum">
               <a:rPr lang="de-DE" smtClean="0"/>
               <a:pPr/>
-              <a:t>‹#›</a:t>
+              <a:t>‹Nr.›</a:t>
             </a:fld>
             <a:endParaRPr lang="de-DE"/>
           </a:p>
@@ -2673,7 +2689,7 @@
     </p:spTree>
     <p:extLst>
       <p:ext uri="{BB962C8B-B14F-4D97-AF65-F5344CB8AC3E}">
-        <p14:creationId xmlns="" xmlns:p14="http://schemas.microsoft.com/office/powerpoint/2010/main" val="872436980"/>
+        <p14:creationId xmlns:p14="http://schemas.microsoft.com/office/powerpoint/2010/main" val="872436980"/>
       </p:ext>
     </p:extLst>
   </p:cSld>
@@ -5076,14 +5092,14 @@
       </p:cxnSp>
       <p:sp>
         <p:nvSpPr>
-          <p:cNvPr id="91" name="Rectangle 90"/>
+          <p:cNvPr id="93" name="Rectangle 92"/>
           <p:cNvSpPr/>
           <p:nvPr/>
         </p:nvSpPr>
         <p:spPr>
           <a:xfrm>
-            <a:off x="448174" y="7451533"/>
-            <a:ext cx="1007190" cy="782315"/>
+            <a:off x="8878960" y="4089400"/>
+            <a:ext cx="938140" cy="850900"/>
           </a:xfrm>
           <a:prstGeom prst="rect">
             <a:avLst/>
@@ -5111,36 +5127,36 @@
           <a:p>
             <a:pPr algn="ctr"/>
             <a:r>
-              <a:rPr lang="en-GB" sz="1400" dirty="0" smtClean="0"/>
-              <a:t>PCA9306</a:t>
-            </a:r>
-          </a:p>
-          <a:p>
-            <a:pPr algn="ctr"/>
-            <a:r>
-              <a:rPr lang="de-DE" sz="1400" dirty="0" smtClean="0"/>
-              <a:t>Level</a:t>
-            </a:r>
-          </a:p>
-          <a:p>
-            <a:pPr algn="ctr"/>
-            <a:r>
-              <a:rPr lang="de-DE" sz="1400" dirty="0" smtClean="0"/>
-              <a:t>Shifter</a:t>
-            </a:r>
-            <a:endParaRPr lang="de-DE" sz="1400" dirty="0"/>
-          </a:p>
-        </p:txBody>
-      </p:sp>
-      <p:sp>
-        <p:nvSpPr>
-          <p:cNvPr id="93" name="Rectangle 92"/>
+              <a:rPr lang="de-DE" sz="1200" dirty="0" smtClean="0"/>
+              <a:t>Jumper</a:t>
+            </a:r>
+          </a:p>
+          <a:p>
+            <a:pPr algn="ctr"/>
+            <a:r>
+              <a:rPr lang="de-DE" sz="1200" dirty="0" smtClean="0"/>
+              <a:t>For  USB</a:t>
+            </a:r>
+          </a:p>
+          <a:p>
+            <a:pPr algn="ctr"/>
+            <a:r>
+              <a:rPr lang="de-DE" sz="1200" dirty="0" smtClean="0"/>
+              <a:t>Program</a:t>
+            </a:r>
+            <a:endParaRPr lang="de-DE" sz="1200" dirty="0"/>
+          </a:p>
+        </p:txBody>
+      </p:sp>
+      <p:sp>
+        <p:nvSpPr>
+          <p:cNvPr id="94" name="Rectangle 93"/>
           <p:cNvSpPr/>
           <p:nvPr/>
         </p:nvSpPr>
         <p:spPr>
           <a:xfrm>
-            <a:off x="8878960" y="4089400"/>
+            <a:off x="9894960" y="4089400"/>
             <a:ext cx="938140" cy="850900"/>
           </a:xfrm>
           <a:prstGeom prst="rect">
@@ -5192,13 +5208,13 @@
       </p:sp>
       <p:sp>
         <p:nvSpPr>
-          <p:cNvPr id="94" name="Rectangle 93"/>
+          <p:cNvPr id="97" name="Rectangle 96"/>
           <p:cNvSpPr/>
           <p:nvPr/>
         </p:nvSpPr>
         <p:spPr>
           <a:xfrm>
-            <a:off x="9894960" y="4089400"/>
+            <a:off x="11482460" y="4089400"/>
             <a:ext cx="938140" cy="850900"/>
           </a:xfrm>
           <a:prstGeom prst="rect">
@@ -5248,68 +5264,10 @@
           </a:p>
         </p:txBody>
       </p:sp>
-      <p:sp>
-        <p:nvSpPr>
-          <p:cNvPr id="97" name="Rectangle 96"/>
-          <p:cNvSpPr/>
-          <p:nvPr/>
-        </p:nvSpPr>
-        <p:spPr>
-          <a:xfrm>
-            <a:off x="11482460" y="4089400"/>
-            <a:ext cx="938140" cy="850900"/>
-          </a:xfrm>
-          <a:prstGeom prst="rect">
-            <a:avLst/>
-          </a:prstGeom>
-        </p:spPr>
-        <p:style>
-          <a:lnRef idx="2">
-            <a:schemeClr val="accent1">
-              <a:shade val="50000"/>
-            </a:schemeClr>
-          </a:lnRef>
-          <a:fillRef idx="1">
-            <a:schemeClr val="accent1"/>
-          </a:fillRef>
-          <a:effectRef idx="0">
-            <a:schemeClr val="accent1"/>
-          </a:effectRef>
-          <a:fontRef idx="minor">
-            <a:schemeClr val="lt1"/>
-          </a:fontRef>
-        </p:style>
-        <p:txBody>
-          <a:bodyPr lIns="91423" tIns="45712" rIns="91423" bIns="45712" rtlCol="0" anchor="ctr"/>
-          <a:lstStyle/>
-          <a:p>
-            <a:pPr algn="ctr"/>
-            <a:r>
-              <a:rPr lang="de-DE" sz="1200" dirty="0" smtClean="0"/>
-              <a:t>Jumper</a:t>
-            </a:r>
-          </a:p>
-          <a:p>
-            <a:pPr algn="ctr"/>
-            <a:r>
-              <a:rPr lang="de-DE" sz="1200" dirty="0" smtClean="0"/>
-              <a:t>For  USB</a:t>
-            </a:r>
-          </a:p>
-          <a:p>
-            <a:pPr algn="ctr"/>
-            <a:r>
-              <a:rPr lang="de-DE" sz="1200" dirty="0" smtClean="0"/>
-              <a:t>Program</a:t>
-            </a:r>
-            <a:endParaRPr lang="de-DE" sz="1200" dirty="0"/>
-          </a:p>
-        </p:txBody>
-      </p:sp>
     </p:spTree>
     <p:extLst>
       <p:ext uri="{BB962C8B-B14F-4D97-AF65-F5344CB8AC3E}">
-        <p14:creationId xmlns="" xmlns:p14="http://schemas.microsoft.com/office/powerpoint/2010/main" val="501831016"/>
+        <p14:creationId xmlns:p14="http://schemas.microsoft.com/office/powerpoint/2010/main" val="501831016"/>
       </p:ext>
     </p:extLst>
   </p:cSld>
@@ -7291,7 +7249,7 @@
     </p:spTree>
     <p:extLst>
       <p:ext uri="{BB962C8B-B14F-4D97-AF65-F5344CB8AC3E}">
-        <p14:creationId xmlns="" xmlns:p14="http://schemas.microsoft.com/office/powerpoint/2010/main" val="501831016"/>
+        <p14:creationId xmlns:p14="http://schemas.microsoft.com/office/powerpoint/2010/main" val="501831016"/>
       </p:ext>
     </p:extLst>
   </p:cSld>
@@ -7563,7 +7521,7 @@
   <a:extraClrSchemeLst/>
   <a:extLst>
     <a:ext uri="{05A4C25C-085E-4340-85A3-A5531E510DB2}">
-      <thm15:themeFamily xmlns="" xmlns:thm15="http://schemas.microsoft.com/office/thememl/2012/main" name="Office Theme" id="{62F939B6-93AF-4DB8-9C6B-D6C7DFDC589F}" vid="{4A3C46E8-61CC-4603-A589-7422A47A8E4A}"/>
+      <thm15:themeFamily xmlns:thm15="http://schemas.microsoft.com/office/thememl/2012/main" name="Office Theme" id="{62F939B6-93AF-4DB8-9C6B-D6C7DFDC589F}" vid="{4A3C46E8-61CC-4603-A589-7422A47A8E4A}"/>
     </a:ext>
   </a:extLst>
 </a:theme>
